--- a/agents.pptx
+++ b/agents.pptx
@@ -46,7 +46,6 @@
     <p:sldId id="278" r:id="rId24"/>
     <p:sldId id="279" r:id="rId25"/>
     <p:sldId id="297" r:id="rId47"/>
-    <p:sldId id="280" r:id="rId26"/>
   </p:sldIdLst>
   <p:sldSz cx="9144000" cy="6858000" type="screen4x3"/>
   <p:notesSz cx="6858000" cy="9144000"/>
@@ -3186,6 +3185,111 @@
           </a:p>
         </p:txBody>
       </p:sp>
+      <p:sp>
+        <p:nvSpPr>
+          <p:cNvPr id="4" name="Rounded Rectangle 3"/>
+          <p:cNvSpPr/>
+          <p:nvPr/>
+        </p:nvSpPr>
+        <p:spPr>
+          <a:xfrm>
+            <a:off x="8238744" y="4416552"/>
+            <a:ext cx="3675887" cy="2212848"/>
+          </a:xfrm>
+          <a:prstGeom prst="roundRect">
+            <a:avLst/>
+          </a:prstGeom>
+          <a:solidFill>
+            <a:srgbClr val="141B2C"/>
+          </a:solidFill>
+          <a:ln w="12700">
+            <a:solidFill>
+              <a:srgbClr val="485F89"/>
+            </a:solidFill>
+          </a:ln>
+          <a:effectLst/>
+        </p:spPr>
+        <p:style>
+          <a:lnRef idx="1">
+            <a:schemeClr val="accent1"/>
+          </a:lnRef>
+          <a:fillRef idx="3">
+            <a:schemeClr val="accent1"/>
+          </a:fillRef>
+          <a:effectRef idx="2">
+            <a:schemeClr val="accent1"/>
+          </a:effectRef>
+          <a:fontRef idx="minor">
+            <a:schemeClr val="lt1"/>
+          </a:fontRef>
+        </p:style>
+        <p:txBody>
+          <a:bodyPr rtlCol="0" anchor="ctr"/>
+          <a:lstStyle/>
+          <a:p>
+            <a:pPr algn="ctr"/>
+          </a:p>
+        </p:txBody>
+      </p:sp>
+      <p:pic>
+        <p:nvPicPr>
+          <p:cNvPr id="5" name="Picture 4" descr="image.png"/>
+          <p:cNvPicPr>
+            <a:picLocks noChangeAspect="1"/>
+          </p:cNvPicPr>
+          <p:nvPr/>
+        </p:nvPicPr>
+        <p:blipFill>
+          <a:blip r:embed="rId2"/>
+          <a:stretch>
+            <a:fillRect/>
+          </a:stretch>
+        </p:blipFill>
+        <p:spPr>
+          <a:xfrm>
+            <a:off x="8284464" y="4462272"/>
+            <a:ext cx="3584448" cy="2121408"/>
+          </a:xfrm>
+          <a:prstGeom prst="rect">
+            <a:avLst/>
+          </a:prstGeom>
+        </p:spPr>
+      </p:pic>
+      <p:sp>
+        <p:nvSpPr>
+          <p:cNvPr id="6" name="TextBox 5"/>
+          <p:cNvSpPr txBox="1"/>
+          <p:nvPr/>
+        </p:nvSpPr>
+        <p:spPr>
+          <a:xfrm>
+            <a:off x="256032" y="6455664"/>
+            <a:ext cx="11686032" cy="310896"/>
+          </a:xfrm>
+          <a:prstGeom prst="rect">
+            <a:avLst/>
+          </a:prstGeom>
+          <a:noFill/>
+        </p:spPr>
+        <p:txBody>
+          <a:bodyPr wrap="none">
+            <a:spAutoFit/>
+          </a:bodyPr>
+          <a:lstStyle/>
+          <a:p>
+            <a:pPr>
+              <a:defRPr sz="650">
+                <a:solidFill>
+                  <a:srgbClr val="757B88"/>
+                </a:solidFill>
+              </a:defRPr>
+            </a:pPr>
+            <a:r>
+              <a:t>Refs: https://developers.openai.com/codex/ | https://docs.github.com/en/copilot/concepts/agents/coding-agent/about-coding-agent | https://modelcontextprotocol.io/specification/2025-11-25/basic</a:t>
+            </a:r>
+          </a:p>
+        </p:txBody>
+      </p:sp>
     </p:spTree>
   </p:cSld>
   <p:clrMapOvr>
@@ -3273,6 +3377,111 @@
           </a:p>
         </p:txBody>
       </p:sp>
+      <p:sp>
+        <p:nvSpPr>
+          <p:cNvPr id="4" name="Rounded Rectangle 3"/>
+          <p:cNvSpPr/>
+          <p:nvPr/>
+        </p:nvSpPr>
+        <p:spPr>
+          <a:xfrm>
+            <a:off x="8238744" y="4416552"/>
+            <a:ext cx="3675887" cy="2212848"/>
+          </a:xfrm>
+          <a:prstGeom prst="roundRect">
+            <a:avLst/>
+          </a:prstGeom>
+          <a:solidFill>
+            <a:srgbClr val="141B2C"/>
+          </a:solidFill>
+          <a:ln w="12700">
+            <a:solidFill>
+              <a:srgbClr val="485F89"/>
+            </a:solidFill>
+          </a:ln>
+          <a:effectLst/>
+        </p:spPr>
+        <p:style>
+          <a:lnRef idx="1">
+            <a:schemeClr val="accent1"/>
+          </a:lnRef>
+          <a:fillRef idx="3">
+            <a:schemeClr val="accent1"/>
+          </a:fillRef>
+          <a:effectRef idx="2">
+            <a:schemeClr val="accent1"/>
+          </a:effectRef>
+          <a:fontRef idx="minor">
+            <a:schemeClr val="lt1"/>
+          </a:fontRef>
+        </p:style>
+        <p:txBody>
+          <a:bodyPr rtlCol="0" anchor="ctr"/>
+          <a:lstStyle/>
+          <a:p>
+            <a:pPr algn="ctr"/>
+          </a:p>
+        </p:txBody>
+      </p:sp>
+      <p:pic>
+        <p:nvPicPr>
+          <p:cNvPr id="5" name="Picture 4" descr="sim_snapshot_1_astar.png"/>
+          <p:cNvPicPr>
+            <a:picLocks noChangeAspect="1"/>
+          </p:cNvPicPr>
+          <p:nvPr/>
+        </p:nvPicPr>
+        <p:blipFill>
+          <a:blip r:embed="rId2"/>
+          <a:stretch>
+            <a:fillRect/>
+          </a:stretch>
+        </p:blipFill>
+        <p:spPr>
+          <a:xfrm>
+            <a:off x="8284464" y="4462272"/>
+            <a:ext cx="3584448" cy="2121408"/>
+          </a:xfrm>
+          <a:prstGeom prst="rect">
+            <a:avLst/>
+          </a:prstGeom>
+        </p:spPr>
+      </p:pic>
+      <p:sp>
+        <p:nvSpPr>
+          <p:cNvPr id="6" name="TextBox 5"/>
+          <p:cNvSpPr txBox="1"/>
+          <p:nvPr/>
+        </p:nvSpPr>
+        <p:spPr>
+          <a:xfrm>
+            <a:off x="256032" y="6455664"/>
+            <a:ext cx="11686032" cy="310896"/>
+          </a:xfrm>
+          <a:prstGeom prst="rect">
+            <a:avLst/>
+          </a:prstGeom>
+          <a:noFill/>
+        </p:spPr>
+        <p:txBody>
+          <a:bodyPr wrap="none">
+            <a:spAutoFit/>
+          </a:bodyPr>
+          <a:lstStyle/>
+          <a:p>
+            <a:pPr>
+              <a:defRPr sz="650">
+                <a:solidFill>
+                  <a:srgbClr val="757B88"/>
+                </a:solidFill>
+              </a:defRPr>
+            </a:pPr>
+            <a:r>
+              <a:t>Refs: https://jules.google/docs/api/reference/overview | https://jules.google/docs/api/reference/ | https://jules.google/docs/changelog/2025-10-03/</a:t>
+            </a:r>
+          </a:p>
+        </p:txBody>
+      </p:sp>
     </p:spTree>
   </p:cSld>
   <p:clrMapOvr>
@@ -3365,6 +3574,111 @@
           </a:p>
         </p:txBody>
       </p:sp>
+      <p:sp>
+        <p:nvSpPr>
+          <p:cNvPr id="4" name="Rounded Rectangle 3"/>
+          <p:cNvSpPr/>
+          <p:nvPr/>
+        </p:nvSpPr>
+        <p:spPr>
+          <a:xfrm>
+            <a:off x="8238744" y="4416552"/>
+            <a:ext cx="3675887" cy="2212848"/>
+          </a:xfrm>
+          <a:prstGeom prst="roundRect">
+            <a:avLst/>
+          </a:prstGeom>
+          <a:solidFill>
+            <a:srgbClr val="141B2C"/>
+          </a:solidFill>
+          <a:ln w="12700">
+            <a:solidFill>
+              <a:srgbClr val="485F89"/>
+            </a:solidFill>
+          </a:ln>
+          <a:effectLst/>
+        </p:spPr>
+        <p:style>
+          <a:lnRef idx="1">
+            <a:schemeClr val="accent1"/>
+          </a:lnRef>
+          <a:fillRef idx="3">
+            <a:schemeClr val="accent1"/>
+          </a:fillRef>
+          <a:effectRef idx="2">
+            <a:schemeClr val="accent1"/>
+          </a:effectRef>
+          <a:fontRef idx="minor">
+            <a:schemeClr val="lt1"/>
+          </a:fontRef>
+        </p:style>
+        <p:txBody>
+          <a:bodyPr rtlCol="0" anchor="ctr"/>
+          <a:lstStyle/>
+          <a:p>
+            <a:pPr algn="ctr"/>
+          </a:p>
+        </p:txBody>
+      </p:sp>
+      <p:pic>
+        <p:nvPicPr>
+          <p:cNvPr id="5" name="Picture 4" descr="sim_snapshot_2_weighted_astar.png"/>
+          <p:cNvPicPr>
+            <a:picLocks noChangeAspect="1"/>
+          </p:cNvPicPr>
+          <p:nvPr/>
+        </p:nvPicPr>
+        <p:blipFill>
+          <a:blip r:embed="rId2"/>
+          <a:stretch>
+            <a:fillRect/>
+          </a:stretch>
+        </p:blipFill>
+        <p:spPr>
+          <a:xfrm>
+            <a:off x="8284464" y="4462272"/>
+            <a:ext cx="3584448" cy="2121408"/>
+          </a:xfrm>
+          <a:prstGeom prst="rect">
+            <a:avLst/>
+          </a:prstGeom>
+        </p:spPr>
+      </p:pic>
+      <p:sp>
+        <p:nvSpPr>
+          <p:cNvPr id="6" name="TextBox 5"/>
+          <p:cNvSpPr txBox="1"/>
+          <p:nvPr/>
+        </p:nvSpPr>
+        <p:spPr>
+          <a:xfrm>
+            <a:off x="256032" y="6455664"/>
+            <a:ext cx="11686032" cy="310896"/>
+          </a:xfrm>
+          <a:prstGeom prst="rect">
+            <a:avLst/>
+          </a:prstGeom>
+          <a:noFill/>
+        </p:spPr>
+        <p:txBody>
+          <a:bodyPr wrap="none">
+            <a:spAutoFit/>
+          </a:bodyPr>
+          <a:lstStyle/>
+          <a:p>
+            <a:pPr>
+              <a:defRPr sz="650">
+                <a:solidFill>
+                  <a:srgbClr val="757B88"/>
+                </a:solidFill>
+              </a:defRPr>
+            </a:pPr>
+            <a:r>
+              <a:t>Refs: https://github.com/google-gemini/gemini-cli | https://jules.google/docs/cli/reference/ | https://commons.wikimedia.org/wiki/File:Robonaut_2_on_display_at_NASM_(NHQ202410240009).jpg</a:t>
+            </a:r>
+          </a:p>
+        </p:txBody>
+      </p:sp>
     </p:spTree>
   </p:cSld>
   <p:clrMapOvr>
@@ -3455,6 +3769,111 @@
           </a:p>
         </p:txBody>
       </p:sp>
+      <p:sp>
+        <p:nvSpPr>
+          <p:cNvPr id="4" name="Rounded Rectangle 3"/>
+          <p:cNvSpPr/>
+          <p:nvPr/>
+        </p:nvSpPr>
+        <p:spPr>
+          <a:xfrm>
+            <a:off x="8238744" y="4416552"/>
+            <a:ext cx="3675887" cy="2212848"/>
+          </a:xfrm>
+          <a:prstGeom prst="roundRect">
+            <a:avLst/>
+          </a:prstGeom>
+          <a:solidFill>
+            <a:srgbClr val="141B2C"/>
+          </a:solidFill>
+          <a:ln w="12700">
+            <a:solidFill>
+              <a:srgbClr val="485F89"/>
+            </a:solidFill>
+          </a:ln>
+          <a:effectLst/>
+        </p:spPr>
+        <p:style>
+          <a:lnRef idx="1">
+            <a:schemeClr val="accent1"/>
+          </a:lnRef>
+          <a:fillRef idx="3">
+            <a:schemeClr val="accent1"/>
+          </a:fillRef>
+          <a:effectRef idx="2">
+            <a:schemeClr val="accent1"/>
+          </a:effectRef>
+          <a:fontRef idx="minor">
+            <a:schemeClr val="lt1"/>
+          </a:fontRef>
+        </p:style>
+        <p:txBody>
+          <a:bodyPr rtlCol="0" anchor="ctr"/>
+          <a:lstStyle/>
+          <a:p>
+            <a:pPr algn="ctr"/>
+          </a:p>
+        </p:txBody>
+      </p:sp>
+      <p:pic>
+        <p:nvPicPr>
+          <p:cNvPr id="5" name="Picture 4" descr="sim_snapshot_3_fringe_search.png"/>
+          <p:cNvPicPr>
+            <a:picLocks noChangeAspect="1"/>
+          </p:cNvPicPr>
+          <p:nvPr/>
+        </p:nvPicPr>
+        <p:blipFill>
+          <a:blip r:embed="rId2"/>
+          <a:stretch>
+            <a:fillRect/>
+          </a:stretch>
+        </p:blipFill>
+        <p:spPr>
+          <a:xfrm>
+            <a:off x="8284464" y="4462272"/>
+            <a:ext cx="3584448" cy="2121408"/>
+          </a:xfrm>
+          <a:prstGeom prst="rect">
+            <a:avLst/>
+          </a:prstGeom>
+        </p:spPr>
+      </p:pic>
+      <p:sp>
+        <p:nvSpPr>
+          <p:cNvPr id="6" name="TextBox 5"/>
+          <p:cNvSpPr txBox="1"/>
+          <p:nvPr/>
+        </p:nvSpPr>
+        <p:spPr>
+          <a:xfrm>
+            <a:off x="256032" y="6455664"/>
+            <a:ext cx="11686032" cy="310896"/>
+          </a:xfrm>
+          <a:prstGeom prst="rect">
+            <a:avLst/>
+          </a:prstGeom>
+          <a:noFill/>
+        </p:spPr>
+        <p:txBody>
+          <a:bodyPr wrap="none">
+            <a:spAutoFit/>
+          </a:bodyPr>
+          <a:lstStyle/>
+          <a:p>
+            <a:pPr>
+              <a:defRPr sz="650">
+                <a:solidFill>
+                  <a:srgbClr val="757B88"/>
+                </a:solidFill>
+              </a:defRPr>
+            </a:pPr>
+            <a:r>
+              <a:t>Refs: https://developers.openai.com/codex/cli/features/ | https://github.com/google-gemini/gemini-cli | https://commons.wikimedia.org/wiki/File:ISS-29_second_onboard_tests_of_Robonaut_2.jpg</a:t>
+            </a:r>
+          </a:p>
+        </p:txBody>
+      </p:sp>
     </p:spTree>
   </p:cSld>
   <p:clrMapOvr>
@@ -3519,7 +3938,7 @@
             <a:pPr/>
             <a:r>
               <a:rPr sz="1900"/>
-              <a:t>OpenAI positions GPT-5.2 Pro as the highest-capability GPT-5.2 tier (Responses API only).</a:t>
+              <a:t>As of Feb 26, 2026 docs, OpenAI presents GPT-5.2 Pro as a highest-capability GPT-5.2 tier via the Responses API.</a:t>
             </a:r>
           </a:p>
           <a:p>
@@ -3541,6 +3960,111 @@
             <a:r>
               <a:rPr sz="1900"/>
               <a:t>When uncertainty and downside risk are high, paying for stronger reasoning is usually net-positive.</a:t>
+            </a:r>
+          </a:p>
+        </p:txBody>
+      </p:sp>
+      <p:sp>
+        <p:nvSpPr>
+          <p:cNvPr id="4" name="Rounded Rectangle 3"/>
+          <p:cNvSpPr/>
+          <p:nvPr/>
+        </p:nvSpPr>
+        <p:spPr>
+          <a:xfrm>
+            <a:off x="8238744" y="4416552"/>
+            <a:ext cx="3675887" cy="2212848"/>
+          </a:xfrm>
+          <a:prstGeom prst="roundRect">
+            <a:avLst/>
+          </a:prstGeom>
+          <a:solidFill>
+            <a:srgbClr val="141B2C"/>
+          </a:solidFill>
+          <a:ln w="12700">
+            <a:solidFill>
+              <a:srgbClr val="485F89"/>
+            </a:solidFill>
+          </a:ln>
+          <a:effectLst/>
+        </p:spPr>
+        <p:style>
+          <a:lnRef idx="1">
+            <a:schemeClr val="accent1"/>
+          </a:lnRef>
+          <a:fillRef idx="3">
+            <a:schemeClr val="accent1"/>
+          </a:fillRef>
+          <a:effectRef idx="2">
+            <a:schemeClr val="accent1"/>
+          </a:effectRef>
+          <a:fontRef idx="minor">
+            <a:schemeClr val="lt1"/>
+          </a:fontRef>
+        </p:style>
+        <p:txBody>
+          <a:bodyPr rtlCol="0" anchor="ctr"/>
+          <a:lstStyle/>
+          <a:p>
+            <a:pPr algn="ctr"/>
+          </a:p>
+        </p:txBody>
+      </p:sp>
+      <p:pic>
+        <p:nvPicPr>
+          <p:cNvPr id="5" name="Picture 4" descr="sim_mujoco_1_astar.png"/>
+          <p:cNvPicPr>
+            <a:picLocks noChangeAspect="1"/>
+          </p:cNvPicPr>
+          <p:nvPr/>
+        </p:nvPicPr>
+        <p:blipFill>
+          <a:blip r:embed="rId2"/>
+          <a:stretch>
+            <a:fillRect/>
+          </a:stretch>
+        </p:blipFill>
+        <p:spPr>
+          <a:xfrm>
+            <a:off x="8284464" y="4462272"/>
+            <a:ext cx="3584448" cy="2121408"/>
+          </a:xfrm>
+          <a:prstGeom prst="rect">
+            <a:avLst/>
+          </a:prstGeom>
+        </p:spPr>
+      </p:pic>
+      <p:sp>
+        <p:nvSpPr>
+          <p:cNvPr id="6" name="TextBox 5"/>
+          <p:cNvSpPr txBox="1"/>
+          <p:nvPr/>
+        </p:nvSpPr>
+        <p:spPr>
+          <a:xfrm>
+            <a:off x="256032" y="6455664"/>
+            <a:ext cx="11686032" cy="310896"/>
+          </a:xfrm>
+          <a:prstGeom prst="rect">
+            <a:avLst/>
+          </a:prstGeom>
+          <a:noFill/>
+        </p:spPr>
+        <p:txBody>
+          <a:bodyPr wrap="none">
+            <a:spAutoFit/>
+          </a:bodyPr>
+          <a:lstStyle/>
+          <a:p>
+            <a:pPr>
+              <a:defRPr sz="650">
+                <a:solidFill>
+                  <a:srgbClr val="757B88"/>
+                </a:solidFill>
+              </a:defRPr>
+            </a:pPr>
+            <a:r>
+              <a:t>Refs: https://platform.openai.com/docs/models | https://platform.openai.com/docs/api-reference/responses/retrieve | https://openai.com/api/pricing/</a:t>
             </a:r>
           </a:p>
         </p:txBody>
@@ -3609,14 +4133,14 @@
             <a:pPr/>
             <a:r>
               <a:rPr sz="1900"/>
-              <a:t>Gemini CLI: `/plan` switches to read-only planning mode (feature marked experimental).</a:t>
+              <a:t>As of Feb 26, 2026 docs, Gemini CLI includes an experimental `/plan` mode for planning-first workflows.</a:t>
             </a:r>
           </a:p>
           <a:p>
             <a:pPr/>
             <a:r>
               <a:rPr sz="1900"/>
-              <a:t>Gemini also supports `--approval-mode=plan` and explicit plan artifact generation before coding.</a:t>
+              <a:t>Plan-mode flags and constraints can change by release; verify current CLI help/docs before use.</a:t>
             </a:r>
           </a:p>
           <a:p>
@@ -3630,7 +4154,112 @@
             <a:pPr/>
             <a:r>
               <a:rPr sz="1900"/>
-              <a:t>Note: in Gemini docs, enter-plan tool is unavailable while running in YOLO mode.</a:t>
+              <a:t>As of Feb 26, 2026 docs, plan tooling is restricted during fully autonomous (`--yolo`) runs.</a:t>
+            </a:r>
+          </a:p>
+        </p:txBody>
+      </p:sp>
+      <p:sp>
+        <p:nvSpPr>
+          <p:cNvPr id="4" name="Rounded Rectangle 3"/>
+          <p:cNvSpPr/>
+          <p:nvPr/>
+        </p:nvSpPr>
+        <p:spPr>
+          <a:xfrm>
+            <a:off x="8238744" y="4416552"/>
+            <a:ext cx="3675887" cy="2212848"/>
+          </a:xfrm>
+          <a:prstGeom prst="roundRect">
+            <a:avLst/>
+          </a:prstGeom>
+          <a:solidFill>
+            <a:srgbClr val="141B2C"/>
+          </a:solidFill>
+          <a:ln w="12700">
+            <a:solidFill>
+              <a:srgbClr val="485F89"/>
+            </a:solidFill>
+          </a:ln>
+          <a:effectLst/>
+        </p:spPr>
+        <p:style>
+          <a:lnRef idx="1">
+            <a:schemeClr val="accent1"/>
+          </a:lnRef>
+          <a:fillRef idx="3">
+            <a:schemeClr val="accent1"/>
+          </a:fillRef>
+          <a:effectRef idx="2">
+            <a:schemeClr val="accent1"/>
+          </a:effectRef>
+          <a:fontRef idx="minor">
+            <a:schemeClr val="lt1"/>
+          </a:fontRef>
+        </p:style>
+        <p:txBody>
+          <a:bodyPr rtlCol="0" anchor="ctr"/>
+          <a:lstStyle/>
+          <a:p>
+            <a:pPr algn="ctr"/>
+          </a:p>
+        </p:txBody>
+      </p:sp>
+      <p:pic>
+        <p:nvPicPr>
+          <p:cNvPr id="5" name="Picture 4" descr="sim_mujoco_2_weighted_astar.png"/>
+          <p:cNvPicPr>
+            <a:picLocks noChangeAspect="1"/>
+          </p:cNvPicPr>
+          <p:nvPr/>
+        </p:nvPicPr>
+        <p:blipFill>
+          <a:blip r:embed="rId2"/>
+          <a:stretch>
+            <a:fillRect/>
+          </a:stretch>
+        </p:blipFill>
+        <p:spPr>
+          <a:xfrm>
+            <a:off x="8284464" y="4462272"/>
+            <a:ext cx="3584448" cy="2121408"/>
+          </a:xfrm>
+          <a:prstGeom prst="rect">
+            <a:avLst/>
+          </a:prstGeom>
+        </p:spPr>
+      </p:pic>
+      <p:sp>
+        <p:nvSpPr>
+          <p:cNvPr id="6" name="TextBox 5"/>
+          <p:cNvSpPr txBox="1"/>
+          <p:nvPr/>
+        </p:nvSpPr>
+        <p:spPr>
+          <a:xfrm>
+            <a:off x="256032" y="6455664"/>
+            <a:ext cx="11686032" cy="310896"/>
+          </a:xfrm>
+          <a:prstGeom prst="rect">
+            <a:avLst/>
+          </a:prstGeom>
+          <a:noFill/>
+        </p:spPr>
+        <p:txBody>
+          <a:bodyPr wrap="none">
+            <a:spAutoFit/>
+          </a:bodyPr>
+          <a:lstStyle/>
+          <a:p>
+            <a:pPr>
+              <a:defRPr sz="650">
+                <a:solidFill>
+                  <a:srgbClr val="757B88"/>
+                </a:solidFill>
+              </a:defRPr>
+            </a:pPr>
+            <a:r>
+              <a:t>Refs: https://developers.openai.com/codex/cli/slash-commands/ | https://developers.openai.com/codex/config-reference/ | https://commons.wikimedia.org/wiki/File:Big_dog_military_robots.jpg</a:t>
             </a:r>
           </a:p>
         </p:txBody>
@@ -3692,7 +4321,7 @@
             <a:pPr/>
             <a:r>
               <a:rPr sz="1900"/>
-              <a:t>OpenAI ChatGPT: Plus $20/mo, Pro $200/mo, Business $25/user/mo (annual) (Enterprise: contact sales).</a:t>
+              <a:t>As of Feb 26, 2026: OpenAI ChatGPT offers Plus, Pro, Business, and Enterprise tiers (see pricing page for current amounts).</a:t>
             </a:r>
           </a:p>
           <a:p>
@@ -3706,14 +4335,14 @@
             <a:pPr/>
             <a:r>
               <a:rPr sz="1900"/>
-              <a:t>GitHub Copilot: Pro $10/mo, Pro+ $39/mo, Business $19/user/mo, Enterprise $39/user/mo.</a:t>
+              <a:t>As of Feb 26, 2026: GitHub Copilot offers Pro, Pro+, Business, and Enterprise tiers (see pricing page for current amounts).</a:t>
             </a:r>
           </a:p>
           <a:p>
             <a:pPr/>
             <a:r>
               <a:rPr sz="1900"/>
-              <a:t>Google AI plans: AI Pro $19.99/mo; AI Ultra launched at $249.99/mo in the US (pricing/promos can change).</a:t>
+              <a:t>As of Feb 26, 2026: Google AI offers Pro and Ultra tiers in the US (pricing/promotions can change).</a:t>
             </a:r>
           </a:p>
           <a:p>
@@ -3721,6 +4350,111 @@
             <a:r>
               <a:rPr sz="1900"/>
               <a:t>Jules: no separate public subscription on its own page; usage limits are tied to AI Pro/Ultra tiers.</a:t>
+            </a:r>
+          </a:p>
+        </p:txBody>
+      </p:sp>
+      <p:sp>
+        <p:nvSpPr>
+          <p:cNvPr id="4" name="Rounded Rectangle 3"/>
+          <p:cNvSpPr/>
+          <p:nvPr/>
+        </p:nvSpPr>
+        <p:spPr>
+          <a:xfrm>
+            <a:off x="8238744" y="4416552"/>
+            <a:ext cx="3675887" cy="2212848"/>
+          </a:xfrm>
+          <a:prstGeom prst="roundRect">
+            <a:avLst/>
+          </a:prstGeom>
+          <a:solidFill>
+            <a:srgbClr val="141B2C"/>
+          </a:solidFill>
+          <a:ln w="12700">
+            <a:solidFill>
+              <a:srgbClr val="485F89"/>
+            </a:solidFill>
+          </a:ln>
+          <a:effectLst/>
+        </p:spPr>
+        <p:style>
+          <a:lnRef idx="1">
+            <a:schemeClr val="accent1"/>
+          </a:lnRef>
+          <a:fillRef idx="3">
+            <a:schemeClr val="accent1"/>
+          </a:fillRef>
+          <a:effectRef idx="2">
+            <a:schemeClr val="accent1"/>
+          </a:effectRef>
+          <a:fontRef idx="minor">
+            <a:schemeClr val="lt1"/>
+          </a:fontRef>
+        </p:style>
+        <p:txBody>
+          <a:bodyPr rtlCol="0" anchor="ctr"/>
+          <a:lstStyle/>
+          <a:p>
+            <a:pPr algn="ctr"/>
+          </a:p>
+        </p:txBody>
+      </p:sp>
+      <p:pic>
+        <p:nvPicPr>
+          <p:cNvPr id="5" name="Picture 4" descr="sim_mujoco_1_astar.png"/>
+          <p:cNvPicPr>
+            <a:picLocks noChangeAspect="1"/>
+          </p:cNvPicPr>
+          <p:nvPr/>
+        </p:nvPicPr>
+        <p:blipFill>
+          <a:blip r:embed="rId2"/>
+          <a:stretch>
+            <a:fillRect/>
+          </a:stretch>
+        </p:blipFill>
+        <p:spPr>
+          <a:xfrm>
+            <a:off x="8284464" y="4462272"/>
+            <a:ext cx="3584448" cy="2121408"/>
+          </a:xfrm>
+          <a:prstGeom prst="rect">
+            <a:avLst/>
+          </a:prstGeom>
+        </p:spPr>
+      </p:pic>
+      <p:sp>
+        <p:nvSpPr>
+          <p:cNvPr id="6" name="TextBox 5"/>
+          <p:cNvSpPr txBox="1"/>
+          <p:nvPr/>
+        </p:nvSpPr>
+        <p:spPr>
+          <a:xfrm>
+            <a:off x="256032" y="6455664"/>
+            <a:ext cx="11686032" cy="310896"/>
+          </a:xfrm>
+          <a:prstGeom prst="rect">
+            <a:avLst/>
+          </a:prstGeom>
+          <a:noFill/>
+        </p:spPr>
+        <p:txBody>
+          <a:bodyPr wrap="none">
+            <a:spAutoFit/>
+          </a:bodyPr>
+          <a:lstStyle/>
+          <a:p>
+            <a:pPr>
+              <a:defRPr sz="650">
+                <a:solidFill>
+                  <a:srgbClr val="757B88"/>
+                </a:solidFill>
+              </a:defRPr>
+            </a:pPr>
+            <a:r>
+              <a:t>Refs: https://chatgpt.com/plus/pricing | https://github.com/features/copilot/plans | https://developers.google.com/program/plans-and-pricing</a:t>
             </a:r>
           </a:p>
         </p:txBody>
@@ -3789,7 +4523,7 @@
             <a:pPr/>
             <a:r>
               <a:rPr sz="1900"/>
-              <a:t>OpenAI open-weight options: `gpt-oss-20b` (local/specialized) and `gpt-oss-120b` (single H100 class).</a:t>
+              <a:t>OpenAI open-weight options include `gpt-oss-20b` and `gpt-oss-120b`; hardware needs depend on runtime and quantization setup.</a:t>
             </a:r>
           </a:p>
           <a:p>
@@ -3811,6 +4545,111 @@
             <a:r>
               <a:rPr sz="1900"/>
               <a:t>Practical strategy: hybrid stack (local models for bulk loops, frontier models for critical reasoning).</a:t>
+            </a:r>
+          </a:p>
+        </p:txBody>
+      </p:sp>
+      <p:sp>
+        <p:nvSpPr>
+          <p:cNvPr id="4" name="Rounded Rectangle 3"/>
+          <p:cNvSpPr/>
+          <p:nvPr/>
+        </p:nvSpPr>
+        <p:spPr>
+          <a:xfrm>
+            <a:off x="8238744" y="4416552"/>
+            <a:ext cx="3675887" cy="2212848"/>
+          </a:xfrm>
+          <a:prstGeom prst="roundRect">
+            <a:avLst/>
+          </a:prstGeom>
+          <a:solidFill>
+            <a:srgbClr val="141B2C"/>
+          </a:solidFill>
+          <a:ln w="12700">
+            <a:solidFill>
+              <a:srgbClr val="485F89"/>
+            </a:solidFill>
+          </a:ln>
+          <a:effectLst/>
+        </p:spPr>
+        <p:style>
+          <a:lnRef idx="1">
+            <a:schemeClr val="accent1"/>
+          </a:lnRef>
+          <a:fillRef idx="3">
+            <a:schemeClr val="accent1"/>
+          </a:fillRef>
+          <a:effectRef idx="2">
+            <a:schemeClr val="accent1"/>
+          </a:effectRef>
+          <a:fontRef idx="minor">
+            <a:schemeClr val="lt1"/>
+          </a:fontRef>
+        </p:style>
+        <p:txBody>
+          <a:bodyPr rtlCol="0" anchor="ctr"/>
+          <a:lstStyle/>
+          <a:p>
+            <a:pPr algn="ctr"/>
+          </a:p>
+        </p:txBody>
+      </p:sp>
+      <p:pic>
+        <p:nvPicPr>
+          <p:cNvPr id="5" name="Picture 4" descr="sim_mujoco_2_weighted_astar.png"/>
+          <p:cNvPicPr>
+            <a:picLocks noChangeAspect="1"/>
+          </p:cNvPicPr>
+          <p:nvPr/>
+        </p:nvPicPr>
+        <p:blipFill>
+          <a:blip r:embed="rId2"/>
+          <a:stretch>
+            <a:fillRect/>
+          </a:stretch>
+        </p:blipFill>
+        <p:spPr>
+          <a:xfrm>
+            <a:off x="8284464" y="4462272"/>
+            <a:ext cx="3584448" cy="2121408"/>
+          </a:xfrm>
+          <a:prstGeom prst="rect">
+            <a:avLst/>
+          </a:prstGeom>
+        </p:spPr>
+      </p:pic>
+      <p:sp>
+        <p:nvSpPr>
+          <p:cNvPr id="6" name="TextBox 5"/>
+          <p:cNvSpPr txBox="1"/>
+          <p:nvPr/>
+        </p:nvSpPr>
+        <p:spPr>
+          <a:xfrm>
+            <a:off x="256032" y="6455664"/>
+            <a:ext cx="11686032" cy="310896"/>
+          </a:xfrm>
+          <a:prstGeom prst="rect">
+            <a:avLst/>
+          </a:prstGeom>
+          <a:noFill/>
+        </p:spPr>
+        <p:txBody>
+          <a:bodyPr wrap="none">
+            <a:spAutoFit/>
+          </a:bodyPr>
+          <a:lstStyle/>
+          <a:p>
+            <a:pPr>
+              <a:defRPr sz="650">
+                <a:solidFill>
+                  <a:srgbClr val="757B88"/>
+                </a:solidFill>
+              </a:defRPr>
+            </a:pPr>
+            <a:r>
+              <a:t>Refs: https://developers.openai.com/codex/config-reference/ | https://github.com/ollama/ollama | https://lmstudio.ai/docs</a:t>
             </a:r>
           </a:p>
         </p:txBody>
@@ -3907,6 +4746,111 @@
           </a:p>
         </p:txBody>
       </p:sp>
+      <p:sp>
+        <p:nvSpPr>
+          <p:cNvPr id="4" name="Rounded Rectangle 3"/>
+          <p:cNvSpPr/>
+          <p:nvPr/>
+        </p:nvSpPr>
+        <p:spPr>
+          <a:xfrm>
+            <a:off x="8238744" y="4416552"/>
+            <a:ext cx="3675887" cy="2212848"/>
+          </a:xfrm>
+          <a:prstGeom prst="roundRect">
+            <a:avLst/>
+          </a:prstGeom>
+          <a:solidFill>
+            <a:srgbClr val="141B2C"/>
+          </a:solidFill>
+          <a:ln w="12700">
+            <a:solidFill>
+              <a:srgbClr val="485F89"/>
+            </a:solidFill>
+          </a:ln>
+          <a:effectLst/>
+        </p:spPr>
+        <p:style>
+          <a:lnRef idx="1">
+            <a:schemeClr val="accent1"/>
+          </a:lnRef>
+          <a:fillRef idx="3">
+            <a:schemeClr val="accent1"/>
+          </a:fillRef>
+          <a:effectRef idx="2">
+            <a:schemeClr val="accent1"/>
+          </a:effectRef>
+          <a:fontRef idx="minor">
+            <a:schemeClr val="lt1"/>
+          </a:fontRef>
+        </p:style>
+        <p:txBody>
+          <a:bodyPr rtlCol="0" anchor="ctr"/>
+          <a:lstStyle/>
+          <a:p>
+            <a:pPr algn="ctr"/>
+          </a:p>
+        </p:txBody>
+      </p:sp>
+      <p:pic>
+        <p:nvPicPr>
+          <p:cNvPr id="5" name="Picture 4" descr="sim_mujoco_3_fringe_search.png"/>
+          <p:cNvPicPr>
+            <a:picLocks noChangeAspect="1"/>
+          </p:cNvPicPr>
+          <p:nvPr/>
+        </p:nvPicPr>
+        <p:blipFill>
+          <a:blip r:embed="rId2"/>
+          <a:stretch>
+            <a:fillRect/>
+          </a:stretch>
+        </p:blipFill>
+        <p:spPr>
+          <a:xfrm>
+            <a:off x="8284464" y="4462272"/>
+            <a:ext cx="3584448" cy="2121408"/>
+          </a:xfrm>
+          <a:prstGeom prst="rect">
+            <a:avLst/>
+          </a:prstGeom>
+        </p:spPr>
+      </p:pic>
+      <p:sp>
+        <p:nvSpPr>
+          <p:cNvPr id="6" name="TextBox 5"/>
+          <p:cNvSpPr txBox="1"/>
+          <p:nvPr/>
+        </p:nvSpPr>
+        <p:spPr>
+          <a:xfrm>
+            <a:off x="256032" y="6455664"/>
+            <a:ext cx="11686032" cy="310896"/>
+          </a:xfrm>
+          <a:prstGeom prst="rect">
+            <a:avLst/>
+          </a:prstGeom>
+          <a:noFill/>
+        </p:spPr>
+        <p:txBody>
+          <a:bodyPr wrap="none">
+            <a:spAutoFit/>
+          </a:bodyPr>
+          <a:lstStyle/>
+          <a:p>
+            <a:pPr>
+              <a:defRPr sz="650">
+                <a:solidFill>
+                  <a:srgbClr val="757B88"/>
+                </a:solidFill>
+              </a:defRPr>
+            </a:pPr>
+            <a:r>
+              <a:t>Refs: https://developers.openai.com/codex/guides/agents-sdk/ | https://docs.github.com/en/pull-requests | https://commons.wikimedia.org/wiki/File:BPMN-2d.svg</a:t>
+            </a:r>
+          </a:p>
+        </p:txBody>
+      </p:sp>
     </p:spTree>
   </p:cSld>
   <p:clrMapOvr>
@@ -3978,7 +4922,7 @@
             <a:pPr/>
             <a:r>
               <a:rPr sz="2000"/>
-              <a:t>`agents.max_depth` limits nesting: default 1 = root -&gt; child only (no grandchild).</a:t>
+              <a:t>`agents.max_depth` limits nesting; verify the current default for your installed Codex version.</a:t>
             </a:r>
           </a:p>
           <a:p>
@@ -3993,6 +4937,111 @@
             <a:r>
               <a:rPr sz="2000"/>
               <a:t>Parent orchestrates lifecycle with spawn/send_input/wait/resume/close and merges outputs.</a:t>
+            </a:r>
+          </a:p>
+        </p:txBody>
+      </p:sp>
+      <p:sp>
+        <p:nvSpPr>
+          <p:cNvPr id="4" name="Rounded Rectangle 3"/>
+          <p:cNvSpPr/>
+          <p:nvPr/>
+        </p:nvSpPr>
+        <p:spPr>
+          <a:xfrm>
+            <a:off x="6163056" y="1591056"/>
+            <a:ext cx="2670048" cy="1938528"/>
+          </a:xfrm>
+          <a:prstGeom prst="roundRect">
+            <a:avLst/>
+          </a:prstGeom>
+          <a:solidFill>
+            <a:srgbClr val="141B2C"/>
+          </a:solidFill>
+          <a:ln w="13970">
+            <a:solidFill>
+              <a:srgbClr val="465C84"/>
+            </a:solidFill>
+          </a:ln>
+          <a:effectLst/>
+        </p:spPr>
+        <p:style>
+          <a:lnRef idx="1">
+            <a:schemeClr val="accent1"/>
+          </a:lnRef>
+          <a:fillRef idx="3">
+            <a:schemeClr val="accent1"/>
+          </a:fillRef>
+          <a:effectRef idx="2">
+            <a:schemeClr val="accent1"/>
+          </a:effectRef>
+          <a:fontRef idx="minor">
+            <a:schemeClr val="lt1"/>
+          </a:fontRef>
+        </p:style>
+        <p:txBody>
+          <a:bodyPr rtlCol="0" anchor="ctr"/>
+          <a:lstStyle/>
+          <a:p>
+            <a:pPr algn="ctr"/>
+          </a:p>
+        </p:txBody>
+      </p:sp>
+      <p:pic>
+        <p:nvPicPr>
+          <p:cNvPr id="5" name="Picture 4" descr="planning_loop.png"/>
+          <p:cNvPicPr>
+            <a:picLocks noChangeAspect="1"/>
+          </p:cNvPicPr>
+          <p:nvPr/>
+        </p:nvPicPr>
+        <p:blipFill>
+          <a:blip r:embed="rId2"/>
+          <a:stretch>
+            <a:fillRect/>
+          </a:stretch>
+        </p:blipFill>
+        <p:spPr>
+          <a:xfrm>
+            <a:off x="6217920" y="1645920"/>
+            <a:ext cx="2560320" cy="1828800"/>
+          </a:xfrm>
+          <a:prstGeom prst="rect">
+            <a:avLst/>
+          </a:prstGeom>
+        </p:spPr>
+      </p:pic>
+      <p:sp>
+        <p:nvSpPr>
+          <p:cNvPr id="6" name="TextBox 5"/>
+          <p:cNvSpPr txBox="1"/>
+          <p:nvPr/>
+        </p:nvSpPr>
+        <p:spPr>
+          <a:xfrm>
+            <a:off x="256032" y="6455664"/>
+            <a:ext cx="11686032" cy="310896"/>
+          </a:xfrm>
+          <a:prstGeom prst="rect">
+            <a:avLst/>
+          </a:prstGeom>
+          <a:noFill/>
+        </p:spPr>
+        <p:txBody>
+          <a:bodyPr wrap="none">
+            <a:spAutoFit/>
+          </a:bodyPr>
+          <a:lstStyle/>
+          <a:p>
+            <a:pPr>
+              <a:defRPr sz="650">
+                <a:solidFill>
+                  <a:srgbClr val="757B88"/>
+                </a:solidFill>
+              </a:defRPr>
+            </a:pPr>
+            <a:r>
+              <a:t>Refs: https://developers.openai.com/codex/config-reference/ | https://developers.openai.com/codex/guides/agents-sdk/ | https://commons.wikimedia.org/wiki/File:Data_and_Media_Partnerships_Workflow_v2.svg</a:t>
             </a:r>
           </a:p>
         </p:txBody>
@@ -4054,14 +5103,14 @@
             <a:pPr/>
             <a:r>
               <a:rPr sz="2000"/>
-              <a:t>Built-in roles: `default`, `worker`, `explorer`, and `monitor` (plus custom roles).</a:t>
+              <a:t>Built-in agent types include `default`, `worker`, `explorer`, and `awaiter` (custom types may also be configured).</a:t>
             </a:r>
           </a:p>
           <a:p>
             <a:pPr/>
             <a:r>
               <a:rPr sz="2000"/>
-              <a:t>`worker` focuses on execution/fixes; `explorer` on read-heavy code discovery; `monitor` on long waits/polling.</a:t>
+              <a:t>`worker` focuses on execution/fixes; `explorer` on read-heavy discovery; `awaiter` handles long-running waits/polling.</a:t>
             </a:r>
           </a:p>
           <a:p>
@@ -4083,6 +5132,111 @@
             <a:r>
               <a:rPr sz="2000"/>
               <a:t>You keep control with depth/thread limits and permissions while still moving much faster.</a:t>
+            </a:r>
+          </a:p>
+        </p:txBody>
+      </p:sp>
+      <p:sp>
+        <p:nvSpPr>
+          <p:cNvPr id="4" name="Rounded Rectangle 3"/>
+          <p:cNvSpPr/>
+          <p:nvPr/>
+        </p:nvSpPr>
+        <p:spPr>
+          <a:xfrm>
+            <a:off x="8238744" y="4416552"/>
+            <a:ext cx="3675887" cy="2212848"/>
+          </a:xfrm>
+          <a:prstGeom prst="roundRect">
+            <a:avLst/>
+          </a:prstGeom>
+          <a:solidFill>
+            <a:srgbClr val="141B2C"/>
+          </a:solidFill>
+          <a:ln w="12700">
+            <a:solidFill>
+              <a:srgbClr val="485F89"/>
+            </a:solidFill>
+          </a:ln>
+          <a:effectLst/>
+        </p:spPr>
+        <p:style>
+          <a:lnRef idx="1">
+            <a:schemeClr val="accent1"/>
+          </a:lnRef>
+          <a:fillRef idx="3">
+            <a:schemeClr val="accent1"/>
+          </a:fillRef>
+          <a:effectRef idx="2">
+            <a:schemeClr val="accent1"/>
+          </a:effectRef>
+          <a:fontRef idx="minor">
+            <a:schemeClr val="lt1"/>
+          </a:fontRef>
+        </p:style>
+        <p:txBody>
+          <a:bodyPr rtlCol="0" anchor="ctr"/>
+          <a:lstStyle/>
+          <a:p>
+            <a:pPr algn="ctr"/>
+          </a:p>
+        </p:txBody>
+      </p:sp>
+      <p:pic>
+        <p:nvPicPr>
+          <p:cNvPr id="5" name="Picture 4" descr="sim_snapshot_2_weighted_astar.png"/>
+          <p:cNvPicPr>
+            <a:picLocks noChangeAspect="1"/>
+          </p:cNvPicPr>
+          <p:nvPr/>
+        </p:nvPicPr>
+        <p:blipFill>
+          <a:blip r:embed="rId2"/>
+          <a:stretch>
+            <a:fillRect/>
+          </a:stretch>
+        </p:blipFill>
+        <p:spPr>
+          <a:xfrm>
+            <a:off x="8284464" y="4462272"/>
+            <a:ext cx="3584448" cy="2121408"/>
+          </a:xfrm>
+          <a:prstGeom prst="rect">
+            <a:avLst/>
+          </a:prstGeom>
+        </p:spPr>
+      </p:pic>
+      <p:sp>
+        <p:nvSpPr>
+          <p:cNvPr id="6" name="TextBox 5"/>
+          <p:cNvSpPr txBox="1"/>
+          <p:nvPr/>
+        </p:nvSpPr>
+        <p:spPr>
+          <a:xfrm>
+            <a:off x="256032" y="6455664"/>
+            <a:ext cx="11686032" cy="310896"/>
+          </a:xfrm>
+          <a:prstGeom prst="rect">
+            <a:avLst/>
+          </a:prstGeom>
+          <a:noFill/>
+        </p:spPr>
+        <p:txBody>
+          <a:bodyPr wrap="none">
+            <a:spAutoFit/>
+          </a:bodyPr>
+          <a:lstStyle/>
+          <a:p>
+            <a:pPr>
+              <a:defRPr sz="650">
+                <a:solidFill>
+                  <a:srgbClr val="757B88"/>
+                </a:solidFill>
+              </a:defRPr>
+            </a:pPr>
+            <a:r>
+              <a:t>Refs: https://developers.openai.com/codex/config-reference/ | https://developers.openai.com/codex/concepts/customization/ | https://commons.wikimedia.org/wiki/File:SIPOC_diagram.jpg</a:t>
             </a:r>
           </a:p>
         </p:txBody>
@@ -4179,6 +5333,111 @@
           </a:p>
         </p:txBody>
       </p:sp>
+      <p:sp>
+        <p:nvSpPr>
+          <p:cNvPr id="4" name="Rounded Rectangle 3"/>
+          <p:cNvSpPr/>
+          <p:nvPr/>
+        </p:nvSpPr>
+        <p:spPr>
+          <a:xfrm>
+            <a:off x="8238744" y="4416552"/>
+            <a:ext cx="3675887" cy="2212848"/>
+          </a:xfrm>
+          <a:prstGeom prst="roundRect">
+            <a:avLst/>
+          </a:prstGeom>
+          <a:solidFill>
+            <a:srgbClr val="141B2C"/>
+          </a:solidFill>
+          <a:ln w="12700">
+            <a:solidFill>
+              <a:srgbClr val="485F89"/>
+            </a:solidFill>
+          </a:ln>
+          <a:effectLst/>
+        </p:spPr>
+        <p:style>
+          <a:lnRef idx="1">
+            <a:schemeClr val="accent1"/>
+          </a:lnRef>
+          <a:fillRef idx="3">
+            <a:schemeClr val="accent1"/>
+          </a:fillRef>
+          <a:effectRef idx="2">
+            <a:schemeClr val="accent1"/>
+          </a:effectRef>
+          <a:fontRef idx="minor">
+            <a:schemeClr val="lt1"/>
+          </a:fontRef>
+        </p:style>
+        <p:txBody>
+          <a:bodyPr rtlCol="0" anchor="ctr"/>
+          <a:lstStyle/>
+          <a:p>
+            <a:pPr algn="ctr"/>
+          </a:p>
+        </p:txBody>
+      </p:sp>
+      <p:pic>
+        <p:nvPicPr>
+          <p:cNvPr id="5" name="Picture 4" descr="image.png"/>
+          <p:cNvPicPr>
+            <a:picLocks noChangeAspect="1"/>
+          </p:cNvPicPr>
+          <p:nvPr/>
+        </p:nvPicPr>
+        <p:blipFill>
+          <a:blip r:embed="rId2"/>
+          <a:stretch>
+            <a:fillRect/>
+          </a:stretch>
+        </p:blipFill>
+        <p:spPr>
+          <a:xfrm>
+            <a:off x="8284464" y="4462272"/>
+            <a:ext cx="3584448" cy="2121408"/>
+          </a:xfrm>
+          <a:prstGeom prst="rect">
+            <a:avLst/>
+          </a:prstGeom>
+        </p:spPr>
+      </p:pic>
+      <p:sp>
+        <p:nvSpPr>
+          <p:cNvPr id="6" name="TextBox 5"/>
+          <p:cNvSpPr txBox="1"/>
+          <p:nvPr/>
+        </p:nvSpPr>
+        <p:spPr>
+          <a:xfrm>
+            <a:off x="256032" y="6455664"/>
+            <a:ext cx="11686032" cy="310896"/>
+          </a:xfrm>
+          <a:prstGeom prst="rect">
+            <a:avLst/>
+          </a:prstGeom>
+          <a:noFill/>
+        </p:spPr>
+        <p:txBody>
+          <a:bodyPr wrap="none">
+            <a:spAutoFit/>
+          </a:bodyPr>
+          <a:lstStyle/>
+          <a:p>
+            <a:pPr>
+              <a:defRPr sz="650">
+                <a:solidFill>
+                  <a:srgbClr val="757B88"/>
+                </a:solidFill>
+              </a:defRPr>
+            </a:pPr>
+            <a:r>
+              <a:t>Refs: https://developers.openai.com/codex/guides/agents-sdk/ | https://docs.github.com/en/actions | https://jules.google/docs/api/reference/overview</a:t>
+            </a:r>
+          </a:p>
+        </p:txBody>
+      </p:sp>
     </p:spTree>
   </p:cSld>
   <p:clrMapOvr>
@@ -4271,6 +5530,111 @@
           </a:p>
         </p:txBody>
       </p:sp>
+      <p:sp>
+        <p:nvSpPr>
+          <p:cNvPr id="4" name="Rounded Rectangle 3"/>
+          <p:cNvSpPr/>
+          <p:nvPr/>
+        </p:nvSpPr>
+        <p:spPr>
+          <a:xfrm>
+            <a:off x="8238744" y="4416552"/>
+            <a:ext cx="3675887" cy="2212848"/>
+          </a:xfrm>
+          <a:prstGeom prst="roundRect">
+            <a:avLst/>
+          </a:prstGeom>
+          <a:solidFill>
+            <a:srgbClr val="141B2C"/>
+          </a:solidFill>
+          <a:ln w="12700">
+            <a:solidFill>
+              <a:srgbClr val="485F89"/>
+            </a:solidFill>
+          </a:ln>
+          <a:effectLst/>
+        </p:spPr>
+        <p:style>
+          <a:lnRef idx="1">
+            <a:schemeClr val="accent1"/>
+          </a:lnRef>
+          <a:fillRef idx="3">
+            <a:schemeClr val="accent1"/>
+          </a:fillRef>
+          <a:effectRef idx="2">
+            <a:schemeClr val="accent1"/>
+          </a:effectRef>
+          <a:fontRef idx="minor">
+            <a:schemeClr val="lt1"/>
+          </a:fontRef>
+        </p:style>
+        <p:txBody>
+          <a:bodyPr rtlCol="0" anchor="ctr"/>
+          <a:lstStyle/>
+          <a:p>
+            <a:pPr algn="ctr"/>
+          </a:p>
+        </p:txBody>
+      </p:sp>
+      <p:pic>
+        <p:nvPicPr>
+          <p:cNvPr id="5" name="Picture 4" descr="sim_snapshot_3_fringe_search.png"/>
+          <p:cNvPicPr>
+            <a:picLocks noChangeAspect="1"/>
+          </p:cNvPicPr>
+          <p:nvPr/>
+        </p:nvPicPr>
+        <p:blipFill>
+          <a:blip r:embed="rId2"/>
+          <a:stretch>
+            <a:fillRect/>
+          </a:stretch>
+        </p:blipFill>
+        <p:spPr>
+          <a:xfrm>
+            <a:off x="8284464" y="4462272"/>
+            <a:ext cx="3584448" cy="2121408"/>
+          </a:xfrm>
+          <a:prstGeom prst="rect">
+            <a:avLst/>
+          </a:prstGeom>
+        </p:spPr>
+      </p:pic>
+      <p:sp>
+        <p:nvSpPr>
+          <p:cNvPr id="6" name="TextBox 5"/>
+          <p:cNvSpPr txBox="1"/>
+          <p:nvPr/>
+        </p:nvSpPr>
+        <p:spPr>
+          <a:xfrm>
+            <a:off x="256032" y="6455664"/>
+            <a:ext cx="11686032" cy="310896"/>
+          </a:xfrm>
+          <a:prstGeom prst="rect">
+            <a:avLst/>
+          </a:prstGeom>
+          <a:noFill/>
+        </p:spPr>
+        <p:txBody>
+          <a:bodyPr wrap="none">
+            <a:spAutoFit/>
+          </a:bodyPr>
+          <a:lstStyle/>
+          <a:p>
+            <a:pPr>
+              <a:defRPr sz="650">
+                <a:solidFill>
+                  <a:srgbClr val="757B88"/>
+                </a:solidFill>
+              </a:defRPr>
+            </a:pPr>
+            <a:r>
+              <a:t>Refs: https://developers.openai.com/codex/guides/agents-sdk/ | https://docs.github.com/en/actions | https://commons.wikimedia.org/wiki/File:ValueStreamMapParts.png</a:t>
+            </a:r>
+          </a:p>
+        </p:txBody>
+      </p:sp>
     </p:spTree>
   </p:cSld>
   <p:clrMapOvr>
@@ -4363,6 +5727,111 @@
           </a:p>
         </p:txBody>
       </p:sp>
+      <p:sp>
+        <p:nvSpPr>
+          <p:cNvPr id="4" name="Rounded Rectangle 3"/>
+          <p:cNvSpPr/>
+          <p:nvPr/>
+        </p:nvSpPr>
+        <p:spPr>
+          <a:xfrm>
+            <a:off x="8238744" y="4416552"/>
+            <a:ext cx="3675887" cy="2212848"/>
+          </a:xfrm>
+          <a:prstGeom prst="roundRect">
+            <a:avLst/>
+          </a:prstGeom>
+          <a:solidFill>
+            <a:srgbClr val="141B2C"/>
+          </a:solidFill>
+          <a:ln w="12700">
+            <a:solidFill>
+              <a:srgbClr val="485F89"/>
+            </a:solidFill>
+          </a:ln>
+          <a:effectLst/>
+        </p:spPr>
+        <p:style>
+          <a:lnRef idx="1">
+            <a:schemeClr val="accent1"/>
+          </a:lnRef>
+          <a:fillRef idx="3">
+            <a:schemeClr val="accent1"/>
+          </a:fillRef>
+          <a:effectRef idx="2">
+            <a:schemeClr val="accent1"/>
+          </a:effectRef>
+          <a:fontRef idx="minor">
+            <a:schemeClr val="lt1"/>
+          </a:fontRef>
+        </p:style>
+        <p:txBody>
+          <a:bodyPr rtlCol="0" anchor="ctr"/>
+          <a:lstStyle/>
+          <a:p>
+            <a:pPr algn="ctr"/>
+          </a:p>
+        </p:txBody>
+      </p:sp>
+      <p:pic>
+        <p:nvPicPr>
+          <p:cNvPr id="5" name="Picture 4" descr="sim_snapshot_1_astar.png"/>
+          <p:cNvPicPr>
+            <a:picLocks noChangeAspect="1"/>
+          </p:cNvPicPr>
+          <p:nvPr/>
+        </p:nvPicPr>
+        <p:blipFill>
+          <a:blip r:embed="rId2"/>
+          <a:stretch>
+            <a:fillRect/>
+          </a:stretch>
+        </p:blipFill>
+        <p:spPr>
+          <a:xfrm>
+            <a:off x="8284464" y="4462272"/>
+            <a:ext cx="3584448" cy="2121408"/>
+          </a:xfrm>
+          <a:prstGeom prst="rect">
+            <a:avLst/>
+          </a:prstGeom>
+        </p:spPr>
+      </p:pic>
+      <p:sp>
+        <p:nvSpPr>
+          <p:cNvPr id="6" name="TextBox 5"/>
+          <p:cNvSpPr txBox="1"/>
+          <p:nvPr/>
+        </p:nvSpPr>
+        <p:spPr>
+          <a:xfrm>
+            <a:off x="256032" y="6455664"/>
+            <a:ext cx="11686032" cy="310896"/>
+          </a:xfrm>
+          <a:prstGeom prst="rect">
+            <a:avLst/>
+          </a:prstGeom>
+          <a:noFill/>
+        </p:spPr>
+        <p:txBody>
+          <a:bodyPr wrap="none">
+            <a:spAutoFit/>
+          </a:bodyPr>
+          <a:lstStyle/>
+          <a:p>
+            <a:pPr>
+              <a:defRPr sz="650">
+                <a:solidFill>
+                  <a:srgbClr val="757B88"/>
+                </a:solidFill>
+              </a:defRPr>
+            </a:pPr>
+            <a:r>
+              <a:t>Refs: https://developers.openai.com/codex/skills/ | https://developers.openai.com/codex/concepts/customization/ | https://commons.wikimedia.org/wiki/File:Value_Stream_Mapping_map_015.jpg</a:t>
+            </a:r>
+          </a:p>
+        </p:txBody>
+      </p:sp>
     </p:spTree>
   </p:cSld>
   <p:clrMapOvr>
@@ -4453,6 +5922,111 @@
           </a:p>
         </p:txBody>
       </p:sp>
+      <p:sp>
+        <p:nvSpPr>
+          <p:cNvPr id="4" name="Rounded Rectangle 3"/>
+          <p:cNvSpPr/>
+          <p:nvPr/>
+        </p:nvSpPr>
+        <p:spPr>
+          <a:xfrm>
+            <a:off x="8238744" y="4416552"/>
+            <a:ext cx="3675887" cy="2212848"/>
+          </a:xfrm>
+          <a:prstGeom prst="roundRect">
+            <a:avLst/>
+          </a:prstGeom>
+          <a:solidFill>
+            <a:srgbClr val="141B2C"/>
+          </a:solidFill>
+          <a:ln w="12700">
+            <a:solidFill>
+              <a:srgbClr val="485F89"/>
+            </a:solidFill>
+          </a:ln>
+          <a:effectLst/>
+        </p:spPr>
+        <p:style>
+          <a:lnRef idx="1">
+            <a:schemeClr val="accent1"/>
+          </a:lnRef>
+          <a:fillRef idx="3">
+            <a:schemeClr val="accent1"/>
+          </a:fillRef>
+          <a:effectRef idx="2">
+            <a:schemeClr val="accent1"/>
+          </a:effectRef>
+          <a:fontRef idx="minor">
+            <a:schemeClr val="lt1"/>
+          </a:fontRef>
+        </p:style>
+        <p:txBody>
+          <a:bodyPr rtlCol="0" anchor="ctr"/>
+          <a:lstStyle/>
+          <a:p>
+            <a:pPr algn="ctr"/>
+          </a:p>
+        </p:txBody>
+      </p:sp>
+      <p:pic>
+        <p:nvPicPr>
+          <p:cNvPr id="5" name="Picture 4" descr="sim_snapshot_2_weighted_astar.png"/>
+          <p:cNvPicPr>
+            <a:picLocks noChangeAspect="1"/>
+          </p:cNvPicPr>
+          <p:nvPr/>
+        </p:nvPicPr>
+        <p:blipFill>
+          <a:blip r:embed="rId2"/>
+          <a:stretch>
+            <a:fillRect/>
+          </a:stretch>
+        </p:blipFill>
+        <p:spPr>
+          <a:xfrm>
+            <a:off x="8284464" y="4462272"/>
+            <a:ext cx="3584448" cy="2121408"/>
+          </a:xfrm>
+          <a:prstGeom prst="rect">
+            <a:avLst/>
+          </a:prstGeom>
+        </p:spPr>
+      </p:pic>
+      <p:sp>
+        <p:nvSpPr>
+          <p:cNvPr id="6" name="TextBox 5"/>
+          <p:cNvSpPr txBox="1"/>
+          <p:nvPr/>
+        </p:nvSpPr>
+        <p:spPr>
+          <a:xfrm>
+            <a:off x="256032" y="6455664"/>
+            <a:ext cx="11686032" cy="310896"/>
+          </a:xfrm>
+          <a:prstGeom prst="rect">
+            <a:avLst/>
+          </a:prstGeom>
+          <a:noFill/>
+        </p:spPr>
+        <p:txBody>
+          <a:bodyPr wrap="none">
+            <a:spAutoFit/>
+          </a:bodyPr>
+          <a:lstStyle/>
+          <a:p>
+            <a:pPr>
+              <a:defRPr sz="650">
+                <a:solidFill>
+                  <a:srgbClr val="757B88"/>
+                </a:solidFill>
+              </a:defRPr>
+            </a:pPr>
+            <a:r>
+              <a:t>Refs: https://developers.openai.com/codex/skills/ | https://developers.openai.com/codex/concepts/customization/ | https://commons.wikimedia.org/wiki/File:BPMN-2d.svg</a:t>
+            </a:r>
+          </a:p>
+        </p:txBody>
+      </p:sp>
     </p:spTree>
   </p:cSld>
   <p:clrMapOvr>
@@ -4543,6 +6117,111 @@
           </a:p>
         </p:txBody>
       </p:sp>
+      <p:sp>
+        <p:nvSpPr>
+          <p:cNvPr id="4" name="Rounded Rectangle 3"/>
+          <p:cNvSpPr/>
+          <p:nvPr/>
+        </p:nvSpPr>
+        <p:spPr>
+          <a:xfrm>
+            <a:off x="8238744" y="4416552"/>
+            <a:ext cx="3675887" cy="2212848"/>
+          </a:xfrm>
+          <a:prstGeom prst="roundRect">
+            <a:avLst/>
+          </a:prstGeom>
+          <a:solidFill>
+            <a:srgbClr val="141B2C"/>
+          </a:solidFill>
+          <a:ln w="12700">
+            <a:solidFill>
+              <a:srgbClr val="485F89"/>
+            </a:solidFill>
+          </a:ln>
+          <a:effectLst/>
+        </p:spPr>
+        <p:style>
+          <a:lnRef idx="1">
+            <a:schemeClr val="accent1"/>
+          </a:lnRef>
+          <a:fillRef idx="3">
+            <a:schemeClr val="accent1"/>
+          </a:fillRef>
+          <a:effectRef idx="2">
+            <a:schemeClr val="accent1"/>
+          </a:effectRef>
+          <a:fontRef idx="minor">
+            <a:schemeClr val="lt1"/>
+          </a:fontRef>
+        </p:style>
+        <p:txBody>
+          <a:bodyPr rtlCol="0" anchor="ctr"/>
+          <a:lstStyle/>
+          <a:p>
+            <a:pPr algn="ctr"/>
+          </a:p>
+        </p:txBody>
+      </p:sp>
+      <p:pic>
+        <p:nvPicPr>
+          <p:cNvPr id="5" name="Picture 4" descr="sim_snapshot_3_fringe_search.png"/>
+          <p:cNvPicPr>
+            <a:picLocks noChangeAspect="1"/>
+          </p:cNvPicPr>
+          <p:nvPr/>
+        </p:nvPicPr>
+        <p:blipFill>
+          <a:blip r:embed="rId2"/>
+          <a:stretch>
+            <a:fillRect/>
+          </a:stretch>
+        </p:blipFill>
+        <p:spPr>
+          <a:xfrm>
+            <a:off x="8284464" y="4462272"/>
+            <a:ext cx="3584448" cy="2121408"/>
+          </a:xfrm>
+          <a:prstGeom prst="rect">
+            <a:avLst/>
+          </a:prstGeom>
+        </p:spPr>
+      </p:pic>
+      <p:sp>
+        <p:nvSpPr>
+          <p:cNvPr id="6" name="TextBox 5"/>
+          <p:cNvSpPr txBox="1"/>
+          <p:nvPr/>
+        </p:nvSpPr>
+        <p:spPr>
+          <a:xfrm>
+            <a:off x="256032" y="6455664"/>
+            <a:ext cx="11686032" cy="310896"/>
+          </a:xfrm>
+          <a:prstGeom prst="rect">
+            <a:avLst/>
+          </a:prstGeom>
+          <a:noFill/>
+        </p:spPr>
+        <p:txBody>
+          <a:bodyPr wrap="none">
+            <a:spAutoFit/>
+          </a:bodyPr>
+          <a:lstStyle/>
+          <a:p>
+            <a:pPr>
+              <a:defRPr sz="650">
+                <a:solidFill>
+                  <a:srgbClr val="757B88"/>
+                </a:solidFill>
+              </a:defRPr>
+            </a:pPr>
+            <a:r>
+              <a:t>Refs: https://developers.openai.com/codex/cli/slash-commands/ | https://developers.openai.com/codex/guides/agents-md/ | https://commons.wikimedia.org/wiki/File:Data_and_Media_Partnerships_Workflow_v2.svg</a:t>
+            </a:r>
+          </a:p>
+        </p:txBody>
+      </p:sp>
     </p:spTree>
   </p:cSld>
   <p:clrMapOvr>
@@ -4633,6 +6312,111 @@
           </a:p>
         </p:txBody>
       </p:sp>
+      <p:sp>
+        <p:nvSpPr>
+          <p:cNvPr id="4" name="Rounded Rectangle 3"/>
+          <p:cNvSpPr/>
+          <p:nvPr/>
+        </p:nvSpPr>
+        <p:spPr>
+          <a:xfrm>
+            <a:off x="8238744" y="4416552"/>
+            <a:ext cx="3675887" cy="2212848"/>
+          </a:xfrm>
+          <a:prstGeom prst="roundRect">
+            <a:avLst/>
+          </a:prstGeom>
+          <a:solidFill>
+            <a:srgbClr val="141B2C"/>
+          </a:solidFill>
+          <a:ln w="12700">
+            <a:solidFill>
+              <a:srgbClr val="485F89"/>
+            </a:solidFill>
+          </a:ln>
+          <a:effectLst/>
+        </p:spPr>
+        <p:style>
+          <a:lnRef idx="1">
+            <a:schemeClr val="accent1"/>
+          </a:lnRef>
+          <a:fillRef idx="3">
+            <a:schemeClr val="accent1"/>
+          </a:fillRef>
+          <a:effectRef idx="2">
+            <a:schemeClr val="accent1"/>
+          </a:effectRef>
+          <a:fontRef idx="minor">
+            <a:schemeClr val="lt1"/>
+          </a:fontRef>
+        </p:style>
+        <p:txBody>
+          <a:bodyPr rtlCol="0" anchor="ctr"/>
+          <a:lstStyle/>
+          <a:p>
+            <a:pPr algn="ctr"/>
+          </a:p>
+        </p:txBody>
+      </p:sp>
+      <p:pic>
+        <p:nvPicPr>
+          <p:cNvPr id="5" name="Picture 4" descr="sim_mujoco_1_astar.png"/>
+          <p:cNvPicPr>
+            <a:picLocks noChangeAspect="1"/>
+          </p:cNvPicPr>
+          <p:nvPr/>
+        </p:nvPicPr>
+        <p:blipFill>
+          <a:blip r:embed="rId2"/>
+          <a:stretch>
+            <a:fillRect/>
+          </a:stretch>
+        </p:blipFill>
+        <p:spPr>
+          <a:xfrm>
+            <a:off x="8284464" y="4462272"/>
+            <a:ext cx="3584448" cy="2121408"/>
+          </a:xfrm>
+          <a:prstGeom prst="rect">
+            <a:avLst/>
+          </a:prstGeom>
+        </p:spPr>
+      </p:pic>
+      <p:sp>
+        <p:nvSpPr>
+          <p:cNvPr id="6" name="TextBox 5"/>
+          <p:cNvSpPr txBox="1"/>
+          <p:nvPr/>
+        </p:nvSpPr>
+        <p:spPr>
+          <a:xfrm>
+            <a:off x="256032" y="6455664"/>
+            <a:ext cx="11686032" cy="310896"/>
+          </a:xfrm>
+          <a:prstGeom prst="rect">
+            <a:avLst/>
+          </a:prstGeom>
+          <a:noFill/>
+        </p:spPr>
+        <p:txBody>
+          <a:bodyPr wrap="none">
+            <a:spAutoFit/>
+          </a:bodyPr>
+          <a:lstStyle/>
+          <a:p>
+            <a:pPr>
+              <a:defRPr sz="650">
+                <a:solidFill>
+                  <a:srgbClr val="757B88"/>
+                </a:solidFill>
+              </a:defRPr>
+            </a:pPr>
+            <a:r>
+              <a:t>Refs: https://docs.github.com/en/copilot/concepts/agents/coding-agent/about-coding-agent | https://docs.github.com/en/copilot/how-tos/use-copilot-agents/coding-agent/create-a-pr | https://commons.wikimedia.org/wiki/File:SIPOC_diagram.jpg</a:t>
+            </a:r>
+          </a:p>
+        </p:txBody>
+      </p:sp>
     </p:spTree>
   </p:cSld>
   <p:clrMapOvr>
@@ -4723,6 +6507,111 @@
           </a:p>
         </p:txBody>
       </p:sp>
+      <p:sp>
+        <p:nvSpPr>
+          <p:cNvPr id="4" name="Rounded Rectangle 3"/>
+          <p:cNvSpPr/>
+          <p:nvPr/>
+        </p:nvSpPr>
+        <p:spPr>
+          <a:xfrm>
+            <a:off x="8238744" y="4416552"/>
+            <a:ext cx="3675887" cy="2212848"/>
+          </a:xfrm>
+          <a:prstGeom prst="roundRect">
+            <a:avLst/>
+          </a:prstGeom>
+          <a:solidFill>
+            <a:srgbClr val="141B2C"/>
+          </a:solidFill>
+          <a:ln w="12700">
+            <a:solidFill>
+              <a:srgbClr val="485F89"/>
+            </a:solidFill>
+          </a:ln>
+          <a:effectLst/>
+        </p:spPr>
+        <p:style>
+          <a:lnRef idx="1">
+            <a:schemeClr val="accent1"/>
+          </a:lnRef>
+          <a:fillRef idx="3">
+            <a:schemeClr val="accent1"/>
+          </a:fillRef>
+          <a:effectRef idx="2">
+            <a:schemeClr val="accent1"/>
+          </a:effectRef>
+          <a:fontRef idx="minor">
+            <a:schemeClr val="lt1"/>
+          </a:fontRef>
+        </p:style>
+        <p:txBody>
+          <a:bodyPr rtlCol="0" anchor="ctr"/>
+          <a:lstStyle/>
+          <a:p>
+            <a:pPr algn="ctr"/>
+          </a:p>
+        </p:txBody>
+      </p:sp>
+      <p:pic>
+        <p:nvPicPr>
+          <p:cNvPr id="5" name="Picture 4" descr="sim_mujoco_2_weighted_astar.png"/>
+          <p:cNvPicPr>
+            <a:picLocks noChangeAspect="1"/>
+          </p:cNvPicPr>
+          <p:nvPr/>
+        </p:nvPicPr>
+        <p:blipFill>
+          <a:blip r:embed="rId2"/>
+          <a:stretch>
+            <a:fillRect/>
+          </a:stretch>
+        </p:blipFill>
+        <p:spPr>
+          <a:xfrm>
+            <a:off x="8284464" y="4462272"/>
+            <a:ext cx="3584448" cy="2121408"/>
+          </a:xfrm>
+          <a:prstGeom prst="rect">
+            <a:avLst/>
+          </a:prstGeom>
+        </p:spPr>
+      </p:pic>
+      <p:sp>
+        <p:nvSpPr>
+          <p:cNvPr id="6" name="TextBox 5"/>
+          <p:cNvSpPr txBox="1"/>
+          <p:nvPr/>
+        </p:nvSpPr>
+        <p:spPr>
+          <a:xfrm>
+            <a:off x="256032" y="6455664"/>
+            <a:ext cx="11686032" cy="310896"/>
+          </a:xfrm>
+          <a:prstGeom prst="rect">
+            <a:avLst/>
+          </a:prstGeom>
+          <a:noFill/>
+        </p:spPr>
+        <p:txBody>
+          <a:bodyPr wrap="none">
+            <a:spAutoFit/>
+          </a:bodyPr>
+          <a:lstStyle/>
+          <a:p>
+            <a:pPr>
+              <a:defRPr sz="650">
+                <a:solidFill>
+                  <a:srgbClr val="757B88"/>
+                </a:solidFill>
+              </a:defRPr>
+            </a:pPr>
+            <a:r>
+              <a:t>Refs: https://developers.openai.com/codex/ | https://developers.openai.com/codex/mcp/ | https://commons.wikimedia.org/wiki/File:ValueStreamMapParts.png</a:t>
+            </a:r>
+          </a:p>
+        </p:txBody>
+      </p:sp>
     </p:spTree>
   </p:cSld>
   <p:clrMapOvr>
@@ -4813,6 +6702,111 @@
           </a:p>
         </p:txBody>
       </p:sp>
+      <p:sp>
+        <p:nvSpPr>
+          <p:cNvPr id="4" name="Rounded Rectangle 3"/>
+          <p:cNvSpPr/>
+          <p:nvPr/>
+        </p:nvSpPr>
+        <p:spPr>
+          <a:xfrm>
+            <a:off x="8238744" y="4416552"/>
+            <a:ext cx="3675887" cy="2212848"/>
+          </a:xfrm>
+          <a:prstGeom prst="roundRect">
+            <a:avLst/>
+          </a:prstGeom>
+          <a:solidFill>
+            <a:srgbClr val="141B2C"/>
+          </a:solidFill>
+          <a:ln w="12700">
+            <a:solidFill>
+              <a:srgbClr val="485F89"/>
+            </a:solidFill>
+          </a:ln>
+          <a:effectLst/>
+        </p:spPr>
+        <p:style>
+          <a:lnRef idx="1">
+            <a:schemeClr val="accent1"/>
+          </a:lnRef>
+          <a:fillRef idx="3">
+            <a:schemeClr val="accent1"/>
+          </a:fillRef>
+          <a:effectRef idx="2">
+            <a:schemeClr val="accent1"/>
+          </a:effectRef>
+          <a:fontRef idx="minor">
+            <a:schemeClr val="lt1"/>
+          </a:fontRef>
+        </p:style>
+        <p:txBody>
+          <a:bodyPr rtlCol="0" anchor="ctr"/>
+          <a:lstStyle/>
+          <a:p>
+            <a:pPr algn="ctr"/>
+          </a:p>
+        </p:txBody>
+      </p:sp>
+      <p:pic>
+        <p:nvPicPr>
+          <p:cNvPr id="5" name="Picture 4" descr="sim_mujoco_3_fringe_search.png"/>
+          <p:cNvPicPr>
+            <a:picLocks noChangeAspect="1"/>
+          </p:cNvPicPr>
+          <p:nvPr/>
+        </p:nvPicPr>
+        <p:blipFill>
+          <a:blip r:embed="rId2"/>
+          <a:stretch>
+            <a:fillRect/>
+          </a:stretch>
+        </p:blipFill>
+        <p:spPr>
+          <a:xfrm>
+            <a:off x="8284464" y="4462272"/>
+            <a:ext cx="3584448" cy="2121408"/>
+          </a:xfrm>
+          <a:prstGeom prst="rect">
+            <a:avLst/>
+          </a:prstGeom>
+        </p:spPr>
+      </p:pic>
+      <p:sp>
+        <p:nvSpPr>
+          <p:cNvPr id="6" name="TextBox 5"/>
+          <p:cNvSpPr txBox="1"/>
+          <p:nvPr/>
+        </p:nvSpPr>
+        <p:spPr>
+          <a:xfrm>
+            <a:off x="256032" y="6455664"/>
+            <a:ext cx="11686032" cy="310896"/>
+          </a:xfrm>
+          <a:prstGeom prst="rect">
+            <a:avLst/>
+          </a:prstGeom>
+          <a:noFill/>
+        </p:spPr>
+        <p:txBody>
+          <a:bodyPr wrap="none">
+            <a:spAutoFit/>
+          </a:bodyPr>
+          <a:lstStyle/>
+          <a:p>
+            <a:pPr>
+              <a:defRPr sz="650">
+                <a:solidFill>
+                  <a:srgbClr val="757B88"/>
+                </a:solidFill>
+              </a:defRPr>
+            </a:pPr>
+            <a:r>
+              <a:t>Refs: https://developers.openai.com/codex/skills/ | https://docs.github.com/en/copilot/how-tos/use-copilot-agents/coding-agent/review-copilot-prs | https://commons.wikimedia.org/wiki/File:Value_Stream_Mapping_map_015.jpg</a:t>
+            </a:r>
+          </a:p>
+        </p:txBody>
+      </p:sp>
     </p:spTree>
   </p:cSld>
   <p:clrMapOvr>
@@ -4903,6 +6897,111 @@
           </a:p>
         </p:txBody>
       </p:sp>
+      <p:sp>
+        <p:nvSpPr>
+          <p:cNvPr id="4" name="Rounded Rectangle 3"/>
+          <p:cNvSpPr/>
+          <p:nvPr/>
+        </p:nvSpPr>
+        <p:spPr>
+          <a:xfrm>
+            <a:off x="8238744" y="4416552"/>
+            <a:ext cx="3675887" cy="2212848"/>
+          </a:xfrm>
+          <a:prstGeom prst="roundRect">
+            <a:avLst/>
+          </a:prstGeom>
+          <a:solidFill>
+            <a:srgbClr val="141B2C"/>
+          </a:solidFill>
+          <a:ln w="12700">
+            <a:solidFill>
+              <a:srgbClr val="485F89"/>
+            </a:solidFill>
+          </a:ln>
+          <a:effectLst/>
+        </p:spPr>
+        <p:style>
+          <a:lnRef idx="1">
+            <a:schemeClr val="accent1"/>
+          </a:lnRef>
+          <a:fillRef idx="3">
+            <a:schemeClr val="accent1"/>
+          </a:fillRef>
+          <a:effectRef idx="2">
+            <a:schemeClr val="accent1"/>
+          </a:effectRef>
+          <a:fontRef idx="minor">
+            <a:schemeClr val="lt1"/>
+          </a:fontRef>
+        </p:style>
+        <p:txBody>
+          <a:bodyPr rtlCol="0" anchor="ctr"/>
+          <a:lstStyle/>
+          <a:p>
+            <a:pPr algn="ctr"/>
+          </a:p>
+        </p:txBody>
+      </p:sp>
+      <p:pic>
+        <p:nvPicPr>
+          <p:cNvPr id="5" name="Picture 4" descr="image.png"/>
+          <p:cNvPicPr>
+            <a:picLocks noChangeAspect="1"/>
+          </p:cNvPicPr>
+          <p:nvPr/>
+        </p:nvPicPr>
+        <p:blipFill>
+          <a:blip r:embed="rId2"/>
+          <a:stretch>
+            <a:fillRect/>
+          </a:stretch>
+        </p:blipFill>
+        <p:spPr>
+          <a:xfrm>
+            <a:off x="8284464" y="4462272"/>
+            <a:ext cx="3584448" cy="2121408"/>
+          </a:xfrm>
+          <a:prstGeom prst="rect">
+            <a:avLst/>
+          </a:prstGeom>
+        </p:spPr>
+      </p:pic>
+      <p:sp>
+        <p:nvSpPr>
+          <p:cNvPr id="6" name="TextBox 5"/>
+          <p:cNvSpPr txBox="1"/>
+          <p:nvPr/>
+        </p:nvSpPr>
+        <p:spPr>
+          <a:xfrm>
+            <a:off x="256032" y="6455664"/>
+            <a:ext cx="11686032" cy="310896"/>
+          </a:xfrm>
+          <a:prstGeom prst="rect">
+            <a:avLst/>
+          </a:prstGeom>
+          <a:noFill/>
+        </p:spPr>
+        <p:txBody>
+          <a:bodyPr wrap="none">
+            <a:spAutoFit/>
+          </a:bodyPr>
+          <a:lstStyle/>
+          <a:p>
+            <a:pPr>
+              <a:defRPr sz="650">
+                <a:solidFill>
+                  <a:srgbClr val="757B88"/>
+                </a:solidFill>
+              </a:defRPr>
+            </a:pPr>
+            <a:r>
+              <a:t>Refs: https://playwright.dev/docs/intro | https://docs.github.com/en/actions | https://commons.wikimedia.org/wiki/File:Human%2BRobot.jpg</a:t>
+            </a:r>
+          </a:p>
+        </p:txBody>
+      </p:sp>
     </p:spTree>
   </p:cSld>
   <p:clrMapOvr>
@@ -4993,6 +7092,111 @@
           </a:p>
         </p:txBody>
       </p:sp>
+      <p:sp>
+        <p:nvSpPr>
+          <p:cNvPr id="4" name="Rounded Rectangle 3"/>
+          <p:cNvSpPr/>
+          <p:nvPr/>
+        </p:nvSpPr>
+        <p:spPr>
+          <a:xfrm>
+            <a:off x="8238744" y="4416552"/>
+            <a:ext cx="3675887" cy="2212848"/>
+          </a:xfrm>
+          <a:prstGeom prst="roundRect">
+            <a:avLst/>
+          </a:prstGeom>
+          <a:solidFill>
+            <a:srgbClr val="141B2C"/>
+          </a:solidFill>
+          <a:ln w="12700">
+            <a:solidFill>
+              <a:srgbClr val="485F89"/>
+            </a:solidFill>
+          </a:ln>
+          <a:effectLst/>
+        </p:spPr>
+        <p:style>
+          <a:lnRef idx="1">
+            <a:schemeClr val="accent1"/>
+          </a:lnRef>
+          <a:fillRef idx="3">
+            <a:schemeClr val="accent1"/>
+          </a:fillRef>
+          <a:effectRef idx="2">
+            <a:schemeClr val="accent1"/>
+          </a:effectRef>
+          <a:fontRef idx="minor">
+            <a:schemeClr val="lt1"/>
+          </a:fontRef>
+        </p:style>
+        <p:txBody>
+          <a:bodyPr rtlCol="0" anchor="ctr"/>
+          <a:lstStyle/>
+          <a:p>
+            <a:pPr algn="ctr"/>
+          </a:p>
+        </p:txBody>
+      </p:sp>
+      <p:pic>
+        <p:nvPicPr>
+          <p:cNvPr id="5" name="Picture 4" descr="image.png"/>
+          <p:cNvPicPr>
+            <a:picLocks noChangeAspect="1"/>
+          </p:cNvPicPr>
+          <p:nvPr/>
+        </p:nvPicPr>
+        <p:blipFill>
+          <a:blip r:embed="rId2"/>
+          <a:stretch>
+            <a:fillRect/>
+          </a:stretch>
+        </p:blipFill>
+        <p:spPr>
+          <a:xfrm>
+            <a:off x="8284464" y="4462272"/>
+            <a:ext cx="3584448" cy="2121408"/>
+          </a:xfrm>
+          <a:prstGeom prst="rect">
+            <a:avLst/>
+          </a:prstGeom>
+        </p:spPr>
+      </p:pic>
+      <p:sp>
+        <p:nvSpPr>
+          <p:cNvPr id="6" name="TextBox 5"/>
+          <p:cNvSpPr txBox="1"/>
+          <p:nvPr/>
+        </p:nvSpPr>
+        <p:spPr>
+          <a:xfrm>
+            <a:off x="256032" y="6455664"/>
+            <a:ext cx="11686032" cy="310896"/>
+          </a:xfrm>
+          <a:prstGeom prst="rect">
+            <a:avLst/>
+          </a:prstGeom>
+          <a:noFill/>
+        </p:spPr>
+        <p:txBody>
+          <a:bodyPr wrap="none">
+            <a:spAutoFit/>
+          </a:bodyPr>
+          <a:lstStyle/>
+          <a:p>
+            <a:pPr>
+              <a:defRPr sz="650">
+                <a:solidFill>
+                  <a:srgbClr val="757B88"/>
+                </a:solidFill>
+              </a:defRPr>
+            </a:pPr>
+            <a:r>
+              <a:t>Refs: https://www.prisma-statement.org/prisma-2020 | https://info.arxiv.org/help/api/index.html | https://commons.wikimedia.org/wiki/File:Simple_feedback_control_loop2.svg</a:t>
+            </a:r>
+          </a:p>
+        </p:txBody>
+      </p:sp>
     </p:spTree>
   </p:cSld>
   <p:clrMapOvr>
@@ -5079,6 +7283,111 @@
             <a:r>
               <a:rPr sz="2000"/>
               <a:t>Best use: transform experiment logs and notes into clean reports and summaries.</a:t>
+            </a:r>
+          </a:p>
+        </p:txBody>
+      </p:sp>
+      <p:sp>
+        <p:nvSpPr>
+          <p:cNvPr id="4" name="Rounded Rectangle 3"/>
+          <p:cNvSpPr/>
+          <p:nvPr/>
+        </p:nvSpPr>
+        <p:spPr>
+          <a:xfrm>
+            <a:off x="8238744" y="4416552"/>
+            <a:ext cx="3675887" cy="2212848"/>
+          </a:xfrm>
+          <a:prstGeom prst="roundRect">
+            <a:avLst/>
+          </a:prstGeom>
+          <a:solidFill>
+            <a:srgbClr val="141B2C"/>
+          </a:solidFill>
+          <a:ln w="12700">
+            <a:solidFill>
+              <a:srgbClr val="485F89"/>
+            </a:solidFill>
+          </a:ln>
+          <a:effectLst/>
+        </p:spPr>
+        <p:style>
+          <a:lnRef idx="1">
+            <a:schemeClr val="accent1"/>
+          </a:lnRef>
+          <a:fillRef idx="3">
+            <a:schemeClr val="accent1"/>
+          </a:fillRef>
+          <a:effectRef idx="2">
+            <a:schemeClr val="accent1"/>
+          </a:effectRef>
+          <a:fontRef idx="minor">
+            <a:schemeClr val="lt1"/>
+          </a:fontRef>
+        </p:style>
+        <p:txBody>
+          <a:bodyPr rtlCol="0" anchor="ctr"/>
+          <a:lstStyle/>
+          <a:p>
+            <a:pPr algn="ctr"/>
+          </a:p>
+        </p:txBody>
+      </p:sp>
+      <p:pic>
+        <p:nvPicPr>
+          <p:cNvPr id="5" name="Picture 4" descr="image.png"/>
+          <p:cNvPicPr>
+            <a:picLocks noChangeAspect="1"/>
+          </p:cNvPicPr>
+          <p:nvPr/>
+        </p:nvPicPr>
+        <p:blipFill>
+          <a:blip r:embed="rId2"/>
+          <a:stretch>
+            <a:fillRect/>
+          </a:stretch>
+        </p:blipFill>
+        <p:spPr>
+          <a:xfrm>
+            <a:off x="8284464" y="4462272"/>
+            <a:ext cx="3584448" cy="2121408"/>
+          </a:xfrm>
+          <a:prstGeom prst="rect">
+            <a:avLst/>
+          </a:prstGeom>
+        </p:spPr>
+      </p:pic>
+      <p:sp>
+        <p:nvSpPr>
+          <p:cNvPr id="6" name="TextBox 5"/>
+          <p:cNvSpPr txBox="1"/>
+          <p:nvPr/>
+        </p:nvSpPr>
+        <p:spPr>
+          <a:xfrm>
+            <a:off x="256032" y="6455664"/>
+            <a:ext cx="11686032" cy="310896"/>
+          </a:xfrm>
+          <a:prstGeom prst="rect">
+            <a:avLst/>
+          </a:prstGeom>
+          <a:noFill/>
+        </p:spPr>
+        <p:txBody>
+          <a:bodyPr wrap="none">
+            <a:spAutoFit/>
+          </a:bodyPr>
+          <a:lstStyle/>
+          <a:p>
+            <a:pPr>
+              <a:defRPr sz="650">
+                <a:solidFill>
+                  <a:srgbClr val="757B88"/>
+                </a:solidFill>
+              </a:defRPr>
+            </a:pPr>
+            <a:r>
+              <a:t>Refs: https://www.latex-project.org/ | https://www.crossref.org/ | https://commons.wikimedia.org/wiki/File:Humanoid_Robot.webp</a:t>
             </a:r>
           </a:p>
         </p:txBody>
@@ -5163,14 +7472,113 @@
           </a:p>
           <a:p>
             <a:r>
-              <a:rPr sz="2400"/>
-              <a:t>11:45-11:55: Debug, testing, research, and writing workflows</a:t>
-            </a:r>
-          </a:p>
-          <a:p>
-            <a:r>
-              <a:rPr sz="2400"/>
-              <a:t>11:55-12:00: Robotics risk/reward, adoption plan, Q&amp;A</a:t>
+              <a:t>11:45-12:00: Debug, testing, research, and writing workflows</a:t>
+            </a:r>
+          </a:p>
+          <a:p/>
+        </p:txBody>
+      </p:sp>
+      <p:sp>
+        <p:nvSpPr>
+          <p:cNvPr id="4" name="Rounded Rectangle 3"/>
+          <p:cNvSpPr/>
+          <p:nvPr/>
+        </p:nvSpPr>
+        <p:spPr>
+          <a:xfrm>
+            <a:off x="8238744" y="4416552"/>
+            <a:ext cx="3675887" cy="2212848"/>
+          </a:xfrm>
+          <a:prstGeom prst="roundRect">
+            <a:avLst/>
+          </a:prstGeom>
+          <a:solidFill>
+            <a:srgbClr val="141B2C"/>
+          </a:solidFill>
+          <a:ln w="12700">
+            <a:solidFill>
+              <a:srgbClr val="485F89"/>
+            </a:solidFill>
+          </a:ln>
+          <a:effectLst/>
+        </p:spPr>
+        <p:style>
+          <a:lnRef idx="1">
+            <a:schemeClr val="accent1"/>
+          </a:lnRef>
+          <a:fillRef idx="3">
+            <a:schemeClr val="accent1"/>
+          </a:fillRef>
+          <a:effectRef idx="2">
+            <a:schemeClr val="accent1"/>
+          </a:effectRef>
+          <a:fontRef idx="minor">
+            <a:schemeClr val="lt1"/>
+          </a:fontRef>
+        </p:style>
+        <p:txBody>
+          <a:bodyPr rtlCol="0" anchor="ctr"/>
+          <a:lstStyle/>
+          <a:p>
+            <a:pPr algn="ctr"/>
+          </a:p>
+        </p:txBody>
+      </p:sp>
+      <p:pic>
+        <p:nvPicPr>
+          <p:cNvPr id="5" name="Picture 4" descr="image.png"/>
+          <p:cNvPicPr>
+            <a:picLocks noChangeAspect="1"/>
+          </p:cNvPicPr>
+          <p:nvPr/>
+        </p:nvPicPr>
+        <p:blipFill>
+          <a:blip r:embed="rId2"/>
+          <a:stretch>
+            <a:fillRect/>
+          </a:stretch>
+        </p:blipFill>
+        <p:spPr>
+          <a:xfrm>
+            <a:off x="8284464" y="4462272"/>
+            <a:ext cx="3584448" cy="2121408"/>
+          </a:xfrm>
+          <a:prstGeom prst="rect">
+            <a:avLst/>
+          </a:prstGeom>
+        </p:spPr>
+      </p:pic>
+      <p:sp>
+        <p:nvSpPr>
+          <p:cNvPr id="6" name="TextBox 5"/>
+          <p:cNvSpPr txBox="1"/>
+          <p:nvPr/>
+        </p:nvSpPr>
+        <p:spPr>
+          <a:xfrm>
+            <a:off x="256032" y="6455664"/>
+            <a:ext cx="11686032" cy="310896"/>
+          </a:xfrm>
+          <a:prstGeom prst="rect">
+            <a:avLst/>
+          </a:prstGeom>
+          <a:noFill/>
+        </p:spPr>
+        <p:txBody>
+          <a:bodyPr wrap="none">
+            <a:spAutoFit/>
+          </a:bodyPr>
+          <a:lstStyle/>
+          <a:p>
+            <a:pPr>
+              <a:defRPr sz="650">
+                <a:solidFill>
+                  <a:srgbClr val="757B88"/>
+                </a:solidFill>
+              </a:defRPr>
+            </a:pPr>
+            <a:r>
+              <a:t>Refs: https://developers.openai.com/codex/cli/features/ | https://github.com/features/copilot | https://jules.google/docs/cli/reference/</a:t>
             </a:r>
           </a:p>
         </p:txBody>
@@ -5261,6 +7669,111 @@
             <a:r>
               <a:rPr sz="2000"/>
               <a:t>Best use: converging parallel agent branches into safe, merge-ready outcomes.</a:t>
+            </a:r>
+          </a:p>
+        </p:txBody>
+      </p:sp>
+      <p:sp>
+        <p:nvSpPr>
+          <p:cNvPr id="4" name="Rounded Rectangle 3"/>
+          <p:cNvSpPr/>
+          <p:nvPr/>
+        </p:nvSpPr>
+        <p:spPr>
+          <a:xfrm>
+            <a:off x="8238744" y="4416552"/>
+            <a:ext cx="3675887" cy="2212848"/>
+          </a:xfrm>
+          <a:prstGeom prst="roundRect">
+            <a:avLst/>
+          </a:prstGeom>
+          <a:solidFill>
+            <a:srgbClr val="141B2C"/>
+          </a:solidFill>
+          <a:ln w="12700">
+            <a:solidFill>
+              <a:srgbClr val="485F89"/>
+            </a:solidFill>
+          </a:ln>
+          <a:effectLst/>
+        </p:spPr>
+        <p:style>
+          <a:lnRef idx="1">
+            <a:schemeClr val="accent1"/>
+          </a:lnRef>
+          <a:fillRef idx="3">
+            <a:schemeClr val="accent1"/>
+          </a:fillRef>
+          <a:effectRef idx="2">
+            <a:schemeClr val="accent1"/>
+          </a:effectRef>
+          <a:fontRef idx="minor">
+            <a:schemeClr val="lt1"/>
+          </a:fontRef>
+        </p:style>
+        <p:txBody>
+          <a:bodyPr rtlCol="0" anchor="ctr"/>
+          <a:lstStyle/>
+          <a:p>
+            <a:pPr algn="ctr"/>
+          </a:p>
+        </p:txBody>
+      </p:sp>
+      <p:pic>
+        <p:nvPicPr>
+          <p:cNvPr id="5" name="Picture 4" descr="image.png"/>
+          <p:cNvPicPr>
+            <a:picLocks noChangeAspect="1"/>
+          </p:cNvPicPr>
+          <p:nvPr/>
+        </p:nvPicPr>
+        <p:blipFill>
+          <a:blip r:embed="rId2"/>
+          <a:stretch>
+            <a:fillRect/>
+          </a:stretch>
+        </p:blipFill>
+        <p:spPr>
+          <a:xfrm>
+            <a:off x="8284464" y="4462272"/>
+            <a:ext cx="3584448" cy="2121408"/>
+          </a:xfrm>
+          <a:prstGeom prst="rect">
+            <a:avLst/>
+          </a:prstGeom>
+        </p:spPr>
+      </p:pic>
+      <p:sp>
+        <p:nvSpPr>
+          <p:cNvPr id="6" name="TextBox 5"/>
+          <p:cNvSpPr txBox="1"/>
+          <p:nvPr/>
+        </p:nvSpPr>
+        <p:spPr>
+          <a:xfrm>
+            <a:off x="256032" y="6455664"/>
+            <a:ext cx="11686032" cy="310896"/>
+          </a:xfrm>
+          <a:prstGeom prst="rect">
+            <a:avLst/>
+          </a:prstGeom>
+          <a:noFill/>
+        </p:spPr>
+        <p:txBody>
+          <a:bodyPr wrap="none">
+            <a:spAutoFit/>
+          </a:bodyPr>
+          <a:lstStyle/>
+          <a:p>
+            <a:pPr>
+              <a:defRPr sz="650">
+                <a:solidFill>
+                  <a:srgbClr val="757B88"/>
+                </a:solidFill>
+              </a:defRPr>
+            </a:pPr>
+            <a:r>
+              <a:t>Refs: https://docs.github.com/en/pull-requests | https://docs.github.com/en/copilot/how-tos/use-copilot-agents/coding-agent/review-copilot-prs | https://commons.wikimedia.org/wiki/File:Robonaut_2_on_display_at_NASM_(NHQ202410240009).jpg</a:t>
             </a:r>
           </a:p>
         </p:txBody>
@@ -5357,6 +7870,111 @@
           </a:p>
         </p:txBody>
       </p:sp>
+      <p:sp>
+        <p:nvSpPr>
+          <p:cNvPr id="4" name="Rounded Rectangle 3"/>
+          <p:cNvSpPr/>
+          <p:nvPr/>
+        </p:nvSpPr>
+        <p:spPr>
+          <a:xfrm>
+            <a:off x="8238744" y="4416552"/>
+            <a:ext cx="3675887" cy="2212848"/>
+          </a:xfrm>
+          <a:prstGeom prst="roundRect">
+            <a:avLst/>
+          </a:prstGeom>
+          <a:solidFill>
+            <a:srgbClr val="141B2C"/>
+          </a:solidFill>
+          <a:ln w="12700">
+            <a:solidFill>
+              <a:srgbClr val="485F89"/>
+            </a:solidFill>
+          </a:ln>
+          <a:effectLst/>
+        </p:spPr>
+        <p:style>
+          <a:lnRef idx="1">
+            <a:schemeClr val="accent1"/>
+          </a:lnRef>
+          <a:fillRef idx="3">
+            <a:schemeClr val="accent1"/>
+          </a:fillRef>
+          <a:effectRef idx="2">
+            <a:schemeClr val="accent1"/>
+          </a:effectRef>
+          <a:fontRef idx="minor">
+            <a:schemeClr val="lt1"/>
+          </a:fontRef>
+        </p:style>
+        <p:txBody>
+          <a:bodyPr rtlCol="0" anchor="ctr"/>
+          <a:lstStyle/>
+          <a:p>
+            <a:pPr algn="ctr"/>
+          </a:p>
+        </p:txBody>
+      </p:sp>
+      <p:pic>
+        <p:nvPicPr>
+          <p:cNvPr id="5" name="Picture 4" descr="image.png"/>
+          <p:cNvPicPr>
+            <a:picLocks noChangeAspect="1"/>
+          </p:cNvPicPr>
+          <p:nvPr/>
+        </p:nvPicPr>
+        <p:blipFill>
+          <a:blip r:embed="rId2"/>
+          <a:stretch>
+            <a:fillRect/>
+          </a:stretch>
+        </p:blipFill>
+        <p:spPr>
+          <a:xfrm>
+            <a:off x="8284464" y="4462272"/>
+            <a:ext cx="3584448" cy="2121408"/>
+          </a:xfrm>
+          <a:prstGeom prst="rect">
+            <a:avLst/>
+          </a:prstGeom>
+        </p:spPr>
+      </p:pic>
+      <p:sp>
+        <p:nvSpPr>
+          <p:cNvPr id="6" name="TextBox 5"/>
+          <p:cNvSpPr txBox="1"/>
+          <p:nvPr/>
+        </p:nvSpPr>
+        <p:spPr>
+          <a:xfrm>
+            <a:off x="256032" y="6455664"/>
+            <a:ext cx="11686032" cy="310896"/>
+          </a:xfrm>
+          <a:prstGeom prst="rect">
+            <a:avLst/>
+          </a:prstGeom>
+          <a:noFill/>
+        </p:spPr>
+        <p:txBody>
+          <a:bodyPr wrap="none">
+            <a:spAutoFit/>
+          </a:bodyPr>
+          <a:lstStyle/>
+          <a:p>
+            <a:pPr>
+              <a:defRPr sz="650">
+                <a:solidFill>
+                  <a:srgbClr val="757B88"/>
+                </a:solidFill>
+              </a:defRPr>
+            </a:pPr>
+            <a:r>
+              <a:t>Refs: https://developers.openai.com/codex/guides/agents-md/ | https://developers.openai.com/codex/config-reference/ | https://commons.wikimedia.org/wiki/File:ISS-29_second_onboard_tests_of_Robonaut_2.jpg</a:t>
+            </a:r>
+          </a:p>
+        </p:txBody>
+      </p:sp>
     </p:spTree>
   </p:cSld>
   <p:clrMapOvr>
@@ -5449,6 +8067,111 @@
           </a:p>
         </p:txBody>
       </p:sp>
+      <p:sp>
+        <p:nvSpPr>
+          <p:cNvPr id="4" name="Rounded Rectangle 3"/>
+          <p:cNvSpPr/>
+          <p:nvPr/>
+        </p:nvSpPr>
+        <p:spPr>
+          <a:xfrm>
+            <a:off x="6254496" y="1499616"/>
+            <a:ext cx="2670048" cy="2029968"/>
+          </a:xfrm>
+          <a:prstGeom prst="roundRect">
+            <a:avLst/>
+          </a:prstGeom>
+          <a:solidFill>
+            <a:srgbClr val="141B2C"/>
+          </a:solidFill>
+          <a:ln w="13970">
+            <a:solidFill>
+              <a:srgbClr val="465C84"/>
+            </a:solidFill>
+          </a:ln>
+          <a:effectLst/>
+        </p:spPr>
+        <p:style>
+          <a:lnRef idx="1">
+            <a:schemeClr val="accent1"/>
+          </a:lnRef>
+          <a:fillRef idx="3">
+            <a:schemeClr val="accent1"/>
+          </a:fillRef>
+          <a:effectRef idx="2">
+            <a:schemeClr val="accent1"/>
+          </a:effectRef>
+          <a:fontRef idx="minor">
+            <a:schemeClr val="lt1"/>
+          </a:fontRef>
+        </p:style>
+        <p:txBody>
+          <a:bodyPr rtlCol="0" anchor="ctr"/>
+          <a:lstStyle/>
+          <a:p>
+            <a:pPr algn="ctr"/>
+          </a:p>
+        </p:txBody>
+      </p:sp>
+      <p:pic>
+        <p:nvPicPr>
+          <p:cNvPr id="5" name="Picture 4" descr="mcp_mesh.png"/>
+          <p:cNvPicPr>
+            <a:picLocks noChangeAspect="1"/>
+          </p:cNvPicPr>
+          <p:nvPr/>
+        </p:nvPicPr>
+        <p:blipFill>
+          <a:blip r:embed="rId2"/>
+          <a:stretch>
+            <a:fillRect/>
+          </a:stretch>
+        </p:blipFill>
+        <p:spPr>
+          <a:xfrm>
+            <a:off x="6309360" y="1554480"/>
+            <a:ext cx="2560320" cy="1920240"/>
+          </a:xfrm>
+          <a:prstGeom prst="rect">
+            <a:avLst/>
+          </a:prstGeom>
+        </p:spPr>
+      </p:pic>
+      <p:sp>
+        <p:nvSpPr>
+          <p:cNvPr id="6" name="TextBox 5"/>
+          <p:cNvSpPr txBox="1"/>
+          <p:nvPr/>
+        </p:nvSpPr>
+        <p:spPr>
+          <a:xfrm>
+            <a:off x="256032" y="6455664"/>
+            <a:ext cx="11686032" cy="310896"/>
+          </a:xfrm>
+          <a:prstGeom prst="rect">
+            <a:avLst/>
+          </a:prstGeom>
+          <a:noFill/>
+        </p:spPr>
+        <p:txBody>
+          <a:bodyPr wrap="none">
+            <a:spAutoFit/>
+          </a:bodyPr>
+          <a:lstStyle/>
+          <a:p>
+            <a:pPr>
+              <a:defRPr sz="650">
+                <a:solidFill>
+                  <a:srgbClr val="757B88"/>
+                </a:solidFill>
+              </a:defRPr>
+            </a:pPr>
+            <a:r>
+              <a:t>Refs: https://developers.openai.com/codex/mcp/ | https://modelcontextprotocol.io/specification/2025-11-25/basic | https://commons.wikimedia.org/wiki/File:Big_dog_military_robots.jpg</a:t>
+            </a:r>
+          </a:p>
+        </p:txBody>
+      </p:sp>
     </p:spTree>
   </p:cSld>
   <p:clrMapOvr>
@@ -5541,6 +8264,111 @@
           </a:p>
         </p:txBody>
       </p:sp>
+      <p:sp>
+        <p:nvSpPr>
+          <p:cNvPr id="4" name="Rounded Rectangle 3"/>
+          <p:cNvSpPr/>
+          <p:nvPr/>
+        </p:nvSpPr>
+        <p:spPr>
+          <a:xfrm>
+            <a:off x="8238744" y="4416552"/>
+            <a:ext cx="3675887" cy="2212848"/>
+          </a:xfrm>
+          <a:prstGeom prst="roundRect">
+            <a:avLst/>
+          </a:prstGeom>
+          <a:solidFill>
+            <a:srgbClr val="141B2C"/>
+          </a:solidFill>
+          <a:ln w="12700">
+            <a:solidFill>
+              <a:srgbClr val="485F89"/>
+            </a:solidFill>
+          </a:ln>
+          <a:effectLst/>
+        </p:spPr>
+        <p:style>
+          <a:lnRef idx="1">
+            <a:schemeClr val="accent1"/>
+          </a:lnRef>
+          <a:fillRef idx="3">
+            <a:schemeClr val="accent1"/>
+          </a:fillRef>
+          <a:effectRef idx="2">
+            <a:schemeClr val="accent1"/>
+          </a:effectRef>
+          <a:fontRef idx="minor">
+            <a:schemeClr val="lt1"/>
+          </a:fontRef>
+        </p:style>
+        <p:txBody>
+          <a:bodyPr rtlCol="0" anchor="ctr"/>
+          <a:lstStyle/>
+          <a:p>
+            <a:pPr algn="ctr"/>
+          </a:p>
+        </p:txBody>
+      </p:sp>
+      <p:pic>
+        <p:nvPicPr>
+          <p:cNvPr id="5" name="Picture 4" descr="sim_mujoco_3_fringe_search.png"/>
+          <p:cNvPicPr>
+            <a:picLocks noChangeAspect="1"/>
+          </p:cNvPicPr>
+          <p:nvPr/>
+        </p:nvPicPr>
+        <p:blipFill>
+          <a:blip r:embed="rId2"/>
+          <a:stretch>
+            <a:fillRect/>
+          </a:stretch>
+        </p:blipFill>
+        <p:spPr>
+          <a:xfrm>
+            <a:off x="8284464" y="4462272"/>
+            <a:ext cx="3584448" cy="2121408"/>
+          </a:xfrm>
+          <a:prstGeom prst="rect">
+            <a:avLst/>
+          </a:prstGeom>
+        </p:spPr>
+      </p:pic>
+      <p:sp>
+        <p:nvSpPr>
+          <p:cNvPr id="6" name="TextBox 5"/>
+          <p:cNvSpPr txBox="1"/>
+          <p:nvPr/>
+        </p:nvSpPr>
+        <p:spPr>
+          <a:xfrm>
+            <a:off x="256032" y="6455664"/>
+            <a:ext cx="11686032" cy="310896"/>
+          </a:xfrm>
+          <a:prstGeom prst="rect">
+            <a:avLst/>
+          </a:prstGeom>
+          <a:noFill/>
+        </p:spPr>
+        <p:txBody>
+          <a:bodyPr wrap="none">
+            <a:spAutoFit/>
+          </a:bodyPr>
+          <a:lstStyle/>
+          <a:p>
+            <a:pPr>
+              <a:defRPr sz="650">
+                <a:solidFill>
+                  <a:srgbClr val="757B88"/>
+                </a:solidFill>
+              </a:defRPr>
+            </a:pPr>
+            <a:r>
+              <a:t>Refs: https://developers.openai.com/codex/security/ | https://docs.anthropic.com/en/docs/mcp | https://commons.wikimedia.org/wiki/File:Simple_feedback_control_loop2.svg</a:t>
+            </a:r>
+          </a:p>
+        </p:txBody>
+      </p:sp>
     </p:spTree>
   </p:cSld>
   <p:clrMapOvr>
@@ -5633,6 +8461,111 @@
           </a:p>
         </p:txBody>
       </p:sp>
+      <p:sp>
+        <p:nvSpPr>
+          <p:cNvPr id="4" name="Rounded Rectangle 3"/>
+          <p:cNvSpPr/>
+          <p:nvPr/>
+        </p:nvSpPr>
+        <p:spPr>
+          <a:xfrm>
+            <a:off x="8238744" y="4416552"/>
+            <a:ext cx="3675887" cy="2212848"/>
+          </a:xfrm>
+          <a:prstGeom prst="roundRect">
+            <a:avLst/>
+          </a:prstGeom>
+          <a:solidFill>
+            <a:srgbClr val="141B2C"/>
+          </a:solidFill>
+          <a:ln w="12700">
+            <a:solidFill>
+              <a:srgbClr val="485F89"/>
+            </a:solidFill>
+          </a:ln>
+          <a:effectLst/>
+        </p:spPr>
+        <p:style>
+          <a:lnRef idx="1">
+            <a:schemeClr val="accent1"/>
+          </a:lnRef>
+          <a:fillRef idx="3">
+            <a:schemeClr val="accent1"/>
+          </a:fillRef>
+          <a:effectRef idx="2">
+            <a:schemeClr val="accent1"/>
+          </a:effectRef>
+          <a:fontRef idx="minor">
+            <a:schemeClr val="lt1"/>
+          </a:fontRef>
+        </p:style>
+        <p:txBody>
+          <a:bodyPr rtlCol="0" anchor="ctr"/>
+          <a:lstStyle/>
+          <a:p>
+            <a:pPr algn="ctr"/>
+          </a:p>
+        </p:txBody>
+      </p:sp>
+      <p:pic>
+        <p:nvPicPr>
+          <p:cNvPr id="5" name="Picture 4" descr="sim_snapshot_1_astar.png"/>
+          <p:cNvPicPr>
+            <a:picLocks noChangeAspect="1"/>
+          </p:cNvPicPr>
+          <p:nvPr/>
+        </p:nvPicPr>
+        <p:blipFill>
+          <a:blip r:embed="rId2"/>
+          <a:stretch>
+            <a:fillRect/>
+          </a:stretch>
+        </p:blipFill>
+        <p:spPr>
+          <a:xfrm>
+            <a:off x="8284464" y="4462272"/>
+            <a:ext cx="3584448" cy="2121408"/>
+          </a:xfrm>
+          <a:prstGeom prst="rect">
+            <a:avLst/>
+          </a:prstGeom>
+        </p:spPr>
+      </p:pic>
+      <p:sp>
+        <p:nvSpPr>
+          <p:cNvPr id="6" name="TextBox 5"/>
+          <p:cNvSpPr txBox="1"/>
+          <p:nvPr/>
+        </p:nvSpPr>
+        <p:spPr>
+          <a:xfrm>
+            <a:off x="256032" y="6455664"/>
+            <a:ext cx="11686032" cy="310896"/>
+          </a:xfrm>
+          <a:prstGeom prst="rect">
+            <a:avLst/>
+          </a:prstGeom>
+          <a:noFill/>
+        </p:spPr>
+        <p:txBody>
+          <a:bodyPr wrap="none">
+            <a:spAutoFit/>
+          </a:bodyPr>
+          <a:lstStyle/>
+          <a:p>
+            <a:pPr>
+              <a:defRPr sz="650">
+                <a:solidFill>
+                  <a:srgbClr val="757B88"/>
+                </a:solidFill>
+              </a:defRPr>
+            </a:pPr>
+            <a:r>
+              <a:t>Refs: https://developers.openai.com/codex/guides/agents-sdk/ | https://docs.github.com/en/copilot/how-tos/use-copilot-agents/coding-agent/create-a-pr | https://commons.wikimedia.org/wiki/File:SERCOS_III_Control_Interface_Cycle_diagram.svg</a:t>
+            </a:r>
+          </a:p>
+        </p:txBody>
+      </p:sp>
     </p:spTree>
   </p:cSld>
   <p:clrMapOvr>
@@ -5704,7 +8637,7 @@
             <a:pPr/>
             <a:r>
               <a:rPr sz="2100"/>
-              <a:t>Default operating mode is `--yolo` to maximize autonomy, speed, and exploration breadth.</a:t>
+              <a:t>In my workflow, default is constrained approval mode; `--yolo` is reserved for sandboxed, low-risk tasks.</a:t>
             </a:r>
           </a:p>
           <a:p>
@@ -5718,7 +8651,7 @@
             <a:pPr/>
             <a:r>
               <a:rPr sz="2100"/>
-              <a:t>Dispatch in GitHub: tag for Jules or assign to Copilot, often with parallel approaches.</a:t>
+              <a:t>In my workflow, GitHub dispatch is task-dependent: tag for Jules or assign to Copilot, sometimes in parallel.</a:t>
             </a:r>
           </a:p>
           <a:p>
@@ -5726,6 +8659,111 @@
             <a:r>
               <a:rPr sz="2100"/>
               <a:t>Gemini CLI critiques outputs and files difficulty-tagged bugs; Codex /review is the final gate.</a:t>
+            </a:r>
+          </a:p>
+        </p:txBody>
+      </p:sp>
+      <p:sp>
+        <p:nvSpPr>
+          <p:cNvPr id="4" name="Rounded Rectangle 3"/>
+          <p:cNvSpPr/>
+          <p:nvPr/>
+        </p:nvSpPr>
+        <p:spPr>
+          <a:xfrm>
+            <a:off x="6254496" y="1682495"/>
+            <a:ext cx="2670048" cy="1938528"/>
+          </a:xfrm>
+          <a:prstGeom prst="roundRect">
+            <a:avLst/>
+          </a:prstGeom>
+          <a:solidFill>
+            <a:srgbClr val="141B2C"/>
+          </a:solidFill>
+          <a:ln w="13970">
+            <a:solidFill>
+              <a:srgbClr val="465C84"/>
+            </a:solidFill>
+          </a:ln>
+          <a:effectLst/>
+        </p:spPr>
+        <p:style>
+          <a:lnRef idx="1">
+            <a:schemeClr val="accent1"/>
+          </a:lnRef>
+          <a:fillRef idx="3">
+            <a:schemeClr val="accent1"/>
+          </a:fillRef>
+          <a:effectRef idx="2">
+            <a:schemeClr val="accent1"/>
+          </a:effectRef>
+          <a:fontRef idx="minor">
+            <a:schemeClr val="lt1"/>
+          </a:fontRef>
+        </p:style>
+        <p:txBody>
+          <a:bodyPr rtlCol="0" anchor="ctr"/>
+          <a:lstStyle/>
+          <a:p>
+            <a:pPr algn="ctr"/>
+          </a:p>
+        </p:txBody>
+      </p:sp>
+      <p:pic>
+        <p:nvPicPr>
+          <p:cNvPr id="5" name="Picture 4" descr="planning_loop.png"/>
+          <p:cNvPicPr>
+            <a:picLocks noChangeAspect="1"/>
+          </p:cNvPicPr>
+          <p:nvPr/>
+        </p:nvPicPr>
+        <p:blipFill>
+          <a:blip r:embed="rId2"/>
+          <a:stretch>
+            <a:fillRect/>
+          </a:stretch>
+        </p:blipFill>
+        <p:spPr>
+          <a:xfrm>
+            <a:off x="6309360" y="1737360"/>
+            <a:ext cx="2560320" cy="1828800"/>
+          </a:xfrm>
+          <a:prstGeom prst="rect">
+            <a:avLst/>
+          </a:prstGeom>
+        </p:spPr>
+      </p:pic>
+      <p:sp>
+        <p:nvSpPr>
+          <p:cNvPr id="6" name="TextBox 5"/>
+          <p:cNvSpPr txBox="1"/>
+          <p:nvPr/>
+        </p:nvSpPr>
+        <p:spPr>
+          <a:xfrm>
+            <a:off x="256032" y="6455664"/>
+            <a:ext cx="11686032" cy="310896"/>
+          </a:xfrm>
+          <a:prstGeom prst="rect">
+            <a:avLst/>
+          </a:prstGeom>
+          <a:noFill/>
+        </p:spPr>
+        <p:txBody>
+          <a:bodyPr wrap="none">
+            <a:spAutoFit/>
+          </a:bodyPr>
+          <a:lstStyle/>
+          <a:p>
+            <a:pPr>
+              <a:defRPr sz="650">
+                <a:solidFill>
+                  <a:srgbClr val="757B88"/>
+                </a:solidFill>
+              </a:defRPr>
+            </a:pPr>
+            <a:r>
+              <a:t>Refs: https://developers.openai.com/codex/config-reference/ | https://developers.openai.com/codex/skills/ | https://commons.wikimedia.org/wiki/File:SERCOS_III_Control_Interface_Cycle_diagram.svg</a:t>
             </a:r>
           </a:p>
         </p:txBody>
@@ -5822,6 +8860,111 @@
           </a:p>
         </p:txBody>
       </p:sp>
+      <p:sp>
+        <p:nvSpPr>
+          <p:cNvPr id="4" name="Rounded Rectangle 3"/>
+          <p:cNvSpPr/>
+          <p:nvPr/>
+        </p:nvSpPr>
+        <p:spPr>
+          <a:xfrm>
+            <a:off x="8238744" y="4416552"/>
+            <a:ext cx="3675887" cy="2212848"/>
+          </a:xfrm>
+          <a:prstGeom prst="roundRect">
+            <a:avLst/>
+          </a:prstGeom>
+          <a:solidFill>
+            <a:srgbClr val="141B2C"/>
+          </a:solidFill>
+          <a:ln w="12700">
+            <a:solidFill>
+              <a:srgbClr val="485F89"/>
+            </a:solidFill>
+          </a:ln>
+          <a:effectLst/>
+        </p:spPr>
+        <p:style>
+          <a:lnRef idx="1">
+            <a:schemeClr val="accent1"/>
+          </a:lnRef>
+          <a:fillRef idx="3">
+            <a:schemeClr val="accent1"/>
+          </a:fillRef>
+          <a:effectRef idx="2">
+            <a:schemeClr val="accent1"/>
+          </a:effectRef>
+          <a:fontRef idx="minor">
+            <a:schemeClr val="lt1"/>
+          </a:fontRef>
+        </p:style>
+        <p:txBody>
+          <a:bodyPr rtlCol="0" anchor="ctr"/>
+          <a:lstStyle/>
+          <a:p>
+            <a:pPr algn="ctr"/>
+          </a:p>
+        </p:txBody>
+      </p:sp>
+      <p:pic>
+        <p:nvPicPr>
+          <p:cNvPr id="5" name="Picture 4" descr="sim_snapshot_2_weighted_astar.png"/>
+          <p:cNvPicPr>
+            <a:picLocks noChangeAspect="1"/>
+          </p:cNvPicPr>
+          <p:nvPr/>
+        </p:nvPicPr>
+        <p:blipFill>
+          <a:blip r:embed="rId2"/>
+          <a:stretch>
+            <a:fillRect/>
+          </a:stretch>
+        </p:blipFill>
+        <p:spPr>
+          <a:xfrm>
+            <a:off x="8284464" y="4462272"/>
+            <a:ext cx="3584448" cy="2121408"/>
+          </a:xfrm>
+          <a:prstGeom prst="rect">
+            <a:avLst/>
+          </a:prstGeom>
+        </p:spPr>
+      </p:pic>
+      <p:sp>
+        <p:nvSpPr>
+          <p:cNvPr id="6" name="TextBox 5"/>
+          <p:cNvSpPr txBox="1"/>
+          <p:nvPr/>
+        </p:nvSpPr>
+        <p:spPr>
+          <a:xfrm>
+            <a:off x="256032" y="6455664"/>
+            <a:ext cx="11686032" cy="310896"/>
+          </a:xfrm>
+          <a:prstGeom prst="rect">
+            <a:avLst/>
+          </a:prstGeom>
+          <a:noFill/>
+        </p:spPr>
+        <p:txBody>
+          <a:bodyPr wrap="none">
+            <a:spAutoFit/>
+          </a:bodyPr>
+          <a:lstStyle/>
+          <a:p>
+            <a:pPr>
+              <a:defRPr sz="650">
+                <a:solidFill>
+                  <a:srgbClr val="757B88"/>
+                </a:solidFill>
+              </a:defRPr>
+            </a:pPr>
+            <a:r>
+              <a:t>Refs: https://docs.pytest.org/en/stable/ | https://playwright.dev/docs/intro | https://docs.github.com/en/actions</a:t>
+            </a:r>
+          </a:p>
+        </p:txBody>
+      </p:sp>
     </p:spTree>
   </p:cSld>
   <p:clrMapOvr>
@@ -5914,6 +9057,111 @@
           </a:p>
         </p:txBody>
       </p:sp>
+      <p:sp>
+        <p:nvSpPr>
+          <p:cNvPr id="4" name="Rounded Rectangle 3"/>
+          <p:cNvSpPr/>
+          <p:nvPr/>
+        </p:nvSpPr>
+        <p:spPr>
+          <a:xfrm>
+            <a:off x="4882896" y="2688336"/>
+            <a:ext cx="4133088" cy="2578608"/>
+          </a:xfrm>
+          <a:prstGeom prst="roundRect">
+            <a:avLst/>
+          </a:prstGeom>
+          <a:solidFill>
+            <a:srgbClr val="141B2C"/>
+          </a:solidFill>
+          <a:ln w="13970">
+            <a:solidFill>
+              <a:srgbClr val="465C84"/>
+            </a:solidFill>
+          </a:ln>
+          <a:effectLst/>
+        </p:spPr>
+        <p:style>
+          <a:lnRef idx="1">
+            <a:schemeClr val="accent1"/>
+          </a:lnRef>
+          <a:fillRef idx="3">
+            <a:schemeClr val="accent1"/>
+          </a:fillRef>
+          <a:effectRef idx="2">
+            <a:schemeClr val="accent1"/>
+          </a:effectRef>
+          <a:fontRef idx="minor">
+            <a:schemeClr val="lt1"/>
+          </a:fontRef>
+        </p:style>
+        <p:txBody>
+          <a:bodyPr rtlCol="0" anchor="ctr"/>
+          <a:lstStyle/>
+          <a:p>
+            <a:pPr algn="ctr"/>
+          </a:p>
+        </p:txBody>
+      </p:sp>
+      <p:pic>
+        <p:nvPicPr>
+          <p:cNvPr id="5" name="Picture 4" descr="sim_mujoco_3_fringe_search.png"/>
+          <p:cNvPicPr>
+            <a:picLocks noChangeAspect="1"/>
+          </p:cNvPicPr>
+          <p:nvPr/>
+        </p:nvPicPr>
+        <p:blipFill>
+          <a:blip r:embed="rId2"/>
+          <a:stretch>
+            <a:fillRect/>
+          </a:stretch>
+        </p:blipFill>
+        <p:spPr>
+          <a:xfrm>
+            <a:off x="4937760" y="2743200"/>
+            <a:ext cx="4023360" cy="2468880"/>
+          </a:xfrm>
+          <a:prstGeom prst="rect">
+            <a:avLst/>
+          </a:prstGeom>
+        </p:spPr>
+      </p:pic>
+      <p:sp>
+        <p:nvSpPr>
+          <p:cNvPr id="6" name="TextBox 5"/>
+          <p:cNvSpPr txBox="1"/>
+          <p:nvPr/>
+        </p:nvSpPr>
+        <p:spPr>
+          <a:xfrm>
+            <a:off x="256032" y="6455664"/>
+            <a:ext cx="11686032" cy="310896"/>
+          </a:xfrm>
+          <a:prstGeom prst="rect">
+            <a:avLst/>
+          </a:prstGeom>
+          <a:noFill/>
+        </p:spPr>
+        <p:txBody>
+          <a:bodyPr wrap="none">
+            <a:spAutoFit/>
+          </a:bodyPr>
+          <a:lstStyle/>
+          <a:p>
+            <a:pPr>
+              <a:defRPr sz="650">
+                <a:solidFill>
+                  <a:srgbClr val="757B88"/>
+                </a:solidFill>
+              </a:defRPr>
+            </a:pPr>
+            <a:r>
+              <a:t>Refs: https://docs.pytest.org/en/stable/ | https://docs.github.com/en/actions | https://arxiv.org/abs/2310.06770</a:t>
+            </a:r>
+          </a:p>
+        </p:txBody>
+      </p:sp>
     </p:spTree>
   </p:cSld>
   <p:clrMapOvr>
@@ -6006,6 +9254,111 @@
           </a:p>
         </p:txBody>
       </p:sp>
+      <p:sp>
+        <p:nvSpPr>
+          <p:cNvPr id="4" name="Rounded Rectangle 3"/>
+          <p:cNvSpPr/>
+          <p:nvPr/>
+        </p:nvSpPr>
+        <p:spPr>
+          <a:xfrm>
+            <a:off x="6254496" y="1408176"/>
+            <a:ext cx="2670048" cy="2029968"/>
+          </a:xfrm>
+          <a:prstGeom prst="roundRect">
+            <a:avLst/>
+          </a:prstGeom>
+          <a:solidFill>
+            <a:srgbClr val="141B2C"/>
+          </a:solidFill>
+          <a:ln w="13970">
+            <a:solidFill>
+              <a:srgbClr val="465C84"/>
+            </a:solidFill>
+          </a:ln>
+          <a:effectLst/>
+        </p:spPr>
+        <p:style>
+          <a:lnRef idx="1">
+            <a:schemeClr val="accent1"/>
+          </a:lnRef>
+          <a:fillRef idx="3">
+            <a:schemeClr val="accent1"/>
+          </a:fillRef>
+          <a:effectRef idx="2">
+            <a:schemeClr val="accent1"/>
+          </a:effectRef>
+          <a:fontRef idx="minor">
+            <a:schemeClr val="lt1"/>
+          </a:fontRef>
+        </p:style>
+        <p:txBody>
+          <a:bodyPr rtlCol="0" anchor="ctr"/>
+          <a:lstStyle/>
+          <a:p>
+            <a:pPr algn="ctr"/>
+          </a:p>
+        </p:txBody>
+      </p:sp>
+      <p:pic>
+        <p:nvPicPr>
+          <p:cNvPr id="5" name="Picture 4" descr="robotics_arm.png"/>
+          <p:cNvPicPr>
+            <a:picLocks noChangeAspect="1"/>
+          </p:cNvPicPr>
+          <p:nvPr/>
+        </p:nvPicPr>
+        <p:blipFill>
+          <a:blip r:embed="rId2"/>
+          <a:stretch>
+            <a:fillRect/>
+          </a:stretch>
+        </p:blipFill>
+        <p:spPr>
+          <a:xfrm>
+            <a:off x="6309360" y="1463040"/>
+            <a:ext cx="2560320" cy="1920240"/>
+          </a:xfrm>
+          <a:prstGeom prst="rect">
+            <a:avLst/>
+          </a:prstGeom>
+        </p:spPr>
+      </p:pic>
+      <p:sp>
+        <p:nvSpPr>
+          <p:cNvPr id="6" name="TextBox 5"/>
+          <p:cNvSpPr txBox="1"/>
+          <p:nvPr/>
+        </p:nvSpPr>
+        <p:spPr>
+          <a:xfrm>
+            <a:off x="256032" y="6455664"/>
+            <a:ext cx="11686032" cy="310896"/>
+          </a:xfrm>
+          <a:prstGeom prst="rect">
+            <a:avLst/>
+          </a:prstGeom>
+          <a:noFill/>
+        </p:spPr>
+        <p:txBody>
+          <a:bodyPr wrap="none">
+            <a:spAutoFit/>
+          </a:bodyPr>
+          <a:lstStyle/>
+          <a:p>
+            <a:pPr>
+              <a:defRPr sz="650">
+                <a:solidFill>
+                  <a:srgbClr val="757B88"/>
+                </a:solidFill>
+              </a:defRPr>
+            </a:pPr>
+            <a:r>
+              <a:t>Refs: https://www.prisma-statement.org/prisma-2020 | https://jupyter.org/ | https://www.latex-project.org/</a:t>
+            </a:r>
+          </a:p>
+        </p:txBody>
+      </p:sp>
     </p:spTree>
   </p:cSld>
   <p:clrMapOvr>
@@ -6077,7 +9430,7 @@
             <a:pPr/>
             <a:r>
               <a:rPr sz="2100"/>
-              <a:t>With GPT-5.3-Codex orchestration, cameras/sensors can feed real-world context into workflows.</a:t>
+              <a:t>With frontier-model orchestration, cameras/sensors can feed real-world context into workflows.</a:t>
             </a:r>
           </a:p>
           <a:p>
@@ -6099,6 +9452,111 @@
             <a:r>
               <a:rPr sz="2100"/>
               <a:t>Pattern: scriptable interface -&gt; MCP/tool wrapper -&gt; agent policy -&gt; monitored execution.</a:t>
+            </a:r>
+          </a:p>
+        </p:txBody>
+      </p:sp>
+      <p:sp>
+        <p:nvSpPr>
+          <p:cNvPr id="4" name="Rounded Rectangle 3"/>
+          <p:cNvSpPr/>
+          <p:nvPr/>
+        </p:nvSpPr>
+        <p:spPr>
+          <a:xfrm>
+            <a:off x="493776" y="2688336"/>
+            <a:ext cx="4133088" cy="2578608"/>
+          </a:xfrm>
+          <a:prstGeom prst="roundRect">
+            <a:avLst/>
+          </a:prstGeom>
+          <a:solidFill>
+            <a:srgbClr val="141B2C"/>
+          </a:solidFill>
+          <a:ln w="13970">
+            <a:solidFill>
+              <a:srgbClr val="465C84"/>
+            </a:solidFill>
+          </a:ln>
+          <a:effectLst/>
+        </p:spPr>
+        <p:style>
+          <a:lnRef idx="1">
+            <a:schemeClr val="accent1"/>
+          </a:lnRef>
+          <a:fillRef idx="3">
+            <a:schemeClr val="accent1"/>
+          </a:fillRef>
+          <a:effectRef idx="2">
+            <a:schemeClr val="accent1"/>
+          </a:effectRef>
+          <a:fontRef idx="minor">
+            <a:schemeClr val="lt1"/>
+          </a:fontRef>
+        </p:style>
+        <p:txBody>
+          <a:bodyPr rtlCol="0" anchor="ctr"/>
+          <a:lstStyle/>
+          <a:p>
+            <a:pPr algn="ctr"/>
+          </a:p>
+        </p:txBody>
+      </p:sp>
+      <p:pic>
+        <p:nvPicPr>
+          <p:cNvPr id="5" name="Picture 4" descr="sim_mujoco_1_astar.png"/>
+          <p:cNvPicPr>
+            <a:picLocks noChangeAspect="1"/>
+          </p:cNvPicPr>
+          <p:nvPr/>
+        </p:nvPicPr>
+        <p:blipFill>
+          <a:blip r:embed="rId2"/>
+          <a:stretch>
+            <a:fillRect/>
+          </a:stretch>
+        </p:blipFill>
+        <p:spPr>
+          <a:xfrm>
+            <a:off x="548640" y="2743200"/>
+            <a:ext cx="4023360" cy="2468880"/>
+          </a:xfrm>
+          <a:prstGeom prst="rect">
+            <a:avLst/>
+          </a:prstGeom>
+        </p:spPr>
+      </p:pic>
+      <p:sp>
+        <p:nvSpPr>
+          <p:cNvPr id="6" name="TextBox 5"/>
+          <p:cNvSpPr txBox="1"/>
+          <p:nvPr/>
+        </p:nvSpPr>
+        <p:spPr>
+          <a:xfrm>
+            <a:off x="256032" y="6455664"/>
+            <a:ext cx="11686032" cy="310896"/>
+          </a:xfrm>
+          <a:prstGeom prst="rect">
+            <a:avLst/>
+          </a:prstGeom>
+          <a:noFill/>
+        </p:spPr>
+        <p:txBody>
+          <a:bodyPr wrap="none">
+            <a:spAutoFit/>
+          </a:bodyPr>
+          <a:lstStyle/>
+          <a:p>
+            <a:pPr>
+              <a:defRPr sz="650">
+                <a:solidFill>
+                  <a:srgbClr val="757B88"/>
+                </a:solidFill>
+              </a:defRPr>
+            </a:pPr>
+            <a:r>
+              <a:t>Refs: https://arxiv.org/abs/2212.06817 | https://arxiv.org/abs/2307.15818 | https://commons.wikimedia.org/wiki/File:Industrial_robot.jpg</a:t>
             </a:r>
           </a:p>
         </p:txBody>
@@ -6195,6 +9653,111 @@
           </a:p>
         </p:txBody>
       </p:sp>
+      <p:sp>
+        <p:nvSpPr>
+          <p:cNvPr id="4" name="Rounded Rectangle 3"/>
+          <p:cNvSpPr/>
+          <p:nvPr/>
+        </p:nvSpPr>
+        <p:spPr>
+          <a:xfrm>
+            <a:off x="8238744" y="4416552"/>
+            <a:ext cx="3675887" cy="2212848"/>
+          </a:xfrm>
+          <a:prstGeom prst="roundRect">
+            <a:avLst/>
+          </a:prstGeom>
+          <a:solidFill>
+            <a:srgbClr val="141B2C"/>
+          </a:solidFill>
+          <a:ln w="12700">
+            <a:solidFill>
+              <a:srgbClr val="485F89"/>
+            </a:solidFill>
+          </a:ln>
+          <a:effectLst/>
+        </p:spPr>
+        <p:style>
+          <a:lnRef idx="1">
+            <a:schemeClr val="accent1"/>
+          </a:lnRef>
+          <a:fillRef idx="3">
+            <a:schemeClr val="accent1"/>
+          </a:fillRef>
+          <a:effectRef idx="2">
+            <a:schemeClr val="accent1"/>
+          </a:effectRef>
+          <a:fontRef idx="minor">
+            <a:schemeClr val="lt1"/>
+          </a:fontRef>
+        </p:style>
+        <p:txBody>
+          <a:bodyPr rtlCol="0" anchor="ctr"/>
+          <a:lstStyle/>
+          <a:p>
+            <a:pPr algn="ctr"/>
+          </a:p>
+        </p:txBody>
+      </p:sp>
+      <p:pic>
+        <p:nvPicPr>
+          <p:cNvPr id="5" name="Picture 4" descr="image.png"/>
+          <p:cNvPicPr>
+            <a:picLocks noChangeAspect="1"/>
+          </p:cNvPicPr>
+          <p:nvPr/>
+        </p:nvPicPr>
+        <p:blipFill>
+          <a:blip r:embed="rId2"/>
+          <a:stretch>
+            <a:fillRect/>
+          </a:stretch>
+        </p:blipFill>
+        <p:spPr>
+          <a:xfrm>
+            <a:off x="8284464" y="4462272"/>
+            <a:ext cx="3584448" cy="2121408"/>
+          </a:xfrm>
+          <a:prstGeom prst="rect">
+            <a:avLst/>
+          </a:prstGeom>
+        </p:spPr>
+      </p:pic>
+      <p:sp>
+        <p:nvSpPr>
+          <p:cNvPr id="6" name="TextBox 5"/>
+          <p:cNvSpPr txBox="1"/>
+          <p:nvPr/>
+        </p:nvSpPr>
+        <p:spPr>
+          <a:xfrm>
+            <a:off x="256032" y="6455664"/>
+            <a:ext cx="11686032" cy="310896"/>
+          </a:xfrm>
+          <a:prstGeom prst="rect">
+            <a:avLst/>
+          </a:prstGeom>
+          <a:noFill/>
+        </p:spPr>
+        <p:txBody>
+          <a:bodyPr wrap="none">
+            <a:spAutoFit/>
+          </a:bodyPr>
+          <a:lstStyle/>
+          <a:p>
+            <a:pPr>
+              <a:defRPr sz="650">
+                <a:solidFill>
+                  <a:srgbClr val="757B88"/>
+                </a:solidFill>
+              </a:defRPr>
+            </a:pPr>
+            <a:r>
+              <a:t>Refs: https://developers.openai.com/codex/guides/agents-sdk/ | https://github.com/features/copilot | https://www.anthropic.com/news/model-context-protocol</a:t>
+            </a:r>
+          </a:p>
+        </p:txBody>
+      </p:sp>
     </p:spTree>
   </p:cSld>
   <p:clrMapOvr>
@@ -6266,7 +9829,7 @@
             <a:pPr/>
             <a:r>
               <a:rPr sz="2100"/>
-              <a:t>Operating doctrine: run in `--yolo` mode by default for maximum autonomous action space.</a:t>
+              <a:t>Operating doctrine: default to constrained approvals; escalate to `--yolo` only in sandboxed scenarios with explicit guardrails.</a:t>
             </a:r>
           </a:p>
           <a:p>
@@ -6288,6 +9851,111 @@
             <a:r>
               <a:rPr sz="2100"/>
               <a:t>Core metrics: incident/near-miss rate, rollback frequency, and data quality drift.</a:t>
+            </a:r>
+          </a:p>
+        </p:txBody>
+      </p:sp>
+      <p:sp>
+        <p:nvSpPr>
+          <p:cNvPr id="4" name="Rounded Rectangle 3"/>
+          <p:cNvSpPr/>
+          <p:nvPr/>
+        </p:nvSpPr>
+        <p:spPr>
+          <a:xfrm>
+            <a:off x="4517136" y="2688336"/>
+            <a:ext cx="4133088" cy="2578608"/>
+          </a:xfrm>
+          <a:prstGeom prst="roundRect">
+            <a:avLst/>
+          </a:prstGeom>
+          <a:solidFill>
+            <a:srgbClr val="141B2C"/>
+          </a:solidFill>
+          <a:ln w="13970">
+            <a:solidFill>
+              <a:srgbClr val="465C84"/>
+            </a:solidFill>
+          </a:ln>
+          <a:effectLst/>
+        </p:spPr>
+        <p:style>
+          <a:lnRef idx="1">
+            <a:schemeClr val="accent1"/>
+          </a:lnRef>
+          <a:fillRef idx="3">
+            <a:schemeClr val="accent1"/>
+          </a:fillRef>
+          <a:effectRef idx="2">
+            <a:schemeClr val="accent1"/>
+          </a:effectRef>
+          <a:fontRef idx="minor">
+            <a:schemeClr val="lt1"/>
+          </a:fontRef>
+        </p:style>
+        <p:txBody>
+          <a:bodyPr rtlCol="0" anchor="ctr"/>
+          <a:lstStyle/>
+          <a:p>
+            <a:pPr algn="ctr"/>
+          </a:p>
+        </p:txBody>
+      </p:sp>
+      <p:pic>
+        <p:nvPicPr>
+          <p:cNvPr id="5" name="Picture 4" descr="sim_mujoco_2_weighted_astar.png"/>
+          <p:cNvPicPr>
+            <a:picLocks noChangeAspect="1"/>
+          </p:cNvPicPr>
+          <p:nvPr/>
+        </p:nvPicPr>
+        <p:blipFill>
+          <a:blip r:embed="rId2"/>
+          <a:stretch>
+            <a:fillRect/>
+          </a:stretch>
+        </p:blipFill>
+        <p:spPr>
+          <a:xfrm>
+            <a:off x="4572000" y="2743200"/>
+            <a:ext cx="4023360" cy="2468880"/>
+          </a:xfrm>
+          <a:prstGeom prst="rect">
+            <a:avLst/>
+          </a:prstGeom>
+        </p:spPr>
+      </p:pic>
+      <p:sp>
+        <p:nvSpPr>
+          <p:cNvPr id="6" name="TextBox 5"/>
+          <p:cNvSpPr txBox="1"/>
+          <p:nvPr/>
+        </p:nvSpPr>
+        <p:spPr>
+          <a:xfrm>
+            <a:off x="256032" y="6455664"/>
+            <a:ext cx="11686032" cy="310896"/>
+          </a:xfrm>
+          <a:prstGeom prst="rect">
+            <a:avLst/>
+          </a:prstGeom>
+          <a:noFill/>
+        </p:spPr>
+        <p:txBody>
+          <a:bodyPr wrap="none">
+            <a:spAutoFit/>
+          </a:bodyPr>
+          <a:lstStyle/>
+          <a:p>
+            <a:pPr>
+              <a:defRPr sz="650">
+                <a:solidFill>
+                  <a:srgbClr val="757B88"/>
+                </a:solidFill>
+              </a:defRPr>
+            </a:pPr>
+            <a:r>
+              <a:t>Refs: https://www.nist.gov/itl/ai-risk-management-framework | https://arxiv.org/abs/2307.15818 | https://commons.wikimedia.org/wiki/File:Big_dog_military_robots.jpg</a:t>
             </a:r>
           </a:p>
         </p:txBody>
@@ -6382,94 +10050,107 @@
           </a:p>
         </p:txBody>
       </p:sp>
-    </p:spTree>
-  </p:cSld>
-  <p:clrMapOvr>
-    <a:masterClrMapping/>
-  </p:clrMapOvr>
-</p:sld>
-</file>
-
-<file path=ppt/slides/slide42.xml><?xml version="1.0" encoding="utf-8"?>
-<p:sld xmlns:a="http://schemas.openxmlformats.org/drawingml/2006/main" xmlns:r="http://schemas.openxmlformats.org/officeDocument/2006/relationships" xmlns:p="http://schemas.openxmlformats.org/presentationml/2006/main">
-  <p:cSld>
-    <p:spTree>
-      <p:nvGrpSpPr>
-        <p:cNvPr id="1" name=""/>
-        <p:cNvGrpSpPr/>
-        <p:nvPr/>
-      </p:nvGrpSpPr>
-      <p:grpSpPr>
-        <a:xfrm>
-          <a:off x="0" y="0"/>
-          <a:ext cx="0" cy="0"/>
-          <a:chOff x="0" y="0"/>
-          <a:chExt cx="0" cy="0"/>
-        </a:xfrm>
-      </p:grpSpPr>
-      <p:sp>
-        <p:nvSpPr>
-          <p:cNvPr id="2" name="Title 1"/>
-          <p:cNvSpPr>
-            <a:spLocks noGrp="1"/>
-          </p:cNvSpPr>
-          <p:nvPr>
-            <p:ph type="title"/>
-          </p:nvPr>
-        </p:nvSpPr>
-        <p:spPr/>
-        <p:txBody>
-          <a:bodyPr/>
-          <a:lstStyle/>
-          <a:p>
-            <a:r>
-              <a:t>Adoption Plan and Closing</a:t>
-            </a:r>
-          </a:p>
-        </p:txBody>
-      </p:sp>
-      <p:sp>
-        <p:nvSpPr>
-          <p:cNvPr id="3" name="Content Placeholder 2"/>
-          <p:cNvSpPr>
-            <a:spLocks noGrp="1"/>
-          </p:cNvSpPr>
-          <p:nvPr>
-            <p:ph idx="1"/>
-          </p:nvPr>
-        </p:nvSpPr>
-        <p:spPr/>
-        <p:txBody>
-          <a:bodyPr/>
-          <a:lstStyle/>
-          <a:p>
-            <a:r>
-              <a:rPr sz="2400"/>
-              <a:t>Week 1: AGENTS.md baseline, skill templates, MCP policy</a:t>
-            </a:r>
-          </a:p>
-          <a:p>
-            <a:r>
-              <a:rPr sz="2400"/>
-              <a:t>Week 2: pilot one workflow (bugfix or experiment setup)</a:t>
-            </a:r>
-          </a:p>
-          <a:p>
-            <a:r>
-              <a:rPr sz="2400"/>
-              <a:t>Weeks 3-4: reviewer agent, eval metrics, CI integration</a:t>
-            </a:r>
-          </a:p>
-          <a:p>
-            <a:r>
-              <a:rPr sz="2400"/>
-              <a:t>Success = faster cycle time, fewer escapes, better docs</a:t>
-            </a:r>
-          </a:p>
-          <a:p>
-            <a:r>
-              <a:rPr sz="2400"/>
-              <a:t>Q&amp;A now | Lunch at 12:00 | Tool status validated on Feb 26, 2026</a:t>
+      <p:sp>
+        <p:nvSpPr>
+          <p:cNvPr id="4" name="Rounded Rectangle 3"/>
+          <p:cNvSpPr/>
+          <p:nvPr/>
+        </p:nvSpPr>
+        <p:spPr>
+          <a:xfrm>
+            <a:off x="8238744" y="4416552"/>
+            <a:ext cx="3675887" cy="2212848"/>
+          </a:xfrm>
+          <a:prstGeom prst="roundRect">
+            <a:avLst/>
+          </a:prstGeom>
+          <a:solidFill>
+            <a:srgbClr val="141B2C"/>
+          </a:solidFill>
+          <a:ln w="12700">
+            <a:solidFill>
+              <a:srgbClr val="485F89"/>
+            </a:solidFill>
+          </a:ln>
+          <a:effectLst/>
+        </p:spPr>
+        <p:style>
+          <a:lnRef idx="1">
+            <a:schemeClr val="accent1"/>
+          </a:lnRef>
+          <a:fillRef idx="3">
+            <a:schemeClr val="accent1"/>
+          </a:fillRef>
+          <a:effectRef idx="2">
+            <a:schemeClr val="accent1"/>
+          </a:effectRef>
+          <a:fontRef idx="minor">
+            <a:schemeClr val="lt1"/>
+          </a:fontRef>
+        </p:style>
+        <p:txBody>
+          <a:bodyPr rtlCol="0" anchor="ctr"/>
+          <a:lstStyle/>
+          <a:p>
+            <a:pPr algn="ctr"/>
+          </a:p>
+        </p:txBody>
+      </p:sp>
+      <p:pic>
+        <p:nvPicPr>
+          <p:cNvPr id="5" name="Picture 4" descr="sim_mujoco_1_astar.png"/>
+          <p:cNvPicPr>
+            <a:picLocks noChangeAspect="1"/>
+          </p:cNvPicPr>
+          <p:nvPr/>
+        </p:nvPicPr>
+        <p:blipFill>
+          <a:blip r:embed="rId2"/>
+          <a:stretch>
+            <a:fillRect/>
+          </a:stretch>
+        </p:blipFill>
+        <p:spPr>
+          <a:xfrm>
+            <a:off x="8284464" y="4462272"/>
+            <a:ext cx="3584448" cy="2121408"/>
+          </a:xfrm>
+          <a:prstGeom prst="rect">
+            <a:avLst/>
+          </a:prstGeom>
+        </p:spPr>
+      </p:pic>
+      <p:sp>
+        <p:nvSpPr>
+          <p:cNvPr id="6" name="TextBox 5"/>
+          <p:cNvSpPr txBox="1"/>
+          <p:nvPr/>
+        </p:nvSpPr>
+        <p:spPr>
+          <a:xfrm>
+            <a:off x="256032" y="6455664"/>
+            <a:ext cx="11686032" cy="310896"/>
+          </a:xfrm>
+          <a:prstGeom prst="rect">
+            <a:avLst/>
+          </a:prstGeom>
+          <a:noFill/>
+        </p:spPr>
+        <p:txBody>
+          <a:bodyPr wrap="none">
+            <a:spAutoFit/>
+          </a:bodyPr>
+          <a:lstStyle/>
+          <a:p>
+            <a:pPr>
+              <a:defRPr sz="650">
+                <a:solidFill>
+                  <a:srgbClr val="757B88"/>
+                </a:solidFill>
+              </a:defRPr>
+            </a:pPr>
+            <a:r>
+              <a:t>Refs: https://www.gnu.org/software/bash/manual/bash.html#Looping-Constructs | https://git-scm.com/docs/git | https://docs.github.com/en/actions</a:t>
             </a:r>
           </a:p>
         </p:txBody>
@@ -6566,6 +10247,111 @@
           </a:p>
         </p:txBody>
       </p:sp>
+      <p:sp>
+        <p:nvSpPr>
+          <p:cNvPr id="4" name="Rounded Rectangle 3"/>
+          <p:cNvSpPr/>
+          <p:nvPr/>
+        </p:nvSpPr>
+        <p:spPr>
+          <a:xfrm>
+            <a:off x="8238744" y="4416552"/>
+            <a:ext cx="3675887" cy="2212848"/>
+          </a:xfrm>
+          <a:prstGeom prst="roundRect">
+            <a:avLst/>
+          </a:prstGeom>
+          <a:solidFill>
+            <a:srgbClr val="141B2C"/>
+          </a:solidFill>
+          <a:ln w="12700">
+            <a:solidFill>
+              <a:srgbClr val="485F89"/>
+            </a:solidFill>
+          </a:ln>
+          <a:effectLst/>
+        </p:spPr>
+        <p:style>
+          <a:lnRef idx="1">
+            <a:schemeClr val="accent1"/>
+          </a:lnRef>
+          <a:fillRef idx="3">
+            <a:schemeClr val="accent1"/>
+          </a:fillRef>
+          <a:effectRef idx="2">
+            <a:schemeClr val="accent1"/>
+          </a:effectRef>
+          <a:fontRef idx="minor">
+            <a:schemeClr val="lt1"/>
+          </a:fontRef>
+        </p:style>
+        <p:txBody>
+          <a:bodyPr rtlCol="0" anchor="ctr"/>
+          <a:lstStyle/>
+          <a:p>
+            <a:pPr algn="ctr"/>
+          </a:p>
+        </p:txBody>
+      </p:sp>
+      <p:pic>
+        <p:nvPicPr>
+          <p:cNvPr id="5" name="Picture 4" descr="image.png"/>
+          <p:cNvPicPr>
+            <a:picLocks noChangeAspect="1"/>
+          </p:cNvPicPr>
+          <p:nvPr/>
+        </p:nvPicPr>
+        <p:blipFill>
+          <a:blip r:embed="rId2"/>
+          <a:stretch>
+            <a:fillRect/>
+          </a:stretch>
+        </p:blipFill>
+        <p:spPr>
+          <a:xfrm>
+            <a:off x="8284464" y="4462272"/>
+            <a:ext cx="3584448" cy="2121408"/>
+          </a:xfrm>
+          <a:prstGeom prst="rect">
+            <a:avLst/>
+          </a:prstGeom>
+        </p:spPr>
+      </p:pic>
+      <p:sp>
+        <p:nvSpPr>
+          <p:cNvPr id="6" name="TextBox 5"/>
+          <p:cNvSpPr txBox="1"/>
+          <p:nvPr/>
+        </p:nvSpPr>
+        <p:spPr>
+          <a:xfrm>
+            <a:off x="256032" y="6455664"/>
+            <a:ext cx="11686032" cy="310896"/>
+          </a:xfrm>
+          <a:prstGeom prst="rect">
+            <a:avLst/>
+          </a:prstGeom>
+          <a:noFill/>
+        </p:spPr>
+        <p:txBody>
+          <a:bodyPr wrap="none">
+            <a:spAutoFit/>
+          </a:bodyPr>
+          <a:lstStyle/>
+          <a:p>
+            <a:pPr>
+              <a:defRPr sz="650">
+                <a:solidFill>
+                  <a:srgbClr val="757B88"/>
+                </a:solidFill>
+              </a:defRPr>
+            </a:pPr>
+            <a:r>
+              <a:t>Refs: https://arxiv.org/abs/2308.08155 | https://arxiv.org/abs/2308.00352 | https://commons.wikimedia.org/wiki/File:Humanoid_Robot.webp</a:t>
+            </a:r>
+          </a:p>
+        </p:txBody>
+      </p:sp>
     </p:spTree>
   </p:cSld>
   <p:clrMapOvr>
@@ -6658,6 +10444,111 @@
           </a:p>
         </p:txBody>
       </p:sp>
+      <p:sp>
+        <p:nvSpPr>
+          <p:cNvPr id="4" name="Rounded Rectangle 3"/>
+          <p:cNvSpPr/>
+          <p:nvPr/>
+        </p:nvSpPr>
+        <p:spPr>
+          <a:xfrm>
+            <a:off x="6345936" y="1408176"/>
+            <a:ext cx="2578608" cy="1938528"/>
+          </a:xfrm>
+          <a:prstGeom prst="roundRect">
+            <a:avLst/>
+          </a:prstGeom>
+          <a:solidFill>
+            <a:srgbClr val="141B2C"/>
+          </a:solidFill>
+          <a:ln w="13970">
+            <a:solidFill>
+              <a:srgbClr val="465C84"/>
+            </a:solidFill>
+          </a:ln>
+          <a:effectLst/>
+        </p:spPr>
+        <p:style>
+          <a:lnRef idx="1">
+            <a:schemeClr val="accent1"/>
+          </a:lnRef>
+          <a:fillRef idx="3">
+            <a:schemeClr val="accent1"/>
+          </a:fillRef>
+          <a:effectRef idx="2">
+            <a:schemeClr val="accent1"/>
+          </a:effectRef>
+          <a:fontRef idx="minor">
+            <a:schemeClr val="lt1"/>
+          </a:fontRef>
+        </p:style>
+        <p:txBody>
+          <a:bodyPr rtlCol="0" anchor="ctr"/>
+          <a:lstStyle/>
+          <a:p>
+            <a:pPr algn="ctr"/>
+          </a:p>
+        </p:txBody>
+      </p:sp>
+      <p:pic>
+        <p:nvPicPr>
+          <p:cNvPr id="5" name="Picture 4" descr="mcp_mesh.png"/>
+          <p:cNvPicPr>
+            <a:picLocks noChangeAspect="1"/>
+          </p:cNvPicPr>
+          <p:nvPr/>
+        </p:nvPicPr>
+        <p:blipFill>
+          <a:blip r:embed="rId2"/>
+          <a:stretch>
+            <a:fillRect/>
+          </a:stretch>
+        </p:blipFill>
+        <p:spPr>
+          <a:xfrm>
+            <a:off x="6400800" y="1463040"/>
+            <a:ext cx="2468880" cy="1828800"/>
+          </a:xfrm>
+          <a:prstGeom prst="rect">
+            <a:avLst/>
+          </a:prstGeom>
+        </p:spPr>
+      </p:pic>
+      <p:sp>
+        <p:nvSpPr>
+          <p:cNvPr id="6" name="TextBox 5"/>
+          <p:cNvSpPr txBox="1"/>
+          <p:nvPr/>
+        </p:nvSpPr>
+        <p:spPr>
+          <a:xfrm>
+            <a:off x="256032" y="6455664"/>
+            <a:ext cx="11686032" cy="310896"/>
+          </a:xfrm>
+          <a:prstGeom prst="rect">
+            <a:avLst/>
+          </a:prstGeom>
+          <a:noFill/>
+        </p:spPr>
+        <p:txBody>
+          <a:bodyPr wrap="none">
+            <a:spAutoFit/>
+          </a:bodyPr>
+          <a:lstStyle/>
+          <a:p>
+            <a:pPr>
+              <a:defRPr sz="650">
+                <a:solidFill>
+                  <a:srgbClr val="757B88"/>
+                </a:solidFill>
+              </a:defRPr>
+            </a:pPr>
+            <a:r>
+              <a:t>Refs: https://developers.openai.com/codex/guides/agents-sdk/ | https://github.com/modelcontextprotocol/modelcontextprotocol | https://commons.wikimedia.org/wiki/File:FANUC_6-axis_welding_robots.jpg</a:t>
+            </a:r>
+          </a:p>
+        </p:txBody>
+      </p:sp>
     </p:spTree>
   </p:cSld>
   <p:clrMapOvr>
@@ -6750,6 +10641,111 @@
           </a:p>
         </p:txBody>
       </p:sp>
+      <p:sp>
+        <p:nvSpPr>
+          <p:cNvPr id="4" name="Rounded Rectangle 3"/>
+          <p:cNvSpPr/>
+          <p:nvPr/>
+        </p:nvSpPr>
+        <p:spPr>
+          <a:xfrm>
+            <a:off x="8238744" y="4416552"/>
+            <a:ext cx="3675887" cy="2212848"/>
+          </a:xfrm>
+          <a:prstGeom prst="roundRect">
+            <a:avLst/>
+          </a:prstGeom>
+          <a:solidFill>
+            <a:srgbClr val="141B2C"/>
+          </a:solidFill>
+          <a:ln w="12700">
+            <a:solidFill>
+              <a:srgbClr val="485F89"/>
+            </a:solidFill>
+          </a:ln>
+          <a:effectLst/>
+        </p:spPr>
+        <p:style>
+          <a:lnRef idx="1">
+            <a:schemeClr val="accent1"/>
+          </a:lnRef>
+          <a:fillRef idx="3">
+            <a:schemeClr val="accent1"/>
+          </a:fillRef>
+          <a:effectRef idx="2">
+            <a:schemeClr val="accent1"/>
+          </a:effectRef>
+          <a:fontRef idx="minor">
+            <a:schemeClr val="lt1"/>
+          </a:fontRef>
+        </p:style>
+        <p:txBody>
+          <a:bodyPr rtlCol="0" anchor="ctr"/>
+          <a:lstStyle/>
+          <a:p>
+            <a:pPr algn="ctr"/>
+          </a:p>
+        </p:txBody>
+      </p:sp>
+      <p:pic>
+        <p:nvPicPr>
+          <p:cNvPr id="5" name="Picture 4" descr="image.png"/>
+          <p:cNvPicPr>
+            <a:picLocks noChangeAspect="1"/>
+          </p:cNvPicPr>
+          <p:nvPr/>
+        </p:nvPicPr>
+        <p:blipFill>
+          <a:blip r:embed="rId2"/>
+          <a:stretch>
+            <a:fillRect/>
+          </a:stretch>
+        </p:blipFill>
+        <p:spPr>
+          <a:xfrm>
+            <a:off x="8284464" y="4462272"/>
+            <a:ext cx="3584448" cy="2121408"/>
+          </a:xfrm>
+          <a:prstGeom prst="rect">
+            <a:avLst/>
+          </a:prstGeom>
+        </p:spPr>
+      </p:pic>
+      <p:sp>
+        <p:nvSpPr>
+          <p:cNvPr id="6" name="TextBox 5"/>
+          <p:cNvSpPr txBox="1"/>
+          <p:nvPr/>
+        </p:nvSpPr>
+        <p:spPr>
+          <a:xfrm>
+            <a:off x="256032" y="6455664"/>
+            <a:ext cx="11686032" cy="310896"/>
+          </a:xfrm>
+          <a:prstGeom prst="rect">
+            <a:avLst/>
+          </a:prstGeom>
+          <a:noFill/>
+        </p:spPr>
+        <p:txBody>
+          <a:bodyPr wrap="none">
+            <a:spAutoFit/>
+          </a:bodyPr>
+          <a:lstStyle/>
+          <a:p>
+            <a:pPr>
+              <a:defRPr sz="650">
+                <a:solidFill>
+                  <a:srgbClr val="757B88"/>
+                </a:solidFill>
+              </a:defRPr>
+            </a:pPr>
+            <a:r>
+              <a:t>Refs: https://developers.openai.com/codex/ | https://docs.github.com/en/copilot/concepts/agents/coding-agent/about-coding-agent | https://commons.wikimedia.org/wiki/File:Industrial_robot.jpg</a:t>
+            </a:r>
+          </a:p>
+        </p:txBody>
+      </p:sp>
     </p:spTree>
   </p:cSld>
   <p:clrMapOvr>
@@ -6842,6 +10838,111 @@
           </a:p>
         </p:txBody>
       </p:sp>
+      <p:sp>
+        <p:nvSpPr>
+          <p:cNvPr id="4" name="Rounded Rectangle 3"/>
+          <p:cNvSpPr/>
+          <p:nvPr/>
+        </p:nvSpPr>
+        <p:spPr>
+          <a:xfrm>
+            <a:off x="8238744" y="4416552"/>
+            <a:ext cx="3675887" cy="2212848"/>
+          </a:xfrm>
+          <a:prstGeom prst="roundRect">
+            <a:avLst/>
+          </a:prstGeom>
+          <a:solidFill>
+            <a:srgbClr val="141B2C"/>
+          </a:solidFill>
+          <a:ln w="12700">
+            <a:solidFill>
+              <a:srgbClr val="485F89"/>
+            </a:solidFill>
+          </a:ln>
+          <a:effectLst/>
+        </p:spPr>
+        <p:style>
+          <a:lnRef idx="1">
+            <a:schemeClr val="accent1"/>
+          </a:lnRef>
+          <a:fillRef idx="3">
+            <a:schemeClr val="accent1"/>
+          </a:fillRef>
+          <a:effectRef idx="2">
+            <a:schemeClr val="accent1"/>
+          </a:effectRef>
+          <a:fontRef idx="minor">
+            <a:schemeClr val="lt1"/>
+          </a:fontRef>
+        </p:style>
+        <p:txBody>
+          <a:bodyPr rtlCol="0" anchor="ctr"/>
+          <a:lstStyle/>
+          <a:p>
+            <a:pPr algn="ctr"/>
+          </a:p>
+        </p:txBody>
+      </p:sp>
+      <p:pic>
+        <p:nvPicPr>
+          <p:cNvPr id="5" name="Picture 4" descr="image.png"/>
+          <p:cNvPicPr>
+            <a:picLocks noChangeAspect="1"/>
+          </p:cNvPicPr>
+          <p:nvPr/>
+        </p:nvPicPr>
+        <p:blipFill>
+          <a:blip r:embed="rId2"/>
+          <a:stretch>
+            <a:fillRect/>
+          </a:stretch>
+        </p:blipFill>
+        <p:spPr>
+          <a:xfrm>
+            <a:off x="8284464" y="4462272"/>
+            <a:ext cx="3584448" cy="2121408"/>
+          </a:xfrm>
+          <a:prstGeom prst="rect">
+            <a:avLst/>
+          </a:prstGeom>
+        </p:spPr>
+      </p:pic>
+      <p:sp>
+        <p:nvSpPr>
+          <p:cNvPr id="6" name="TextBox 5"/>
+          <p:cNvSpPr txBox="1"/>
+          <p:nvPr/>
+        </p:nvSpPr>
+        <p:spPr>
+          <a:xfrm>
+            <a:off x="256032" y="6455664"/>
+            <a:ext cx="11686032" cy="310896"/>
+          </a:xfrm>
+          <a:prstGeom prst="rect">
+            <a:avLst/>
+          </a:prstGeom>
+          <a:noFill/>
+        </p:spPr>
+        <p:txBody>
+          <a:bodyPr wrap="none">
+            <a:spAutoFit/>
+          </a:bodyPr>
+          <a:lstStyle/>
+          <a:p>
+            <a:pPr>
+              <a:defRPr sz="650">
+                <a:solidFill>
+                  <a:srgbClr val="757B88"/>
+                </a:solidFill>
+              </a:defRPr>
+            </a:pPr>
+            <a:r>
+              <a:t>Refs: https://developers.openai.com/codex/cli/features/ | https://developers.openai.com/codex/security/ | https://commons.wikimedia.org/wiki/File:Simplified_robottypes.svg</a:t>
+            </a:r>
+          </a:p>
+        </p:txBody>
+      </p:sp>
     </p:spTree>
   </p:cSld>
   <p:clrMapOvr>
@@ -6923,13 +11024,118 @@
           <a:p>
             <a:r>
               <a:rPr sz="2200"/>
-              <a:t>Current constraints: preview status and restricted execution model</a:t>
+              <a:t>As of Feb 26, 2026 docs: verify current rollout status and execution constraints before production use.</a:t>
             </a:r>
           </a:p>
           <a:p>
             <a:r>
               <a:rPr sz="2200"/>
               <a:t>Best used as implementer with independent reviewer checks</a:t>
+            </a:r>
+          </a:p>
+        </p:txBody>
+      </p:sp>
+      <p:sp>
+        <p:nvSpPr>
+          <p:cNvPr id="4" name="Rounded Rectangle 3"/>
+          <p:cNvSpPr/>
+          <p:nvPr/>
+        </p:nvSpPr>
+        <p:spPr>
+          <a:xfrm>
+            <a:off x="8238744" y="4416552"/>
+            <a:ext cx="3675887" cy="2212848"/>
+          </a:xfrm>
+          <a:prstGeom prst="roundRect">
+            <a:avLst/>
+          </a:prstGeom>
+          <a:solidFill>
+            <a:srgbClr val="141B2C"/>
+          </a:solidFill>
+          <a:ln w="12700">
+            <a:solidFill>
+              <a:srgbClr val="485F89"/>
+            </a:solidFill>
+          </a:ln>
+          <a:effectLst/>
+        </p:spPr>
+        <p:style>
+          <a:lnRef idx="1">
+            <a:schemeClr val="accent1"/>
+          </a:lnRef>
+          <a:fillRef idx="3">
+            <a:schemeClr val="accent1"/>
+          </a:fillRef>
+          <a:effectRef idx="2">
+            <a:schemeClr val="accent1"/>
+          </a:effectRef>
+          <a:fontRef idx="minor">
+            <a:schemeClr val="lt1"/>
+          </a:fontRef>
+        </p:style>
+        <p:txBody>
+          <a:bodyPr rtlCol="0" anchor="ctr"/>
+          <a:lstStyle/>
+          <a:p>
+            <a:pPr algn="ctr"/>
+          </a:p>
+        </p:txBody>
+      </p:sp>
+      <p:pic>
+        <p:nvPicPr>
+          <p:cNvPr id="5" name="Picture 4" descr="image.png"/>
+          <p:cNvPicPr>
+            <a:picLocks noChangeAspect="1"/>
+          </p:cNvPicPr>
+          <p:nvPr/>
+        </p:nvPicPr>
+        <p:blipFill>
+          <a:blip r:embed="rId2"/>
+          <a:stretch>
+            <a:fillRect/>
+          </a:stretch>
+        </p:blipFill>
+        <p:spPr>
+          <a:xfrm>
+            <a:off x="8284464" y="4462272"/>
+            <a:ext cx="3584448" cy="2121408"/>
+          </a:xfrm>
+          <a:prstGeom prst="rect">
+            <a:avLst/>
+          </a:prstGeom>
+        </p:spPr>
+      </p:pic>
+      <p:sp>
+        <p:nvSpPr>
+          <p:cNvPr id="6" name="TextBox 5"/>
+          <p:cNvSpPr txBox="1"/>
+          <p:nvPr/>
+        </p:nvSpPr>
+        <p:spPr>
+          <a:xfrm>
+            <a:off x="256032" y="6455664"/>
+            <a:ext cx="11686032" cy="310896"/>
+          </a:xfrm>
+          <a:prstGeom prst="rect">
+            <a:avLst/>
+          </a:prstGeom>
+          <a:noFill/>
+        </p:spPr>
+        <p:txBody>
+          <a:bodyPr wrap="none">
+            <a:spAutoFit/>
+          </a:bodyPr>
+          <a:lstStyle/>
+          <a:p>
+            <a:pPr>
+              <a:defRPr sz="650">
+                <a:solidFill>
+                  <a:srgbClr val="757B88"/>
+                </a:solidFill>
+              </a:defRPr>
+            </a:pPr>
+            <a:r>
+              <a:t>Refs: https://docs.github.com/en/copilot/concepts/agents/coding-agent/about-coding-agent | https://docs.github.com/en/copilot/how-tos/use-copilot-agents/coding-agent/create-a-pr | https://commons.wikimedia.org/wiki/File:Human%2BRobot.jpg</a:t>
             </a:r>
           </a:p>
         </p:txBody>

--- a/agents.pptx
+++ b/agents.pptx
@@ -7,45 +7,44 @@
   <p:sldIdLst>
     <p:sldId id="256" r:id="rId2"/>
     <p:sldId id="257" r:id="rId3"/>
-    <p:sldId id="258" r:id="rId4"/>
-    <p:sldId id="259" r:id="rId5"/>
-    <p:sldId id="260" r:id="rId6"/>
-    <p:sldId id="261" r:id="rId7"/>
-    <p:sldId id="262" r:id="rId8"/>
-    <p:sldId id="263" r:id="rId9"/>
-    <p:sldId id="264" r:id="rId10"/>
-    <p:sldId id="265" r:id="rId11"/>
-    <p:sldId id="266" r:id="rId12"/>
-    <p:sldId id="296" r:id="rId46"/>
-    <p:sldId id="292" r:id="rId42"/>
-    <p:sldId id="293" r:id="rId43"/>
-    <p:sldId id="294" r:id="rId44"/>
-    <p:sldId id="295" r:id="rId45"/>
-    <p:sldId id="267" r:id="rId13"/>
-    <p:sldId id="290" r:id="rId40"/>
-    <p:sldId id="291" r:id="rId41"/>
-    <p:sldId id="268" r:id="rId14"/>
-    <p:sldId id="269" r:id="rId15"/>
-    <p:sldId id="281" r:id="rId31"/>
-    <p:sldId id="282" r:id="rId32"/>
-    <p:sldId id="283" r:id="rId33"/>
-    <p:sldId id="284" r:id="rId34"/>
-    <p:sldId id="285" r:id="rId35"/>
-    <p:sldId id="286" r:id="rId36"/>
-    <p:sldId id="287" r:id="rId37"/>
-    <p:sldId id="288" r:id="rId38"/>
-    <p:sldId id="289" r:id="rId39"/>
-    <p:sldId id="270" r:id="rId16"/>
-    <p:sldId id="271" r:id="rId17"/>
-    <p:sldId id="272" r:id="rId18"/>
-    <p:sldId id="273" r:id="rId19"/>
-    <p:sldId id="274" r:id="rId20"/>
-    <p:sldId id="275" r:id="rId21"/>
-    <p:sldId id="276" r:id="rId22"/>
-    <p:sldId id="277" r:id="rId23"/>
-    <p:sldId id="278" r:id="rId24"/>
-    <p:sldId id="279" r:id="rId25"/>
-    <p:sldId id="297" r:id="rId47"/>
+    <p:sldId id="259" r:id="rId4"/>
+    <p:sldId id="260" r:id="rId5"/>
+    <p:sldId id="261" r:id="rId6"/>
+    <p:sldId id="262" r:id="rId7"/>
+    <p:sldId id="263" r:id="rId8"/>
+    <p:sldId id="264" r:id="rId9"/>
+    <p:sldId id="265" r:id="rId10"/>
+    <p:sldId id="266" r:id="rId11"/>
+    <p:sldId id="296" r:id="rId12"/>
+    <p:sldId id="292" r:id="rId13"/>
+    <p:sldId id="293" r:id="rId14"/>
+    <p:sldId id="294" r:id="rId15"/>
+    <p:sldId id="295" r:id="rId16"/>
+    <p:sldId id="267" r:id="rId17"/>
+    <p:sldId id="290" r:id="rId18"/>
+    <p:sldId id="291" r:id="rId19"/>
+    <p:sldId id="268" r:id="rId20"/>
+    <p:sldId id="269" r:id="rId21"/>
+    <p:sldId id="281" r:id="rId22"/>
+    <p:sldId id="282" r:id="rId23"/>
+    <p:sldId id="283" r:id="rId24"/>
+    <p:sldId id="284" r:id="rId25"/>
+    <p:sldId id="285" r:id="rId26"/>
+    <p:sldId id="286" r:id="rId27"/>
+    <p:sldId id="287" r:id="rId28"/>
+    <p:sldId id="288" r:id="rId29"/>
+    <p:sldId id="289" r:id="rId30"/>
+    <p:sldId id="270" r:id="rId31"/>
+    <p:sldId id="271" r:id="rId32"/>
+    <p:sldId id="272" r:id="rId33"/>
+    <p:sldId id="273" r:id="rId34"/>
+    <p:sldId id="274" r:id="rId35"/>
+    <p:sldId id="275" r:id="rId36"/>
+    <p:sldId id="276" r:id="rId37"/>
+    <p:sldId id="277" r:id="rId38"/>
+    <p:sldId id="278" r:id="rId39"/>
+    <p:sldId id="279" r:id="rId40"/>
+    <p:sldId id="297" r:id="rId41"/>
   </p:sldIdLst>
   <p:sldSz cx="9144000" cy="6858000" type="screen4x3"/>
   <p:notesSz cx="6858000" cy="9144000"/>
@@ -342,7 +341,7 @@
           <a:p>
             <a:fld id="{5BCAD085-E8A6-8845-BD4E-CB4CCA059FC4}" type="datetimeFigureOut">
               <a:rPr lang="en-US" smtClean="0"/>
-              <a:t>2/26/26</a:t>
+              <a:t>2/27/26</a:t>
             </a:fld>
             <a:endParaRPr lang="en-US"/>
           </a:p>
@@ -510,7 +509,7 @@
           <a:p>
             <a:fld id="{5BCAD085-E8A6-8845-BD4E-CB4CCA059FC4}" type="datetimeFigureOut">
               <a:rPr lang="en-US" smtClean="0"/>
-              <a:t>2/26/26</a:t>
+              <a:t>2/27/26</a:t>
             </a:fld>
             <a:endParaRPr lang="en-US"/>
           </a:p>
@@ -688,7 +687,7 @@
           <a:p>
             <a:fld id="{5BCAD085-E8A6-8845-BD4E-CB4CCA059FC4}" type="datetimeFigureOut">
               <a:rPr lang="en-US" smtClean="0"/>
-              <a:t>2/26/26</a:t>
+              <a:t>2/27/26</a:t>
             </a:fld>
             <a:endParaRPr lang="en-US"/>
           </a:p>
@@ -856,7 +855,7 @@
           <a:p>
             <a:fld id="{5BCAD085-E8A6-8845-BD4E-CB4CCA059FC4}" type="datetimeFigureOut">
               <a:rPr lang="en-US" smtClean="0"/>
-              <a:t>2/26/26</a:t>
+              <a:t>2/27/26</a:t>
             </a:fld>
             <a:endParaRPr lang="en-US"/>
           </a:p>
@@ -1101,7 +1100,7 @@
           <a:p>
             <a:fld id="{5BCAD085-E8A6-8845-BD4E-CB4CCA059FC4}" type="datetimeFigureOut">
               <a:rPr lang="en-US" smtClean="0"/>
-              <a:t>2/26/26</a:t>
+              <a:t>2/27/26</a:t>
             </a:fld>
             <a:endParaRPr lang="en-US"/>
           </a:p>
@@ -1386,7 +1385,7 @@
           <a:p>
             <a:fld id="{5BCAD085-E8A6-8845-BD4E-CB4CCA059FC4}" type="datetimeFigureOut">
               <a:rPr lang="en-US" smtClean="0"/>
-              <a:t>2/26/26</a:t>
+              <a:t>2/27/26</a:t>
             </a:fld>
             <a:endParaRPr lang="en-US"/>
           </a:p>
@@ -1805,7 +1804,7 @@
           <a:p>
             <a:fld id="{5BCAD085-E8A6-8845-BD4E-CB4CCA059FC4}" type="datetimeFigureOut">
               <a:rPr lang="en-US" smtClean="0"/>
-              <a:t>2/26/26</a:t>
+              <a:t>2/27/26</a:t>
             </a:fld>
             <a:endParaRPr lang="en-US"/>
           </a:p>
@@ -1922,7 +1921,7 @@
           <a:p>
             <a:fld id="{5BCAD085-E8A6-8845-BD4E-CB4CCA059FC4}" type="datetimeFigureOut">
               <a:rPr lang="en-US" smtClean="0"/>
-              <a:t>2/26/26</a:t>
+              <a:t>2/27/26</a:t>
             </a:fld>
             <a:endParaRPr lang="en-US"/>
           </a:p>
@@ -2017,7 +2016,7 @@
           <a:p>
             <a:fld id="{5BCAD085-E8A6-8845-BD4E-CB4CCA059FC4}" type="datetimeFigureOut">
               <a:rPr lang="en-US" smtClean="0"/>
-              <a:t>2/26/26</a:t>
+              <a:t>2/27/26</a:t>
             </a:fld>
             <a:endParaRPr lang="en-US"/>
           </a:p>
@@ -2292,7 +2291,7 @@
           <a:p>
             <a:fld id="{5BCAD085-E8A6-8845-BD4E-CB4CCA059FC4}" type="datetimeFigureOut">
               <a:rPr lang="en-US" smtClean="0"/>
-              <a:t>2/26/26</a:t>
+              <a:t>2/27/26</a:t>
             </a:fld>
             <a:endParaRPr lang="en-US"/>
           </a:p>
@@ -2544,7 +2543,7 @@
           <a:p>
             <a:fld id="{5BCAD085-E8A6-8845-BD4E-CB4CCA059FC4}" type="datetimeFigureOut">
               <a:rPr lang="en-US" smtClean="0"/>
-              <a:t>2/26/26</a:t>
+              <a:t>2/27/26</a:t>
             </a:fld>
             <a:endParaRPr lang="en-US"/>
           </a:p>
@@ -2755,7 +2754,7 @@
           <a:p>
             <a:fld id="{5BCAD085-E8A6-8845-BD4E-CB4CCA059FC4}" type="datetimeFigureOut">
               <a:rPr lang="en-US" smtClean="0"/>
-              <a:t>2/26/26</a:t>
+              <a:t>2/27/26</a:t>
             </a:fld>
             <a:endParaRPr lang="en-US"/>
           </a:p>
@@ -3167,20 +3166,22 @@
           <a:lstStyle/>
           <a:p>
             <a:r>
-              <a:rPr sz="2000"/>
-              <a:t>Orchestrating Coding Agents with CLI Tools, skills.md, and MCPs</a:t>
-            </a:r>
-          </a:p>
-          <a:p>
-            <a:r>
-              <a:rPr sz="2000"/>
-              <a:t>Cesar Contreras | Friday 27 February 2026 | Elm House 214 + Teams</a:t>
-            </a:r>
-          </a:p>
-          <a:p>
-            <a:r>
-              <a:rPr sz="2000"/>
-              <a:t>Lunch at 12:00</a:t>
+              <a:rPr sz="2000" dirty="0"/>
+              <a:t>Orchestrating Coding Agents with CLI Tools, </a:t>
+            </a:r>
+            <a:r>
+              <a:rPr sz="2000" dirty="0" err="1"/>
+              <a:t>skills.md</a:t>
+            </a:r>
+            <a:r>
+              <a:rPr sz="2000" dirty="0"/>
+              <a:t>, and MCPs</a:t>
+            </a:r>
+          </a:p>
+          <a:p>
+            <a:r>
+              <a:rPr sz="2000" dirty="0"/>
+              <a:t>Cesar Contreras | Friday 27 February 2026</a:t>
             </a:r>
           </a:p>
         </p:txBody>
@@ -3193,7 +3194,7 @@
         </p:nvSpPr>
         <p:spPr>
           <a:xfrm>
-            <a:off x="8238744" y="4416552"/>
+            <a:off x="5222167" y="204216"/>
             <a:ext cx="3675887" cy="2212848"/>
           </a:xfrm>
           <a:prstGeom prst="roundRect">
@@ -3228,6 +3229,7 @@
           <a:lstStyle/>
           <a:p>
             <a:pPr algn="ctr"/>
+            <a:endParaRPr/>
           </a:p>
         </p:txBody>
       </p:sp>
@@ -3247,7 +3249,7 @@
         </p:blipFill>
         <p:spPr>
           <a:xfrm>
-            <a:off x="8284464" y="4462272"/>
+            <a:off x="5267887" y="249936"/>
             <a:ext cx="3584448" cy="2121408"/>
           </a:xfrm>
           <a:prstGeom prst="rect">
@@ -3331,8 +3333,7 @@
           <a:lstStyle/>
           <a:p>
             <a:r>
-              <a:rPr dirty="0"/>
-              <a:t>Google Jules</a:t>
+              <a:t>Gemini CLI in Multi-agent Stacks</a:t>
             </a:r>
           </a:p>
         </p:txBody>
@@ -3353,26 +3354,32 @@
           <a:lstStyle/>
           <a:p>
             <a:r>
-              <a:rPr sz="2200" dirty="0"/>
-              <a:t>Jules targets asynchronous coding tasks on codebases</a:t>
-            </a:r>
-          </a:p>
-          <a:p>
-            <a:r>
-              <a:rPr sz="2200" dirty="0"/>
-              <a:t>Good pattern: dispatch tasks, collect artifacts, review diffs</a:t>
-            </a:r>
-          </a:p>
-          <a:p>
-            <a:r>
-              <a:rPr sz="2200" dirty="0"/>
-              <a:t>Useful for long-running background work</a:t>
-            </a:r>
-          </a:p>
-          <a:p>
-            <a:r>
-              <a:rPr sz="2200" dirty="0"/>
-              <a:t>Needs strict acceptance tests before delegated execution</a:t>
+              <a:rPr sz="2200"/>
+              <a:t>Open-source terminal agent for coding and scripting workflows</a:t>
+            </a:r>
+          </a:p>
+          <a:p>
+            <a:r>
+              <a:rPr sz="2200"/>
+              <a:t>Useful for rapid implementation and repository exploration</a:t>
+            </a:r>
+          </a:p>
+          <a:p>
+            <a:r>
+              <a:rPr sz="2200"/>
+              <a:t>Extensible with MCP for custom integrations</a:t>
+            </a:r>
+          </a:p>
+          <a:p>
+            <a:r>
+              <a:rPr sz="2200"/>
+              <a:t>Can be paired with Gemini Code Assist for IDE workflows</a:t>
+            </a:r>
+          </a:p>
+          <a:p>
+            <a:r>
+              <a:rPr sz="2200"/>
+              <a:t>Treat outputs as proposals and enforce test/eval gates</a:t>
             </a:r>
           </a:p>
         </p:txBody>
@@ -3385,7 +3392,7 @@
         </p:nvSpPr>
         <p:spPr>
           <a:xfrm>
-            <a:off x="8238744" y="4416552"/>
+            <a:off x="4760253" y="3822664"/>
             <a:ext cx="3675887" cy="2212848"/>
           </a:xfrm>
           <a:prstGeom prst="roundRect">
@@ -3420,12 +3427,13 @@
           <a:lstStyle/>
           <a:p>
             <a:pPr algn="ctr"/>
+            <a:endParaRPr/>
           </a:p>
         </p:txBody>
       </p:sp>
       <p:pic>
         <p:nvPicPr>
-          <p:cNvPr id="5" name="Picture 4" descr="sim_snapshot_1_astar.png"/>
+          <p:cNvPr id="5" name="Picture 4" descr="sim_snapshot_2_weighted_astar.png"/>
           <p:cNvPicPr>
             <a:picLocks noChangeAspect="1"/>
           </p:cNvPicPr>
@@ -3439,7 +3447,7 @@
         </p:blipFill>
         <p:spPr>
           <a:xfrm>
-            <a:off x="8284464" y="4462272"/>
+            <a:off x="4805973" y="3868384"/>
             <a:ext cx="3584448" cy="2121408"/>
           </a:xfrm>
           <a:prstGeom prst="rect">
@@ -3477,7 +3485,7 @@
               </a:defRPr>
             </a:pPr>
             <a:r>
-              <a:t>Refs: https://jules.google/docs/api/reference/overview | https://jules.google/docs/api/reference/ | https://jules.google/docs/changelog/2025-10-03/</a:t>
+              <a:t>Refs: https://github.com/google-gemini/gemini-cli | https://jules.google/docs/cli/reference/ | https://commons.wikimedia.org/wiki/File:Robonaut_2_on_display_at_NASM_(NHQ202410240009).jpg</a:t>
             </a:r>
           </a:p>
         </p:txBody>
@@ -3519,57 +3527,67 @@
         </p:nvSpPr>
         <p:spPr/>
         <p:txBody>
+          <a:bodyPr>
+            <a:normAutofit fontScale="90000"/>
+          </a:bodyPr>
+          <a:lstStyle/>
+          <a:p>
+            <a:r>
+              <a:t>Codex vs Gemini CLI vs Claude: Choice Matters</a:t>
+            </a:r>
+          </a:p>
+        </p:txBody>
+      </p:sp>
+      <p:sp>
+        <p:nvSpPr>
+          <p:cNvPr id="3" name="Content Placeholder 2"/>
+          <p:cNvSpPr>
+            <a:spLocks noGrp="1"/>
+          </p:cNvSpPr>
+          <p:nvPr>
+            <p:ph idx="1"/>
+          </p:nvPr>
+        </p:nvSpPr>
+        <p:spPr/>
+        <p:txBody>
           <a:bodyPr/>
           <a:lstStyle/>
           <a:p>
             <a:r>
-              <a:t>Gemini CLI in Multi-agent Stacks</a:t>
-            </a:r>
-          </a:p>
-        </p:txBody>
-      </p:sp>
-      <p:sp>
-        <p:nvSpPr>
-          <p:cNvPr id="3" name="Content Placeholder 2"/>
-          <p:cNvSpPr>
-            <a:spLocks noGrp="1"/>
-          </p:cNvSpPr>
-          <p:nvPr>
-            <p:ph idx="1"/>
-          </p:nvPr>
-        </p:nvSpPr>
-        <p:spPr/>
-        <p:txBody>
-          <a:bodyPr/>
-          <a:lstStyle/>
-          <a:p>
-            <a:r>
-              <a:rPr sz="2200"/>
-              <a:t>Open-source terminal agent for coding and scripting workflows</a:t>
-            </a:r>
-          </a:p>
-          <a:p>
-            <a:r>
-              <a:rPr sz="2200"/>
-              <a:t>Useful for rapid implementation and repository exploration</a:t>
-            </a:r>
-          </a:p>
-          <a:p>
-            <a:r>
-              <a:rPr sz="2200"/>
-              <a:t>Extensible with MCP for custom integrations</a:t>
-            </a:r>
-          </a:p>
-          <a:p>
-            <a:r>
-              <a:rPr sz="2200"/>
-              <a:t>Can be paired with Gemini Code Assist for IDE workflows</a:t>
-            </a:r>
-          </a:p>
-          <a:p>
-            <a:r>
-              <a:rPr sz="2200"/>
-              <a:t>Treat outputs as proposals and enforce test/eval gates</a:t>
+              <a:rPr sz="1900" dirty="0"/>
+              <a:t>Codex: strongest when you want strict rule-following (</a:t>
+            </a:r>
+            <a:r>
+              <a:rPr sz="1900" dirty="0" err="1"/>
+              <a:t>AGENTS.md</a:t>
+            </a:r>
+            <a:r>
+              <a:rPr sz="1900" dirty="0"/>
+              <a:t>, skills, explicit constraints).</a:t>
+            </a:r>
+          </a:p>
+          <a:p>
+            <a:r>
+              <a:rPr sz="1900" dirty="0"/>
+              <a:t>Gemini CLI: often takes more initiative and may deviate if your guardrails are loose.</a:t>
+            </a:r>
+          </a:p>
+          <a:p>
+            <a:r>
+              <a:rPr sz="1900" dirty="0"/>
+              <a:t>Claude: tends to over-improve and expand scope beyond the exact ask.</a:t>
+            </a:r>
+          </a:p>
+          <a:p>
+            <a:r>
+              <a:rPr sz="1900" dirty="0"/>
+              <a:t>Operational takeaway: same prompt can produce very different behaviors across agents.</a:t>
+            </a:r>
+          </a:p>
+          <a:p>
+            <a:r>
+              <a:rPr sz="1900" dirty="0"/>
+              <a:t>Your choice matters: pick the agent by control needs, risk tolerance, and review bandwidth.</a:t>
             </a:r>
           </a:p>
         </p:txBody>
@@ -3582,7 +3600,7 @@
         </p:nvSpPr>
         <p:spPr>
           <a:xfrm>
-            <a:off x="8238744" y="4416552"/>
+            <a:off x="5056632" y="4151376"/>
             <a:ext cx="3675887" cy="2212848"/>
           </a:xfrm>
           <a:prstGeom prst="roundRect">
@@ -3617,12 +3635,13 @@
           <a:lstStyle/>
           <a:p>
             <a:pPr algn="ctr"/>
+            <a:endParaRPr/>
           </a:p>
         </p:txBody>
       </p:sp>
       <p:pic>
         <p:nvPicPr>
-          <p:cNvPr id="5" name="Picture 4" descr="sim_snapshot_2_weighted_astar.png"/>
+          <p:cNvPr id="5" name="Picture 4" descr="sim_snapshot_3_fringe_search.png"/>
           <p:cNvPicPr>
             <a:picLocks noChangeAspect="1"/>
           </p:cNvPicPr>
@@ -3636,7 +3655,7 @@
         </p:blipFill>
         <p:spPr>
           <a:xfrm>
-            <a:off x="8284464" y="4462272"/>
+            <a:off x="5102352" y="4197096"/>
             <a:ext cx="3584448" cy="2121408"/>
           </a:xfrm>
           <a:prstGeom prst="rect">
@@ -3674,7 +3693,7 @@
               </a:defRPr>
             </a:pPr>
             <a:r>
-              <a:t>Refs: https://github.com/google-gemini/gemini-cli | https://jules.google/docs/cli/reference/ | https://commons.wikimedia.org/wiki/File:Robonaut_2_on_display_at_NASM_(NHQ202410240009).jpg</a:t>
+              <a:t>Refs: https://developers.openai.com/codex/cli/features/ | https://github.com/google-gemini/gemini-cli | https://commons.wikimedia.org/wiki/File:ISS-29_second_onboard_tests_of_Robonaut_2.jpg</a:t>
             </a:r>
           </a:p>
         </p:txBody>
@@ -3688,7 +3707,7 @@
 </file>
 
 <file path=ppt/slides/slide12.xml><?xml version="1.0" encoding="utf-8"?>
-<p:sld xmlns:a="http://schemas.openxmlformats.org/drawingml/2006/main" xmlns:p="http://schemas.openxmlformats.org/presentationml/2006/main" xmlns:r="http://schemas.openxmlformats.org/officeDocument/2006/relationships">
+<p:sld xmlns:a="http://schemas.openxmlformats.org/drawingml/2006/main" xmlns:r="http://schemas.openxmlformats.org/officeDocument/2006/relationships" xmlns:p="http://schemas.openxmlformats.org/presentationml/2006/main">
   <p:cSld>
     <p:spTree>
       <p:nvGrpSpPr>
@@ -3696,7 +3715,14 @@
         <p:cNvGrpSpPr/>
         <p:nvPr/>
       </p:nvGrpSpPr>
-      <p:grpSpPr/>
+      <p:grpSpPr>
+        <a:xfrm>
+          <a:off x="0" y="0"/>
+          <a:ext cx="0" cy="0"/>
+          <a:chOff x="0" y="0"/>
+          <a:chExt cx="0" cy="0"/>
+        </a:xfrm>
+      </p:grpSpPr>
       <p:sp>
         <p:nvSpPr>
           <p:cNvPr id="2" name="Title 1"/>
@@ -3713,7 +3739,7 @@
           <a:lstStyle/>
           <a:p>
             <a:r>
-              <a:t>Codex vs Gemini CLI vs Claude: Choice Matters</a:t>
+              <a:t>Using GPT-5.2 Pro (Why It Helps)</a:t>
             </a:r>
           </a:p>
         </p:txBody>
@@ -3733,38 +3759,33 @@
           <a:bodyPr/>
           <a:lstStyle/>
           <a:p>
-            <a:pPr/>
             <a:r>
               <a:rPr sz="1900"/>
-              <a:t>Codex: strongest when you want strict rule-following (AGENTS.md, skills, explicit constraints).</a:t>
-            </a:r>
-          </a:p>
-          <a:p>
-            <a:pPr/>
+              <a:t>Best for hardest tasks: deep reasoning, multi-step code edits, and agentic tool-use chains.</a:t>
+            </a:r>
+          </a:p>
+          <a:p>
             <a:r>
               <a:rPr sz="1900"/>
-              <a:t>Gemini CLI: often takes more initiative and may deviate if your guardrails are loose.</a:t>
-            </a:r>
-          </a:p>
-          <a:p>
-            <a:pPr/>
+              <a:t>As of Feb 26, 2026 docs, OpenAI presents GPT-5.2 Pro as a highest-capability GPT-5.2 tier via the Responses API.</a:t>
+            </a:r>
+          </a:p>
+          <a:p>
             <a:r>
               <a:rPr sz="1900"/>
-              <a:t>Claude: tends to over-improve and expand scope beyond the exact ask.</a:t>
-            </a:r>
-          </a:p>
-          <a:p>
-            <a:pPr/>
+              <a:t>High leverage in your workflow: architecture decisions, risky refactors, and root-cause analysis.</a:t>
+            </a:r>
+          </a:p>
+          <a:p>
             <a:r>
               <a:rPr sz="1900"/>
-              <a:t>Operational takeaway: same prompt can produce very different behaviors across agents.</a:t>
-            </a:r>
-          </a:p>
-          <a:p>
-            <a:pPr/>
+              <a:t>Pattern: use GPT-5.2 Pro for planning/critical reviews; use faster models for implementation loops.</a:t>
+            </a:r>
+          </a:p>
+          <a:p>
             <a:r>
               <a:rPr sz="1900"/>
-              <a:t>Your choice matters: pick the agent by control needs, risk tolerance, and review bandwidth.</a:t>
+              <a:t>When uncertainty and downside risk are high, paying for stronger reasoning is usually net-positive.</a:t>
             </a:r>
           </a:p>
         </p:txBody>
@@ -3777,8 +3798,8 @@
         </p:nvSpPr>
         <p:spPr>
           <a:xfrm>
-            <a:off x="8238744" y="4416552"/>
-            <a:ext cx="3675887" cy="2212848"/>
+            <a:off x="5645179" y="4580188"/>
+            <a:ext cx="3413130" cy="2048893"/>
           </a:xfrm>
           <a:prstGeom prst="roundRect">
             <a:avLst/>
@@ -3812,12 +3833,13 @@
           <a:lstStyle/>
           <a:p>
             <a:pPr algn="ctr"/>
+            <a:endParaRPr/>
           </a:p>
         </p:txBody>
       </p:sp>
       <p:pic>
         <p:nvPicPr>
-          <p:cNvPr id="5" name="Picture 4" descr="sim_snapshot_3_fringe_search.png"/>
+          <p:cNvPr id="5" name="Picture 4" descr="sim_mujoco_1_astar.png"/>
           <p:cNvPicPr>
             <a:picLocks noChangeAspect="1"/>
           </p:cNvPicPr>
@@ -3831,8 +3853,8 @@
         </p:blipFill>
         <p:spPr>
           <a:xfrm>
-            <a:off x="8284464" y="4462272"/>
-            <a:ext cx="3584448" cy="2121408"/>
+            <a:off x="5684362" y="4613594"/>
+            <a:ext cx="3328227" cy="1969767"/>
           </a:xfrm>
           <a:prstGeom prst="rect">
             <a:avLst/>
@@ -3869,7 +3891,7 @@
               </a:defRPr>
             </a:pPr>
             <a:r>
-              <a:t>Refs: https://developers.openai.com/codex/cli/features/ | https://github.com/google-gemini/gemini-cli | https://commons.wikimedia.org/wiki/File:ISS-29_second_onboard_tests_of_Robonaut_2.jpg</a:t>
+              <a:t>Refs: https://platform.openai.com/docs/models | https://platform.openai.com/docs/api-reference/responses/retrieve | https://openai.com/api/pricing/</a:t>
             </a:r>
           </a:p>
         </p:txBody>
@@ -3883,7 +3905,7 @@
 </file>
 
 <file path=ppt/slides/slide13.xml><?xml version="1.0" encoding="utf-8"?>
-<p:sld xmlns:a="http://schemas.openxmlformats.org/drawingml/2006/main" xmlns:p="http://schemas.openxmlformats.org/presentationml/2006/main" xmlns:r="http://schemas.openxmlformats.org/officeDocument/2006/relationships">
+<p:sld xmlns:a="http://schemas.openxmlformats.org/drawingml/2006/main" xmlns:r="http://schemas.openxmlformats.org/officeDocument/2006/relationships" xmlns:p="http://schemas.openxmlformats.org/presentationml/2006/main">
   <p:cSld>
     <p:spTree>
       <p:nvGrpSpPr>
@@ -3891,7 +3913,14 @@
         <p:cNvGrpSpPr/>
         <p:nvPr/>
       </p:nvGrpSpPr>
-      <p:grpSpPr/>
+      <p:grpSpPr>
+        <a:xfrm>
+          <a:off x="0" y="0"/>
+          <a:ext cx="0" cy="0"/>
+          <a:chOff x="0" y="0"/>
+          <a:chExt cx="0" cy="0"/>
+        </a:xfrm>
+      </p:grpSpPr>
       <p:sp>
         <p:nvSpPr>
           <p:cNvPr id="2" name="Title 1"/>
@@ -3908,7 +3937,7 @@
           <a:lstStyle/>
           <a:p>
             <a:r>
-              <a:t>Using GPT-5.2 Pro (Why It Helps)</a:t>
+              <a:t>Planning Mode: Codex and Gemini</a:t>
             </a:r>
           </a:p>
         </p:txBody>
@@ -3928,38 +3957,33 @@
           <a:bodyPr/>
           <a:lstStyle/>
           <a:p>
-            <a:pPr/>
             <a:r>
               <a:rPr sz="1900"/>
-              <a:t>Best for hardest tasks: deep reasoning, multi-step code edits, and agentic tool-use chains.</a:t>
-            </a:r>
-          </a:p>
-          <a:p>
-            <a:pPr/>
+              <a:t>Codex: collaboration modes include plan mode (useful for design-first, read-before-write workflows).</a:t>
+            </a:r>
+          </a:p>
+          <a:p>
             <a:r>
               <a:rPr sz="1900"/>
-              <a:t>As of Feb 26, 2026 docs, OpenAI presents GPT-5.2 Pro as a highest-capability GPT-5.2 tier via the Responses API.</a:t>
-            </a:r>
-          </a:p>
-          <a:p>
-            <a:pPr/>
+              <a:t>As of Feb 26, 2026 docs, Gemini CLI includes an experimental `/plan` mode for planning-first workflows.</a:t>
+            </a:r>
+          </a:p>
+          <a:p>
             <a:r>
               <a:rPr sz="1900"/>
-              <a:t>High leverage in your workflow: architecture decisions, risky refactors, and root-cause analysis.</a:t>
-            </a:r>
-          </a:p>
-          <a:p>
-            <a:pPr/>
+              <a:t>Plan-mode flags and constraints can change by release; verify current CLI help/docs before use.</a:t>
+            </a:r>
+          </a:p>
+          <a:p>
             <a:r>
               <a:rPr sz="1900"/>
-              <a:t>Pattern: use GPT-5.2 Pro for planning/critical reviews; use faster models for implementation loops.</a:t>
-            </a:r>
-          </a:p>
-          <a:p>
-            <a:pPr/>
+              <a:t>Common benefit: better approach selection, fewer blind edits, cleaner handoff to implementer agents.</a:t>
+            </a:r>
+          </a:p>
+          <a:p>
             <a:r>
               <a:rPr sz="1900"/>
-              <a:t>When uncertainty and downside risk are high, paying for stronger reasoning is usually net-positive.</a:t>
+              <a:t>As of Feb 26, 2026 docs, plan tooling is restricted during fully autonomous (`--yolo`) runs.</a:t>
             </a:r>
           </a:p>
         </p:txBody>
@@ -3972,8 +3996,8 @@
         </p:nvSpPr>
         <p:spPr>
           <a:xfrm>
-            <a:off x="8238744" y="4416552"/>
-            <a:ext cx="3675887" cy="2212848"/>
+            <a:off x="5670783" y="4647859"/>
+            <a:ext cx="3141770" cy="1807805"/>
           </a:xfrm>
           <a:prstGeom prst="roundRect">
             <a:avLst/>
@@ -4007,12 +4031,13 @@
           <a:lstStyle/>
           <a:p>
             <a:pPr algn="ctr"/>
+            <a:endParaRPr/>
           </a:p>
         </p:txBody>
       </p:sp>
       <p:pic>
         <p:nvPicPr>
-          <p:cNvPr id="5" name="Picture 4" descr="sim_mujoco_1_astar.png"/>
+          <p:cNvPr id="5" name="Picture 4" descr="sim_mujoco_2_weighted_astar.png"/>
           <p:cNvPicPr>
             <a:picLocks noChangeAspect="1"/>
           </p:cNvPicPr>
@@ -4026,8 +4051,8 @@
         </p:blipFill>
         <p:spPr>
           <a:xfrm>
-            <a:off x="8284464" y="4462272"/>
-            <a:ext cx="3584448" cy="2121408"/>
+            <a:off x="5703216" y="4596782"/>
+            <a:ext cx="3063618" cy="1813162"/>
           </a:xfrm>
           <a:prstGeom prst="rect">
             <a:avLst/>
@@ -4064,7 +4089,7 @@
               </a:defRPr>
             </a:pPr>
             <a:r>
-              <a:t>Refs: https://platform.openai.com/docs/models | https://platform.openai.com/docs/api-reference/responses/retrieve | https://openai.com/api/pricing/</a:t>
+              <a:t>Refs: https://developers.openai.com/codex/cli/slash-commands/ | https://developers.openai.com/codex/config-reference/ | https://commons.wikimedia.org/wiki/File:Big_dog_military_robots.jpg</a:t>
             </a:r>
           </a:p>
         </p:txBody>
@@ -4078,7 +4103,7 @@
 </file>
 
 <file path=ppt/slides/slide14.xml><?xml version="1.0" encoding="utf-8"?>
-<p:sld xmlns:a="http://schemas.openxmlformats.org/drawingml/2006/main" xmlns:p="http://schemas.openxmlformats.org/presentationml/2006/main" xmlns:r="http://schemas.openxmlformats.org/officeDocument/2006/relationships">
+<p:sld xmlns:a="http://schemas.openxmlformats.org/drawingml/2006/main" xmlns:r="http://schemas.openxmlformats.org/officeDocument/2006/relationships" xmlns:p="http://schemas.openxmlformats.org/presentationml/2006/main">
   <p:cSld>
     <p:spTree>
       <p:nvGrpSpPr>
@@ -4086,7 +4111,14 @@
         <p:cNvGrpSpPr/>
         <p:nvPr/>
       </p:nvGrpSpPr>
-      <p:grpSpPr/>
+      <p:grpSpPr>
+        <a:xfrm>
+          <a:off x="0" y="0"/>
+          <a:ext cx="0" cy="0"/>
+          <a:chOff x="0" y="0"/>
+          <a:chExt cx="0" cy="0"/>
+        </a:xfrm>
+      </p:grpSpPr>
       <p:sp>
         <p:nvSpPr>
           <p:cNvPr id="2" name="Title 1"/>
@@ -4099,62 +4131,59 @@
         </p:nvSpPr>
         <p:spPr/>
         <p:txBody>
+          <a:bodyPr>
+            <a:normAutofit fontScale="90000"/>
+          </a:bodyPr>
+          <a:lstStyle/>
+          <a:p>
+            <a:r>
+              <a:t>Subscription Prices Snapshot (US, Feb 26, 2026)</a:t>
+            </a:r>
+          </a:p>
+        </p:txBody>
+      </p:sp>
+      <p:sp>
+        <p:nvSpPr>
+          <p:cNvPr id="3" name="Content Placeholder 2"/>
+          <p:cNvSpPr>
+            <a:spLocks noGrp="1"/>
+          </p:cNvSpPr>
+          <p:nvPr>
+            <p:ph idx="1"/>
+          </p:nvPr>
+        </p:nvSpPr>
+        <p:spPr/>
+        <p:txBody>
           <a:bodyPr/>
           <a:lstStyle/>
           <a:p>
             <a:r>
-              <a:t>Planning Mode: Codex and Gemini</a:t>
-            </a:r>
-          </a:p>
-        </p:txBody>
-      </p:sp>
-      <p:sp>
-        <p:nvSpPr>
-          <p:cNvPr id="3" name="Content Placeholder 2"/>
-          <p:cNvSpPr>
-            <a:spLocks noGrp="1"/>
-          </p:cNvSpPr>
-          <p:nvPr>
-            <p:ph idx="1"/>
-          </p:nvPr>
-        </p:nvSpPr>
-        <p:spPr/>
-        <p:txBody>
-          <a:bodyPr/>
-          <a:lstStyle/>
-          <a:p>
-            <a:pPr/>
-            <a:r>
-              <a:rPr sz="1900"/>
-              <a:t>Codex: collaboration modes include plan mode (useful for design-first, read-before-write workflows).</a:t>
-            </a:r>
-          </a:p>
-          <a:p>
-            <a:pPr/>
-            <a:r>
-              <a:rPr sz="1900"/>
-              <a:t>As of Feb 26, 2026 docs, Gemini CLI includes an experimental `/plan` mode for planning-first workflows.</a:t>
-            </a:r>
-          </a:p>
-          <a:p>
-            <a:pPr/>
-            <a:r>
-              <a:rPr sz="1900"/>
-              <a:t>Plan-mode flags and constraints can change by release; verify current CLI help/docs before use.</a:t>
-            </a:r>
-          </a:p>
-          <a:p>
-            <a:pPr/>
-            <a:r>
-              <a:rPr sz="1900"/>
-              <a:t>Common benefit: better approach selection, fewer blind edits, cleaner handoff to implementer agents.</a:t>
-            </a:r>
-          </a:p>
-          <a:p>
-            <a:pPr/>
-            <a:r>
-              <a:rPr sz="1900"/>
-              <a:t>As of Feb 26, 2026 docs, plan tooling is restricted during fully autonomous (`--yolo`) runs.</a:t>
+              <a:rPr sz="1900" dirty="0"/>
+              <a:t>As of Feb 26, 2026: OpenAI ChatGPT offers Plus, Pro, Business, and Enterprise tiers (see pricing page for current amounts).</a:t>
+            </a:r>
+          </a:p>
+          <a:p>
+            <a:r>
+              <a:rPr sz="1900" dirty="0"/>
+              <a:t>Codex CLI: no separate subscription; included with ChatGPT Plus/Pro/Business/Edu/Enterprise.</a:t>
+            </a:r>
+          </a:p>
+          <a:p>
+            <a:r>
+              <a:rPr sz="1900" dirty="0"/>
+              <a:t>As of Feb 26, 2026: GitHub Copilot offers Pro, Pro+, Business, and Enterprise tiers (see pricing page for current amounts).</a:t>
+            </a:r>
+          </a:p>
+          <a:p>
+            <a:r>
+              <a:rPr sz="1900" dirty="0"/>
+              <a:t>As of Feb 26, 2026: Google AI offers Pro and Ultra tiers (pricing/promotions can change).</a:t>
+            </a:r>
+          </a:p>
+          <a:p>
+            <a:r>
+              <a:rPr sz="1900" dirty="0"/>
+              <a:t>Jules: no separate public subscription on its own page; usage limits are tied to AI Pro/Ultra tiers.</a:t>
             </a:r>
           </a:p>
         </p:txBody>
@@ -4167,8 +4196,8 @@
         </p:nvSpPr>
         <p:spPr>
           <a:xfrm>
-            <a:off x="8238744" y="4416552"/>
-            <a:ext cx="3675887" cy="2212848"/>
+            <a:off x="5469232" y="4632469"/>
+            <a:ext cx="3263287" cy="1950893"/>
           </a:xfrm>
           <a:prstGeom prst="roundRect">
             <a:avLst/>
@@ -4202,12 +4231,13 @@
           <a:lstStyle/>
           <a:p>
             <a:pPr algn="ctr"/>
+            <a:endParaRPr/>
           </a:p>
         </p:txBody>
       </p:sp>
       <p:pic>
         <p:nvPicPr>
-          <p:cNvPr id="5" name="Picture 4" descr="sim_mujoco_2_weighted_astar.png"/>
+          <p:cNvPr id="5" name="Picture 4" descr="sim_mujoco_1_astar.png"/>
           <p:cNvPicPr>
             <a:picLocks noChangeAspect="1"/>
           </p:cNvPicPr>
@@ -4221,8 +4251,8 @@
         </p:blipFill>
         <p:spPr>
           <a:xfrm>
-            <a:off x="8284464" y="4462272"/>
-            <a:ext cx="3584448" cy="2121408"/>
+            <a:off x="5504688" y="4654351"/>
+            <a:ext cx="3182112" cy="1883291"/>
           </a:xfrm>
           <a:prstGeom prst="rect">
             <a:avLst/>
@@ -4259,7 +4289,7 @@
               </a:defRPr>
             </a:pPr>
             <a:r>
-              <a:t>Refs: https://developers.openai.com/codex/cli/slash-commands/ | https://developers.openai.com/codex/config-reference/ | https://commons.wikimedia.org/wiki/File:Big_dog_military_robots.jpg</a:t>
+              <a:t>Refs: https://chatgpt.com/plus/pricing | https://github.com/features/copilot/plans | https://developers.google.com/program/plans-and-pricing</a:t>
             </a:r>
           </a:p>
         </p:txBody>
@@ -4273,7 +4303,7 @@
 </file>
 
 <file path=ppt/slides/slide15.xml><?xml version="1.0" encoding="utf-8"?>
-<p:sld xmlns:a="http://schemas.openxmlformats.org/drawingml/2006/main" xmlns:p="http://schemas.openxmlformats.org/presentationml/2006/main" xmlns:r="http://schemas.openxmlformats.org/officeDocument/2006/relationships">
+<p:sld xmlns:a="http://schemas.openxmlformats.org/drawingml/2006/main" xmlns:r="http://schemas.openxmlformats.org/officeDocument/2006/relationships" xmlns:p="http://schemas.openxmlformats.org/presentationml/2006/main">
   <p:cSld>
     <p:spTree>
       <p:nvGrpSpPr>
@@ -4281,7 +4311,14 @@
         <p:cNvGrpSpPr/>
         <p:nvPr/>
       </p:nvGrpSpPr>
-      <p:grpSpPr/>
+      <p:grpSpPr>
+        <a:xfrm>
+          <a:off x="0" y="0"/>
+          <a:ext cx="0" cy="0"/>
+          <a:chOff x="0" y="0"/>
+          <a:chExt cx="0" cy="0"/>
+        </a:xfrm>
+      </p:grpSpPr>
       <p:sp>
         <p:nvSpPr>
           <p:cNvPr id="2" name="Title 1"/>
@@ -4294,62 +4331,59 @@
         </p:nvSpPr>
         <p:spPr/>
         <p:txBody>
+          <a:bodyPr>
+            <a:normAutofit fontScale="90000"/>
+          </a:bodyPr>
+          <a:lstStyle/>
+          <a:p>
+            <a:r>
+              <a:t>Local Models: When and Why to Use Them</a:t>
+            </a:r>
+          </a:p>
+        </p:txBody>
+      </p:sp>
+      <p:sp>
+        <p:nvSpPr>
+          <p:cNvPr id="3" name="Content Placeholder 2"/>
+          <p:cNvSpPr>
+            <a:spLocks noGrp="1"/>
+          </p:cNvSpPr>
+          <p:nvPr>
+            <p:ph idx="1"/>
+          </p:nvPr>
+        </p:nvSpPr>
+        <p:spPr/>
+        <p:txBody>
           <a:bodyPr/>
           <a:lstStyle/>
           <a:p>
             <a:r>
-              <a:t>Subscription Prices Snapshot (US, Feb 26, 2026)</a:t>
-            </a:r>
-          </a:p>
-        </p:txBody>
-      </p:sp>
-      <p:sp>
-        <p:nvSpPr>
-          <p:cNvPr id="3" name="Content Placeholder 2"/>
-          <p:cNvSpPr>
-            <a:spLocks noGrp="1"/>
-          </p:cNvSpPr>
-          <p:nvPr>
-            <p:ph idx="1"/>
-          </p:nvPr>
-        </p:nvSpPr>
-        <p:spPr/>
-        <p:txBody>
-          <a:bodyPr/>
-          <a:lstStyle/>
-          <a:p>
-            <a:pPr/>
-            <a:r>
               <a:rPr sz="1900"/>
-              <a:t>As of Feb 26, 2026: OpenAI ChatGPT offers Plus, Pro, Business, and Enterprise tiers (see pricing page for current amounts).</a:t>
-            </a:r>
-          </a:p>
-          <a:p>
-            <a:pPr/>
+              <a:t>Codex supports local OSS providers (`--oss`) via Ollama or LM Studio in config.</a:t>
+            </a:r>
+          </a:p>
+          <a:p>
             <a:r>
               <a:rPr sz="1900"/>
-              <a:t>Codex CLI: no separate subscription; included with ChatGPT Plus/Pro/Business/Edu/Enterprise.</a:t>
-            </a:r>
-          </a:p>
-          <a:p>
-            <a:pPr/>
+              <a:t>OpenAI open-weight options include `gpt-oss-20b` and `gpt-oss-120b`; hardware needs depend on runtime and quantization setup.</a:t>
+            </a:r>
+          </a:p>
+          <a:p>
             <a:r>
               <a:rPr sz="1900"/>
-              <a:t>As of Feb 26, 2026: GitHub Copilot offers Pro, Pro+, Business, and Enterprise tiers (see pricing page for current amounts).</a:t>
-            </a:r>
-          </a:p>
-          <a:p>
-            <a:pPr/>
+              <a:t>Cost model shift: lower subscription dependence, higher compute/ops responsibility.</a:t>
+            </a:r>
+          </a:p>
+          <a:p>
             <a:r>
               <a:rPr sz="1900"/>
-              <a:t>As of Feb 26, 2026: Google AI offers Pro and Ultra tiers in the US (pricing/promotions can change).</a:t>
-            </a:r>
-          </a:p>
-          <a:p>
-            <a:pPr/>
+              <a:t>Best fit: privacy-sensitive data, air-gapped workflows, custom fine-tunes, deterministic local tooling.</a:t>
+            </a:r>
+          </a:p>
+          <a:p>
             <a:r>
               <a:rPr sz="1900"/>
-              <a:t>Jules: no separate public subscription on its own page; usage limits are tied to AI Pro/Ultra tiers.</a:t>
+              <a:t>Practical strategy: hybrid stack (local models for bulk loops, frontier models for critical reasoning).</a:t>
             </a:r>
           </a:p>
         </p:txBody>
@@ -4362,8 +4396,8 @@
         </p:nvSpPr>
         <p:spPr>
           <a:xfrm>
-            <a:off x="8238744" y="4416552"/>
-            <a:ext cx="3675887" cy="2212848"/>
+            <a:off x="5163427" y="4573603"/>
+            <a:ext cx="3263287" cy="1882061"/>
           </a:xfrm>
           <a:prstGeom prst="roundRect">
             <a:avLst/>
@@ -4397,12 +4431,13 @@
           <a:lstStyle/>
           <a:p>
             <a:pPr algn="ctr"/>
+            <a:endParaRPr/>
           </a:p>
         </p:txBody>
       </p:sp>
       <p:pic>
         <p:nvPicPr>
-          <p:cNvPr id="5" name="Picture 4" descr="sim_mujoco_1_astar.png"/>
+          <p:cNvPr id="5" name="Picture 4" descr="sim_mujoco_2_weighted_astar.png"/>
           <p:cNvPicPr>
             <a:picLocks noChangeAspect="1"/>
           </p:cNvPicPr>
@@ -4416,8 +4451,8 @@
         </p:blipFill>
         <p:spPr>
           <a:xfrm>
-            <a:off x="8284464" y="4462272"/>
-            <a:ext cx="3584448" cy="2121408"/>
+            <a:off x="5198883" y="4526653"/>
+            <a:ext cx="3182112" cy="1883291"/>
           </a:xfrm>
           <a:prstGeom prst="rect">
             <a:avLst/>
@@ -4454,7 +4489,7 @@
               </a:defRPr>
             </a:pPr>
             <a:r>
-              <a:t>Refs: https://chatgpt.com/plus/pricing | https://github.com/features/copilot/plans | https://developers.google.com/program/plans-and-pricing</a:t>
+              <a:t>Refs: https://developers.openai.com/codex/config-reference/ | https://github.com/ollama/ollama | https://lmstudio.ai/docs</a:t>
             </a:r>
           </a:p>
         </p:txBody>
@@ -4468,7 +4503,7 @@
 </file>
 
 <file path=ppt/slides/slide16.xml><?xml version="1.0" encoding="utf-8"?>
-<p:sld xmlns:a="http://schemas.openxmlformats.org/drawingml/2006/main" xmlns:p="http://schemas.openxmlformats.org/presentationml/2006/main" xmlns:r="http://schemas.openxmlformats.org/officeDocument/2006/relationships">
+<p:sld xmlns:a="http://schemas.openxmlformats.org/drawingml/2006/main" xmlns:r="http://schemas.openxmlformats.org/officeDocument/2006/relationships" xmlns:p="http://schemas.openxmlformats.org/presentationml/2006/main">
   <p:cSld>
     <p:spTree>
       <p:nvGrpSpPr>
@@ -4476,7 +4511,14 @@
         <p:cNvGrpSpPr/>
         <p:nvPr/>
       </p:nvGrpSpPr>
-      <p:grpSpPr/>
+      <p:grpSpPr>
+        <a:xfrm>
+          <a:off x="0" y="0"/>
+          <a:ext cx="0" cy="0"/>
+          <a:chOff x="0" y="0"/>
+          <a:chExt cx="0" cy="0"/>
+        </a:xfrm>
+      </p:grpSpPr>
       <p:sp>
         <p:nvSpPr>
           <p:cNvPr id="2" name="Title 1"/>
@@ -4489,62 +4531,59 @@
         </p:nvSpPr>
         <p:spPr/>
         <p:txBody>
+          <a:bodyPr>
+            <a:normAutofit fontScale="90000"/>
+          </a:bodyPr>
+          <a:lstStyle/>
+          <a:p>
+            <a:r>
+              <a:t>Role Split: Planner vs Implementer vs Reviewer</a:t>
+            </a:r>
+          </a:p>
+        </p:txBody>
+      </p:sp>
+      <p:sp>
+        <p:nvSpPr>
+          <p:cNvPr id="3" name="Content Placeholder 2"/>
+          <p:cNvSpPr>
+            <a:spLocks noGrp="1"/>
+          </p:cNvSpPr>
+          <p:nvPr>
+            <p:ph idx="1"/>
+          </p:nvPr>
+        </p:nvSpPr>
+        <p:spPr/>
+        <p:txBody>
           <a:bodyPr/>
           <a:lstStyle/>
           <a:p>
             <a:r>
-              <a:t>Local Models: When and Why to Use Them</a:t>
-            </a:r>
-          </a:p>
-        </p:txBody>
-      </p:sp>
-      <p:sp>
-        <p:nvSpPr>
-          <p:cNvPr id="3" name="Content Placeholder 2"/>
-          <p:cNvSpPr>
-            <a:spLocks noGrp="1"/>
-          </p:cNvSpPr>
-          <p:nvPr>
-            <p:ph idx="1"/>
-          </p:nvPr>
-        </p:nvSpPr>
-        <p:spPr/>
-        <p:txBody>
-          <a:bodyPr/>
-          <a:lstStyle/>
-          <a:p>
-            <a:pPr/>
-            <a:r>
-              <a:rPr sz="1900"/>
-              <a:t>Codex supports local OSS providers (`--oss`) via Ollama or LM Studio in config.</a:t>
-            </a:r>
-          </a:p>
-          <a:p>
-            <a:pPr/>
-            <a:r>
-              <a:rPr sz="1900"/>
-              <a:t>OpenAI open-weight options include `gpt-oss-20b` and `gpt-oss-120b`; hardware needs depend on runtime and quantization setup.</a:t>
-            </a:r>
-          </a:p>
-          <a:p>
-            <a:pPr/>
-            <a:r>
-              <a:rPr sz="1900"/>
-              <a:t>Cost model shift: lower subscription dependence, higher compute/ops responsibility.</a:t>
-            </a:r>
-          </a:p>
-          <a:p>
-            <a:pPr/>
-            <a:r>
-              <a:rPr sz="1900"/>
-              <a:t>Best fit: privacy-sensitive data, air-gapped workflows, custom fine-tunes, deterministic local tooling.</a:t>
-            </a:r>
-          </a:p>
-          <a:p>
-            <a:pPr/>
-            <a:r>
-              <a:rPr sz="1900"/>
-              <a:t>Practical strategy: hybrid stack (local models for bulk loops, frontier models for critical reasoning).</a:t>
+              <a:rPr sz="2400"/>
+              <a:t>Planner: defines task DAG, dependencies, and rollback logic</a:t>
+            </a:r>
+          </a:p>
+          <a:p>
+            <a:r>
+              <a:rPr sz="2400"/>
+              <a:t>Implementer: ships smallest safe patches per task node</a:t>
+            </a:r>
+          </a:p>
+          <a:p>
+            <a:r>
+              <a:rPr sz="2400"/>
+              <a:t>Reviewer: adversarial check for bugs, security, regressions</a:t>
+            </a:r>
+          </a:p>
+          <a:p>
+            <a:r>
+              <a:rPr sz="2400"/>
+              <a:t>Release agent (optional): changelog, versioning, deployment notes</a:t>
+            </a:r>
+          </a:p>
+          <a:p>
+            <a:r>
+              <a:rPr sz="2400"/>
+              <a:t>Human remains accountable for risk decisions and shipping</a:t>
             </a:r>
           </a:p>
         </p:txBody>
@@ -4557,8 +4596,8 @@
         </p:nvSpPr>
         <p:spPr>
           <a:xfrm>
-            <a:off x="8238744" y="4416552"/>
-            <a:ext cx="3675887" cy="2212848"/>
+            <a:off x="5377333" y="4379713"/>
+            <a:ext cx="3227831" cy="1929012"/>
           </a:xfrm>
           <a:prstGeom prst="roundRect">
             <a:avLst/>
@@ -4592,12 +4631,13 @@
           <a:lstStyle/>
           <a:p>
             <a:pPr algn="ctr"/>
+            <a:endParaRPr/>
           </a:p>
         </p:txBody>
       </p:sp>
       <p:pic>
         <p:nvPicPr>
-          <p:cNvPr id="5" name="Picture 4" descr="sim_mujoco_2_weighted_astar.png"/>
+          <p:cNvPr id="5" name="Picture 4" descr="sim_mujoco_3_fringe_search.png"/>
           <p:cNvPicPr>
             <a:picLocks noChangeAspect="1"/>
           </p:cNvPicPr>
@@ -4611,8 +4651,8 @@
         </p:blipFill>
         <p:spPr>
           <a:xfrm>
-            <a:off x="8284464" y="4462272"/>
-            <a:ext cx="3584448" cy="2121408"/>
+            <a:off x="5377333" y="4379713"/>
+            <a:ext cx="3182112" cy="1883291"/>
           </a:xfrm>
           <a:prstGeom prst="rect">
             <a:avLst/>
@@ -4649,7 +4689,7 @@
               </a:defRPr>
             </a:pPr>
             <a:r>
-              <a:t>Refs: https://developers.openai.com/codex/config-reference/ | https://github.com/ollama/ollama | https://lmstudio.ai/docs</a:t>
+              <a:t>Refs: https://developers.openai.com/codex/guides/agents-sdk/ | https://docs.github.com/en/pull-requests | https://commons.wikimedia.org/wiki/File:BPMN-2d.svg</a:t>
             </a:r>
           </a:p>
         </p:txBody>
@@ -4691,57 +4731,59 @@
         </p:nvSpPr>
         <p:spPr/>
         <p:txBody>
+          <a:bodyPr>
+            <a:normAutofit fontScale="90000"/>
+          </a:bodyPr>
+          <a:lstStyle/>
+          <a:p>
+            <a:r>
+              <a:t>Codex Spawn Tree: Agents, Subagents, Max Depth</a:t>
+            </a:r>
+          </a:p>
+        </p:txBody>
+      </p:sp>
+      <p:sp>
+        <p:nvSpPr>
+          <p:cNvPr id="3" name="Content Placeholder 2"/>
+          <p:cNvSpPr>
+            <a:spLocks noGrp="1"/>
+          </p:cNvSpPr>
+          <p:nvPr>
+            <p:ph idx="1"/>
+          </p:nvPr>
+        </p:nvSpPr>
+        <p:spPr/>
+        <p:txBody>
           <a:bodyPr/>
           <a:lstStyle/>
           <a:p>
             <a:r>
-              <a:t>Role Split: Planner vs Implementer vs Reviewer</a:t>
-            </a:r>
-          </a:p>
-        </p:txBody>
-      </p:sp>
-      <p:sp>
-        <p:nvSpPr>
-          <p:cNvPr id="3" name="Content Placeholder 2"/>
-          <p:cNvSpPr>
-            <a:spLocks noGrp="1"/>
-          </p:cNvSpPr>
-          <p:nvPr>
-            <p:ph idx="1"/>
-          </p:nvPr>
-        </p:nvSpPr>
-        <p:spPr/>
-        <p:txBody>
-          <a:bodyPr/>
-          <a:lstStyle/>
-          <a:p>
-            <a:r>
-              <a:rPr sz="2400"/>
-              <a:t>Planner: defines task DAG, dependencies, and rollback logic</a:t>
-            </a:r>
-          </a:p>
-          <a:p>
-            <a:r>
-              <a:rPr sz="2400"/>
-              <a:t>Implementer: ships smallest safe patches per task node</a:t>
-            </a:r>
-          </a:p>
-          <a:p>
-            <a:r>
-              <a:rPr sz="2400"/>
-              <a:t>Reviewer: adversarial check for bugs, security, regressions</a:t>
-            </a:r>
-          </a:p>
-          <a:p>
-            <a:r>
-              <a:rPr sz="2400"/>
-              <a:t>Release agent (optional): changelog, versioning, deployment notes</a:t>
-            </a:r>
-          </a:p>
-          <a:p>
-            <a:r>
-              <a:rPr sz="2400"/>
-              <a:t>Human remains accountable for risk decisions and shipping</a:t>
+              <a:rPr sz="2000"/>
+              <a:t>Root session starts at depth 0; parent can spawn child agents for parallel tasks.</a:t>
+            </a:r>
+          </a:p>
+          <a:p>
+            <a:r>
+              <a:rPr sz="2000"/>
+              <a:t>Children can spawn subagents recursively only when depth budget allows.</a:t>
+            </a:r>
+          </a:p>
+          <a:p>
+            <a:r>
+              <a:rPr sz="2000"/>
+              <a:t>`agents.max_depth` limits nesting; verify the current default for your installed Codex version.</a:t>
+            </a:r>
+          </a:p>
+          <a:p>
+            <a:r>
+              <a:rPr sz="2000"/>
+              <a:t>`agents.max_threads` limits concurrent open agent threads to avoid overload.</a:t>
+            </a:r>
+          </a:p>
+          <a:p>
+            <a:r>
+              <a:rPr sz="2000"/>
+              <a:t>Parent orchestrates lifecycle with spawn/send_input/wait/resume/close and merges outputs.</a:t>
             </a:r>
           </a:p>
         </p:txBody>
@@ -4754,8 +4796,208 @@
         </p:nvSpPr>
         <p:spPr>
           <a:xfrm>
-            <a:off x="8238744" y="4416552"/>
-            <a:ext cx="3675887" cy="2212848"/>
+            <a:off x="5814265" y="4425061"/>
+            <a:ext cx="2670048" cy="1938528"/>
+          </a:xfrm>
+          <a:prstGeom prst="roundRect">
+            <a:avLst/>
+          </a:prstGeom>
+          <a:solidFill>
+            <a:srgbClr val="141B2C"/>
+          </a:solidFill>
+          <a:ln w="13970">
+            <a:solidFill>
+              <a:srgbClr val="465C84"/>
+            </a:solidFill>
+          </a:ln>
+          <a:effectLst/>
+        </p:spPr>
+        <p:style>
+          <a:lnRef idx="1">
+            <a:schemeClr val="accent1"/>
+          </a:lnRef>
+          <a:fillRef idx="3">
+            <a:schemeClr val="accent1"/>
+          </a:fillRef>
+          <a:effectRef idx="2">
+            <a:schemeClr val="accent1"/>
+          </a:effectRef>
+          <a:fontRef idx="minor">
+            <a:schemeClr val="lt1"/>
+          </a:fontRef>
+        </p:style>
+        <p:txBody>
+          <a:bodyPr rtlCol="0" anchor="ctr"/>
+          <a:lstStyle/>
+          <a:p>
+            <a:pPr algn="ctr"/>
+            <a:endParaRPr/>
+          </a:p>
+        </p:txBody>
+      </p:sp>
+      <p:pic>
+        <p:nvPicPr>
+          <p:cNvPr id="5" name="Picture 4" descr="planning_loop.png"/>
+          <p:cNvPicPr>
+            <a:picLocks noChangeAspect="1"/>
+          </p:cNvPicPr>
+          <p:nvPr/>
+        </p:nvPicPr>
+        <p:blipFill>
+          <a:blip r:embed="rId2"/>
+          <a:stretch>
+            <a:fillRect/>
+          </a:stretch>
+        </p:blipFill>
+        <p:spPr>
+          <a:xfrm>
+            <a:off x="5869129" y="4479925"/>
+            <a:ext cx="2560320" cy="1828800"/>
+          </a:xfrm>
+          <a:prstGeom prst="rect">
+            <a:avLst/>
+          </a:prstGeom>
+        </p:spPr>
+      </p:pic>
+      <p:sp>
+        <p:nvSpPr>
+          <p:cNvPr id="6" name="TextBox 5"/>
+          <p:cNvSpPr txBox="1"/>
+          <p:nvPr/>
+        </p:nvSpPr>
+        <p:spPr>
+          <a:xfrm>
+            <a:off x="256032" y="6455664"/>
+            <a:ext cx="11686032" cy="310896"/>
+          </a:xfrm>
+          <a:prstGeom prst="rect">
+            <a:avLst/>
+          </a:prstGeom>
+          <a:noFill/>
+        </p:spPr>
+        <p:txBody>
+          <a:bodyPr wrap="none">
+            <a:spAutoFit/>
+          </a:bodyPr>
+          <a:lstStyle/>
+          <a:p>
+            <a:pPr>
+              <a:defRPr sz="650">
+                <a:solidFill>
+                  <a:srgbClr val="757B88"/>
+                </a:solidFill>
+              </a:defRPr>
+            </a:pPr>
+            <a:r>
+              <a:t>Refs: https://developers.openai.com/codex/config-reference/ | https://developers.openai.com/codex/guides/agents-sdk/ | https://commons.wikimedia.org/wiki/File:Data_and_Media_Partnerships_Workflow_v2.svg</a:t>
+            </a:r>
+          </a:p>
+        </p:txBody>
+      </p:sp>
+    </p:spTree>
+  </p:cSld>
+  <p:clrMapOvr>
+    <a:masterClrMapping/>
+  </p:clrMapOvr>
+</p:sld>
+</file>
+
+<file path=ppt/slides/slide18.xml><?xml version="1.0" encoding="utf-8"?>
+<p:sld xmlns:a="http://schemas.openxmlformats.org/drawingml/2006/main" xmlns:r="http://schemas.openxmlformats.org/officeDocument/2006/relationships" xmlns:p="http://schemas.openxmlformats.org/presentationml/2006/main">
+  <p:cSld>
+    <p:spTree>
+      <p:nvGrpSpPr>
+        <p:cNvPr id="1" name=""/>
+        <p:cNvGrpSpPr/>
+        <p:nvPr/>
+      </p:nvGrpSpPr>
+      <p:grpSpPr>
+        <a:xfrm>
+          <a:off x="0" y="0"/>
+          <a:ext cx="0" cy="0"/>
+          <a:chOff x="0" y="0"/>
+          <a:chExt cx="0" cy="0"/>
+        </a:xfrm>
+      </p:grpSpPr>
+      <p:sp>
+        <p:nvSpPr>
+          <p:cNvPr id="2" name="Title 1"/>
+          <p:cNvSpPr>
+            <a:spLocks noGrp="1"/>
+          </p:cNvSpPr>
+          <p:nvPr>
+            <p:ph type="title"/>
+          </p:nvPr>
+        </p:nvSpPr>
+        <p:spPr/>
+        <p:txBody>
+          <a:bodyPr>
+            <a:normAutofit fontScale="90000"/>
+          </a:bodyPr>
+          <a:lstStyle/>
+          <a:p>
+            <a:r>
+              <a:t>Codex Agent Types and Why This Is Marvelous</a:t>
+            </a:r>
+          </a:p>
+        </p:txBody>
+      </p:sp>
+      <p:sp>
+        <p:nvSpPr>
+          <p:cNvPr id="3" name="Content Placeholder 2"/>
+          <p:cNvSpPr>
+            <a:spLocks noGrp="1"/>
+          </p:cNvSpPr>
+          <p:nvPr>
+            <p:ph idx="1"/>
+          </p:nvPr>
+        </p:nvSpPr>
+        <p:spPr/>
+        <p:txBody>
+          <a:bodyPr/>
+          <a:lstStyle/>
+          <a:p>
+            <a:r>
+              <a:rPr sz="2000"/>
+              <a:t>Built-in agent types include `default`, `worker`, `explorer`, and `awaiter` (custom types may also be configured).</a:t>
+            </a:r>
+          </a:p>
+          <a:p>
+            <a:r>
+              <a:rPr sz="2000"/>
+              <a:t>`worker` focuses on execution/fixes; `explorer` on read-heavy discovery; `awaiter` handles long-running waits/polling.</a:t>
+            </a:r>
+          </a:p>
+          <a:p>
+            <a:r>
+              <a:rPr sz="2000"/>
+              <a:t>Each role can have its own model, reasoning effort, sandbox mode, and instructions.</a:t>
+            </a:r>
+          </a:p>
+          <a:p>
+            <a:r>
+              <a:rPr sz="2000"/>
+              <a:t>Marvelous effect: role specialization + parallelism reduces context rot and increases throughput.</a:t>
+            </a:r>
+          </a:p>
+          <a:p>
+            <a:r>
+              <a:rPr sz="2000"/>
+              <a:t>You keep control with depth/thread limits and permissions while still moving much faster.</a:t>
+            </a:r>
+          </a:p>
+        </p:txBody>
+      </p:sp>
+      <p:sp>
+        <p:nvSpPr>
+          <p:cNvPr id="4" name="Rounded Rectangle 3"/>
+          <p:cNvSpPr/>
+          <p:nvPr/>
+        </p:nvSpPr>
+        <p:spPr>
+          <a:xfrm>
+            <a:off x="5839621" y="4665007"/>
+            <a:ext cx="3120555" cy="1689431"/>
           </a:xfrm>
           <a:prstGeom prst="roundRect">
             <a:avLst/>
@@ -4789,12 +5031,13 @@
           <a:lstStyle/>
           <a:p>
             <a:pPr algn="ctr"/>
+            <a:endParaRPr/>
           </a:p>
         </p:txBody>
       </p:sp>
       <p:pic>
         <p:nvPicPr>
-          <p:cNvPr id="5" name="Picture 4" descr="sim_mujoco_3_fringe_search.png"/>
+          <p:cNvPr id="5" name="Picture 4" descr="sim_snapshot_2_weighted_astar.png"/>
           <p:cNvPicPr>
             <a:picLocks noChangeAspect="1"/>
           </p:cNvPicPr>
@@ -4808,8 +5051,8 @@
         </p:blipFill>
         <p:spPr>
           <a:xfrm>
-            <a:off x="8284464" y="4462272"/>
-            <a:ext cx="3584448" cy="2121408"/>
+            <a:off x="5885342" y="4651037"/>
+            <a:ext cx="2801458" cy="1657688"/>
           </a:xfrm>
           <a:prstGeom prst="rect">
             <a:avLst/>
@@ -4846,202 +5089,7 @@
               </a:defRPr>
             </a:pPr>
             <a:r>
-              <a:t>Refs: https://developers.openai.com/codex/guides/agents-sdk/ | https://docs.github.com/en/pull-requests | https://commons.wikimedia.org/wiki/File:BPMN-2d.svg</a:t>
-            </a:r>
-          </a:p>
-        </p:txBody>
-      </p:sp>
-    </p:spTree>
-  </p:cSld>
-  <p:clrMapOvr>
-    <a:masterClrMapping/>
-  </p:clrMapOvr>
-</p:sld>
-</file>
-
-<file path=ppt/slides/slide18.xml><?xml version="1.0" encoding="utf-8"?>
-<p:sld xmlns:a="http://schemas.openxmlformats.org/drawingml/2006/main" xmlns:p="http://schemas.openxmlformats.org/presentationml/2006/main" xmlns:r="http://schemas.openxmlformats.org/officeDocument/2006/relationships">
-  <p:cSld>
-    <p:spTree>
-      <p:nvGrpSpPr>
-        <p:cNvPr id="1" name=""/>
-        <p:cNvGrpSpPr/>
-        <p:nvPr/>
-      </p:nvGrpSpPr>
-      <p:grpSpPr/>
-      <p:sp>
-        <p:nvSpPr>
-          <p:cNvPr id="2" name="Title 1"/>
-          <p:cNvSpPr>
-            <a:spLocks noGrp="1"/>
-          </p:cNvSpPr>
-          <p:nvPr>
-            <p:ph type="title"/>
-          </p:nvPr>
-        </p:nvSpPr>
-        <p:spPr/>
-        <p:txBody>
-          <a:bodyPr/>
-          <a:lstStyle/>
-          <a:p>
-            <a:r>
-              <a:t>Codex Spawn Tree: Agents, Subagents, Max Depth</a:t>
-            </a:r>
-          </a:p>
-        </p:txBody>
-      </p:sp>
-      <p:sp>
-        <p:nvSpPr>
-          <p:cNvPr id="3" name="Content Placeholder 2"/>
-          <p:cNvSpPr>
-            <a:spLocks noGrp="1"/>
-          </p:cNvSpPr>
-          <p:nvPr>
-            <p:ph idx="1"/>
-          </p:nvPr>
-        </p:nvSpPr>
-        <p:spPr/>
-        <p:txBody>
-          <a:bodyPr/>
-          <a:lstStyle/>
-          <a:p>
-            <a:pPr/>
-            <a:r>
-              <a:rPr sz="2000"/>
-              <a:t>Root session starts at depth 0; parent can spawn child agents for parallel tasks.</a:t>
-            </a:r>
-          </a:p>
-          <a:p>
-            <a:pPr/>
-            <a:r>
-              <a:rPr sz="2000"/>
-              <a:t>Children can spawn subagents recursively only when depth budget allows.</a:t>
-            </a:r>
-          </a:p>
-          <a:p>
-            <a:pPr/>
-            <a:r>
-              <a:rPr sz="2000"/>
-              <a:t>`agents.max_depth` limits nesting; verify the current default for your installed Codex version.</a:t>
-            </a:r>
-          </a:p>
-          <a:p>
-            <a:pPr/>
-            <a:r>
-              <a:rPr sz="2000"/>
-              <a:t>`agents.max_threads` limits concurrent open agent threads to avoid overload.</a:t>
-            </a:r>
-          </a:p>
-          <a:p>
-            <a:pPr/>
-            <a:r>
-              <a:rPr sz="2000"/>
-              <a:t>Parent orchestrates lifecycle with spawn/send_input/wait/resume/close and merges outputs.</a:t>
-            </a:r>
-          </a:p>
-        </p:txBody>
-      </p:sp>
-      <p:sp>
-        <p:nvSpPr>
-          <p:cNvPr id="4" name="Rounded Rectangle 3"/>
-          <p:cNvSpPr/>
-          <p:nvPr/>
-        </p:nvSpPr>
-        <p:spPr>
-          <a:xfrm>
-            <a:off x="6163056" y="1591056"/>
-            <a:ext cx="2670048" cy="1938528"/>
-          </a:xfrm>
-          <a:prstGeom prst="roundRect">
-            <a:avLst/>
-          </a:prstGeom>
-          <a:solidFill>
-            <a:srgbClr val="141B2C"/>
-          </a:solidFill>
-          <a:ln w="13970">
-            <a:solidFill>
-              <a:srgbClr val="465C84"/>
-            </a:solidFill>
-          </a:ln>
-          <a:effectLst/>
-        </p:spPr>
-        <p:style>
-          <a:lnRef idx="1">
-            <a:schemeClr val="accent1"/>
-          </a:lnRef>
-          <a:fillRef idx="3">
-            <a:schemeClr val="accent1"/>
-          </a:fillRef>
-          <a:effectRef idx="2">
-            <a:schemeClr val="accent1"/>
-          </a:effectRef>
-          <a:fontRef idx="minor">
-            <a:schemeClr val="lt1"/>
-          </a:fontRef>
-        </p:style>
-        <p:txBody>
-          <a:bodyPr rtlCol="0" anchor="ctr"/>
-          <a:lstStyle/>
-          <a:p>
-            <a:pPr algn="ctr"/>
-          </a:p>
-        </p:txBody>
-      </p:sp>
-      <p:pic>
-        <p:nvPicPr>
-          <p:cNvPr id="5" name="Picture 4" descr="planning_loop.png"/>
-          <p:cNvPicPr>
-            <a:picLocks noChangeAspect="1"/>
-          </p:cNvPicPr>
-          <p:nvPr/>
-        </p:nvPicPr>
-        <p:blipFill>
-          <a:blip r:embed="rId2"/>
-          <a:stretch>
-            <a:fillRect/>
-          </a:stretch>
-        </p:blipFill>
-        <p:spPr>
-          <a:xfrm>
-            <a:off x="6217920" y="1645920"/>
-            <a:ext cx="2560320" cy="1828800"/>
-          </a:xfrm>
-          <a:prstGeom prst="rect">
-            <a:avLst/>
-          </a:prstGeom>
-        </p:spPr>
-      </p:pic>
-      <p:sp>
-        <p:nvSpPr>
-          <p:cNvPr id="6" name="TextBox 5"/>
-          <p:cNvSpPr txBox="1"/>
-          <p:nvPr/>
-        </p:nvSpPr>
-        <p:spPr>
-          <a:xfrm>
-            <a:off x="256032" y="6455664"/>
-            <a:ext cx="11686032" cy="310896"/>
-          </a:xfrm>
-          <a:prstGeom prst="rect">
-            <a:avLst/>
-          </a:prstGeom>
-          <a:noFill/>
-        </p:spPr>
-        <p:txBody>
-          <a:bodyPr wrap="none">
-            <a:spAutoFit/>
-          </a:bodyPr>
-          <a:lstStyle/>
-          <a:p>
-            <a:pPr>
-              <a:defRPr sz="650">
-                <a:solidFill>
-                  <a:srgbClr val="757B88"/>
-                </a:solidFill>
-              </a:defRPr>
-            </a:pPr>
-            <a:r>
-              <a:t>Refs: https://developers.openai.com/codex/config-reference/ | https://developers.openai.com/codex/guides/agents-sdk/ | https://commons.wikimedia.org/wiki/File:Data_and_Media_Partnerships_Workflow_v2.svg</a:t>
+              <a:t>Refs: https://developers.openai.com/codex/config-reference/ | https://developers.openai.com/codex/concepts/customization/ | https://commons.wikimedia.org/wiki/File:SIPOC_diagram.jpg</a:t>
             </a:r>
           </a:p>
         </p:txBody>
@@ -5055,7 +5103,7 @@
 </file>
 
 <file path=ppt/slides/slide19.xml><?xml version="1.0" encoding="utf-8"?>
-<p:sld xmlns:a="http://schemas.openxmlformats.org/drawingml/2006/main" xmlns:p="http://schemas.openxmlformats.org/presentationml/2006/main" xmlns:r="http://schemas.openxmlformats.org/officeDocument/2006/relationships">
+<p:sld xmlns:a="http://schemas.openxmlformats.org/drawingml/2006/main" xmlns:r="http://schemas.openxmlformats.org/officeDocument/2006/relationships" xmlns:p="http://schemas.openxmlformats.org/presentationml/2006/main">
   <p:cSld>
     <p:spTree>
       <p:nvGrpSpPr>
@@ -5063,7 +5111,14 @@
         <p:cNvGrpSpPr/>
         <p:nvPr/>
       </p:nvGrpSpPr>
-      <p:grpSpPr/>
+      <p:grpSpPr>
+        <a:xfrm>
+          <a:off x="0" y="0"/>
+          <a:ext cx="0" cy="0"/>
+          <a:chOff x="0" y="0"/>
+          <a:chExt cx="0" cy="0"/>
+        </a:xfrm>
+      </p:grpSpPr>
       <p:sp>
         <p:nvSpPr>
           <p:cNvPr id="2" name="Title 1"/>
@@ -5080,7 +5135,7 @@
           <a:lstStyle/>
           <a:p>
             <a:r>
-              <a:t>Codex Agent Types and Why This Is Marvelous</a:t>
+              <a:t>Hardcore Orchestration Pattern</a:t>
             </a:r>
           </a:p>
         </p:txBody>
@@ -5100,38 +5155,33 @@
           <a:bodyPr/>
           <a:lstStyle/>
           <a:p>
-            <a:pPr/>
-            <a:r>
-              <a:rPr sz="2000"/>
-              <a:t>Built-in agent types include `default`, `worker`, `explorer`, and `awaiter` (custom types may also be configured).</a:t>
-            </a:r>
-          </a:p>
-          <a:p>
-            <a:pPr/>
-            <a:r>
-              <a:rPr sz="2000"/>
-              <a:t>`worker` focuses on execution/fixes; `explorer` on read-heavy discovery; `awaiter` handles long-running waits/polling.</a:t>
-            </a:r>
-          </a:p>
-          <a:p>
-            <a:pPr/>
-            <a:r>
-              <a:rPr sz="2000"/>
-              <a:t>Each role can have its own model, reasoning effort, sandbox mode, and instructions.</a:t>
-            </a:r>
-          </a:p>
-          <a:p>
-            <a:pPr/>
-            <a:r>
-              <a:rPr sz="2000"/>
-              <a:t>Marvelous effect: role specialization + parallelism reduces context rot and increases throughput.</a:t>
-            </a:r>
-          </a:p>
-          <a:p>
-            <a:pPr/>
-            <a:r>
-              <a:rPr sz="2000"/>
-              <a:t>You keep control with depth/thread limits and permissions while still moving much faster.</a:t>
+            <a:r>
+              <a:rPr sz="2400"/>
+              <a:t>1) Set measurable goal and explicit stop conditions</a:t>
+            </a:r>
+          </a:p>
+          <a:p>
+            <a:r>
+              <a:rPr sz="2400"/>
+              <a:t>2) Spawn parallel implementers on isolated branches</a:t>
+            </a:r>
+          </a:p>
+          <a:p>
+            <a:r>
+              <a:rPr sz="2400"/>
+              <a:t>3) Run automated checks after every patch</a:t>
+            </a:r>
+          </a:p>
+          <a:p>
+            <a:r>
+              <a:rPr sz="2400"/>
+              <a:t>4) Reviewer compares alternatives with evidence</a:t>
+            </a:r>
+          </a:p>
+          <a:p>
+            <a:r>
+              <a:rPr sz="2400"/>
+              <a:t>5) Approve based on test artifacts, not model confidence</a:t>
             </a:r>
           </a:p>
         </p:txBody>
@@ -5144,8 +5194,8 @@
         </p:nvSpPr>
         <p:spPr>
           <a:xfrm>
-            <a:off x="8238744" y="4416552"/>
-            <a:ext cx="3675887" cy="2212848"/>
+            <a:off x="5561814" y="4312446"/>
+            <a:ext cx="3298532" cy="1859437"/>
           </a:xfrm>
           <a:prstGeom prst="roundRect">
             <a:avLst/>
@@ -5179,12 +5229,13 @@
           <a:lstStyle/>
           <a:p>
             <a:pPr algn="ctr"/>
+            <a:endParaRPr/>
           </a:p>
         </p:txBody>
       </p:sp>
       <p:pic>
         <p:nvPicPr>
-          <p:cNvPr id="5" name="Picture 4" descr="sim_snapshot_2_weighted_astar.png"/>
+          <p:cNvPr id="5" name="Picture 4" descr="sim_snapshot_3_fringe_search.png"/>
           <p:cNvPicPr>
             <a:picLocks noChangeAspect="1"/>
           </p:cNvPicPr>
@@ -5198,8 +5249,8 @@
         </p:blipFill>
         <p:spPr>
           <a:xfrm>
-            <a:off x="8284464" y="4462272"/>
-            <a:ext cx="3584448" cy="2121408"/>
+            <a:off x="5598147" y="4222532"/>
+            <a:ext cx="3216480" cy="1903631"/>
           </a:xfrm>
           <a:prstGeom prst="rect">
             <a:avLst/>
@@ -5236,7 +5287,7 @@
               </a:defRPr>
             </a:pPr>
             <a:r>
-              <a:t>Refs: https://developers.openai.com/codex/config-reference/ | https://developers.openai.com/codex/concepts/customization/ | https://commons.wikimedia.org/wiki/File:SIPOC_diagram.jpg</a:t>
+              <a:t>Refs: https://developers.openai.com/codex/guides/agents-sdk/ | https://docs.github.com/en/actions | https://commons.wikimedia.org/wiki/File:ValueStreamMapParts.png</a:t>
             </a:r>
           </a:p>
         </p:txBody>
@@ -5303,31 +5354,26 @@
           <a:lstStyle/>
           <a:p>
             <a:r>
-              <a:rPr sz="2400"/>
-              <a:t>Date: Friday 27 February 2026 | Time: 11:00 (lunch at 12:00)</a:t>
-            </a:r>
-          </a:p>
-          <a:p>
-            <a:r>
-              <a:rPr sz="2400"/>
+              <a:rPr sz="2400" dirty="0"/>
+              <a:t>Date: Friday 27 February 2026 | Time: 11:00 </a:t>
+            </a:r>
+            <a:endParaRPr lang="en-US" sz="2400" dirty="0"/>
+          </a:p>
+          <a:p>
+            <a:r>
+              <a:rPr sz="2400" dirty="0"/>
               <a:t>Location: Elm House 214 + Teams</a:t>
             </a:r>
           </a:p>
           <a:p>
             <a:r>
-              <a:rPr sz="2400"/>
-              <a:t>Lead: Cesar Contreras</a:t>
-            </a:r>
-          </a:p>
-          <a:p>
-            <a:r>
-              <a:rPr sz="2400"/>
+              <a:rPr sz="2400" dirty="0"/>
               <a:t>Goal: practical multi-agent workflows for research code</a:t>
             </a:r>
           </a:p>
           <a:p>
             <a:r>
-              <a:rPr sz="2400"/>
+              <a:rPr sz="2400" dirty="0"/>
               <a:t>Outcome: repeatable path from idea to tested proof-of-concept</a:t>
             </a:r>
           </a:p>
@@ -5341,7 +5387,7 @@
         </p:nvSpPr>
         <p:spPr>
           <a:xfrm>
-            <a:off x="8238744" y="4416552"/>
+            <a:off x="4832605" y="4188270"/>
             <a:ext cx="3675887" cy="2212848"/>
           </a:xfrm>
           <a:prstGeom prst="roundRect">
@@ -5376,6 +5422,7 @@
           <a:lstStyle/>
           <a:p>
             <a:pPr algn="ctr"/>
+            <a:endParaRPr/>
           </a:p>
         </p:txBody>
       </p:sp>
@@ -5395,7 +5442,7 @@
         </p:blipFill>
         <p:spPr>
           <a:xfrm>
-            <a:off x="8284464" y="4462272"/>
+            <a:off x="4924044" y="4233990"/>
             <a:ext cx="3584448" cy="2121408"/>
           </a:xfrm>
           <a:prstGeom prst="rect">
@@ -5479,7 +5526,7 @@
           <a:lstStyle/>
           <a:p>
             <a:r>
-              <a:t>Hardcore Orchestration Pattern</a:t>
+              <a:t>skills.md / SKILL.md Patterns</a:t>
             </a:r>
           </a:p>
         </p:txBody>
@@ -5501,31 +5548,31 @@
           <a:p>
             <a:r>
               <a:rPr sz="2400"/>
-              <a:t>1) Set measurable goal and explicit stop conditions</a:t>
+              <a:t>Package repeatable workflows as skills: instructions + scripts + assets</a:t>
             </a:r>
           </a:p>
           <a:p>
             <a:r>
               <a:rPr sz="2400"/>
-              <a:t>2) Spawn parallel implementers on isolated branches</a:t>
+              <a:t>Keep skills narrow: setup, test triage, docs, release notes</a:t>
             </a:r>
           </a:p>
           <a:p>
             <a:r>
               <a:rPr sz="2400"/>
-              <a:t>3) Run automated checks after every patch</a:t>
+              <a:t>Embed deterministic scripts in scripts/ for repeatability</a:t>
             </a:r>
           </a:p>
           <a:p>
             <a:r>
               <a:rPr sz="2400"/>
-              <a:t>4) Reviewer compares alternatives with evidence</a:t>
+              <a:t>Use clear descriptions for reliable triggering</a:t>
             </a:r>
           </a:p>
           <a:p>
             <a:r>
               <a:rPr sz="2400"/>
-              <a:t>5) Approve based on test artifacts, not model confidence</a:t>
+              <a:t>Version and review skills with normal PR discipline</a:t>
             </a:r>
           </a:p>
         </p:txBody>
@@ -5538,8 +5585,8 @@
         </p:nvSpPr>
         <p:spPr>
           <a:xfrm>
-            <a:off x="8238744" y="4416552"/>
-            <a:ext cx="3675887" cy="2212848"/>
+            <a:off x="5580387" y="4360994"/>
+            <a:ext cx="2969726" cy="1765169"/>
           </a:xfrm>
           <a:prstGeom prst="roundRect">
             <a:avLst/>
@@ -5573,12 +5620,13 @@
           <a:lstStyle/>
           <a:p>
             <a:pPr algn="ctr"/>
+            <a:endParaRPr/>
           </a:p>
         </p:txBody>
       </p:sp>
       <p:pic>
         <p:nvPicPr>
-          <p:cNvPr id="5" name="Picture 4" descr="sim_snapshot_3_fringe_search.png"/>
+          <p:cNvPr id="5" name="Picture 4" descr="sim_snapshot_1_astar.png"/>
           <p:cNvPicPr>
             <a:picLocks noChangeAspect="1"/>
           </p:cNvPicPr>
@@ -5592,8 +5640,8 @@
         </p:blipFill>
         <p:spPr>
           <a:xfrm>
-            <a:off x="8284464" y="4462272"/>
-            <a:ext cx="3584448" cy="2121408"/>
+            <a:off x="5626106" y="4366572"/>
+            <a:ext cx="2895853" cy="1713872"/>
           </a:xfrm>
           <a:prstGeom prst="rect">
             <a:avLst/>
@@ -5630,7 +5678,7 @@
               </a:defRPr>
             </a:pPr>
             <a:r>
-              <a:t>Refs: https://developers.openai.com/codex/guides/agents-sdk/ | https://docs.github.com/en/actions | https://commons.wikimedia.org/wiki/File:ValueStreamMapParts.png</a:t>
+              <a:t>Refs: https://developers.openai.com/codex/skills/ | https://developers.openai.com/codex/concepts/customization/ | https://commons.wikimedia.org/wiki/File:Value_Stream_Mapping_map_015.jpg</a:t>
             </a:r>
           </a:p>
         </p:txBody>
@@ -5672,57 +5720,59 @@
         </p:nvSpPr>
         <p:spPr/>
         <p:txBody>
+          <a:bodyPr>
+            <a:normAutofit fontScale="90000"/>
+          </a:bodyPr>
+          <a:lstStyle/>
+          <a:p>
+            <a:r>
+              <a:t>How to Create a Skill (skill-creator Workflow)</a:t>
+            </a:r>
+          </a:p>
+        </p:txBody>
+      </p:sp>
+      <p:sp>
+        <p:nvSpPr>
+          <p:cNvPr id="3" name="Content Placeholder 2"/>
+          <p:cNvSpPr>
+            <a:spLocks noGrp="1"/>
+          </p:cNvSpPr>
+          <p:nvPr>
+            <p:ph idx="1"/>
+          </p:nvPr>
+        </p:nvSpPr>
+        <p:spPr/>
+        <p:txBody>
           <a:bodyPr/>
           <a:lstStyle/>
           <a:p>
             <a:r>
-              <a:t>skills.md / SKILL.md Patterns</a:t>
-            </a:r>
-          </a:p>
-        </p:txBody>
-      </p:sp>
-      <p:sp>
-        <p:nvSpPr>
-          <p:cNvPr id="3" name="Content Placeholder 2"/>
-          <p:cNvSpPr>
-            <a:spLocks noGrp="1"/>
-          </p:cNvSpPr>
-          <p:nvPr>
-            <p:ph idx="1"/>
-          </p:nvPr>
-        </p:nvSpPr>
-        <p:spPr/>
-        <p:txBody>
-          <a:bodyPr/>
-          <a:lstStyle/>
-          <a:p>
-            <a:r>
-              <a:rPr sz="2400"/>
-              <a:t>Package repeatable workflows as skills: instructions + scripts + assets</a:t>
-            </a:r>
-          </a:p>
-          <a:p>
-            <a:r>
-              <a:rPr sz="2400"/>
-              <a:t>Keep skills narrow: setup, test triage, docs, release notes</a:t>
-            </a:r>
-          </a:p>
-          <a:p>
-            <a:r>
-              <a:rPr sz="2400"/>
-              <a:t>Embed deterministic scripts in scripts/ for repeatability</a:t>
-            </a:r>
-          </a:p>
-          <a:p>
-            <a:r>
-              <a:rPr sz="2400"/>
-              <a:t>Use clear descriptions for reliable triggering</a:t>
-            </a:r>
-          </a:p>
-          <a:p>
-            <a:r>
-              <a:rPr sz="2400"/>
-              <a:t>Version and review skills with normal PR discipline</a:t>
+              <a:rPr sz="2000"/>
+              <a:t>1) Define concrete usage examples and identify reusable resources (scripts, references, assets).</a:t>
+            </a:r>
+          </a:p>
+          <a:p>
+            <a:r>
+              <a:rPr sz="2000"/>
+              <a:t>2) Initialize scaffold with `scripts/init_skill.py &lt;skill-name&gt; --path &lt;dir&gt; --resources ...`.</a:t>
+            </a:r>
+          </a:p>
+          <a:p>
+            <a:r>
+              <a:rPr sz="2000"/>
+              <a:t>3) Write `SKILL.md`: frontmatter only `name` + `description`; keep body concise and imperative.</a:t>
+            </a:r>
+          </a:p>
+          <a:p>
+            <a:r>
+              <a:rPr sz="2000"/>
+              <a:t>4) Add deterministic scripts, needed references, and optional assets; generate `agents/openai.yaml` metadata.</a:t>
+            </a:r>
+          </a:p>
+          <a:p>
+            <a:r>
+              <a:rPr sz="2000"/>
+              <a:t>5) Validate with `scripts/quick_validate.py &lt;skill-folder&gt;`, test scripts, then iterate from real usage feedback.</a:t>
             </a:r>
           </a:p>
         </p:txBody>
@@ -5735,8 +5785,8 @@
         </p:nvSpPr>
         <p:spPr>
           <a:xfrm>
-            <a:off x="8238744" y="4416552"/>
-            <a:ext cx="3675887" cy="2212848"/>
+            <a:off x="5693507" y="4846041"/>
+            <a:ext cx="2892257" cy="1508403"/>
           </a:xfrm>
           <a:prstGeom prst="roundRect">
             <a:avLst/>
@@ -5770,12 +5820,13 @@
           <a:lstStyle/>
           <a:p>
             <a:pPr algn="ctr"/>
+            <a:endParaRPr/>
           </a:p>
         </p:txBody>
       </p:sp>
       <p:pic>
         <p:nvPicPr>
-          <p:cNvPr id="5" name="Picture 4" descr="sim_snapshot_1_astar.png"/>
+          <p:cNvPr id="5" name="Picture 4" descr="sim_snapshot_2_weighted_astar.png"/>
           <p:cNvPicPr>
             <a:picLocks noChangeAspect="1"/>
           </p:cNvPicPr>
@@ -5789,8 +5840,8 @@
         </p:blipFill>
         <p:spPr>
           <a:xfrm>
-            <a:off x="8284464" y="4462272"/>
-            <a:ext cx="3584448" cy="2121408"/>
+            <a:off x="5739227" y="4639561"/>
+            <a:ext cx="2820311" cy="1669164"/>
           </a:xfrm>
           <a:prstGeom prst="rect">
             <a:avLst/>
@@ -5827,7 +5878,7 @@
               </a:defRPr>
             </a:pPr>
             <a:r>
-              <a:t>Refs: https://developers.openai.com/codex/skills/ | https://developers.openai.com/codex/concepts/customization/ | https://commons.wikimedia.org/wiki/File:Value_Stream_Mapping_map_015.jpg</a:t>
+              <a:t>Refs: https://developers.openai.com/codex/skills/ | https://developers.openai.com/codex/concepts/customization/ | https://commons.wikimedia.org/wiki/File:BPMN-2d.svg</a:t>
             </a:r>
           </a:p>
         </p:txBody>
@@ -5841,7 +5892,7 @@
 </file>
 
 <file path=ppt/slides/slide22.xml><?xml version="1.0" encoding="utf-8"?>
-<p:sld xmlns:a="http://schemas.openxmlformats.org/drawingml/2006/main" xmlns:p="http://schemas.openxmlformats.org/presentationml/2006/main" xmlns:r="http://schemas.openxmlformats.org/officeDocument/2006/relationships">
+<p:sld xmlns:a="http://schemas.openxmlformats.org/drawingml/2006/main" xmlns:r="http://schemas.openxmlformats.org/officeDocument/2006/relationships" xmlns:p="http://schemas.openxmlformats.org/presentationml/2006/main">
   <p:cSld>
     <p:spTree>
       <p:nvGrpSpPr>
@@ -5849,7 +5900,14 @@
         <p:cNvGrpSpPr/>
         <p:nvPr/>
       </p:nvGrpSpPr>
-      <p:grpSpPr/>
+      <p:grpSpPr>
+        <a:xfrm>
+          <a:off x="0" y="0"/>
+          <a:ext cx="0" cy="0"/>
+          <a:chOff x="0" y="0"/>
+          <a:chExt cx="0" cy="0"/>
+        </a:xfrm>
+      </p:grpSpPr>
       <p:sp>
         <p:nvSpPr>
           <p:cNvPr id="2" name="Title 1"/>
@@ -5866,7 +5924,7 @@
           <a:lstStyle/>
           <a:p>
             <a:r>
-              <a:t>How to Create a Skill (skill-creator Workflow)</a:t>
+              <a:t>Skill Spotlight: create-plan</a:t>
             </a:r>
           </a:p>
         </p:txBody>
@@ -5886,38 +5944,33 @@
           <a:bodyPr/>
           <a:lstStyle/>
           <a:p>
-            <a:pPr/>
             <a:r>
               <a:rPr sz="2000"/>
-              <a:t>1) Define concrete usage examples and identify reusable resources (scripts, references, assets).</a:t>
-            </a:r>
-          </a:p>
-          <a:p>
-            <a:pPr/>
+              <a:t>Purpose: generate a concise, actionable plan when planning is explicitly requested.</a:t>
+            </a:r>
+          </a:p>
+          <a:p>
             <a:r>
               <a:rPr sz="2000"/>
-              <a:t>2) Initialize scaffold with `scripts/init_skill.py &lt;skill-name&gt; --path &lt;dir&gt; --resources ...`.</a:t>
-            </a:r>
-          </a:p>
-          <a:p>
-            <a:pPr/>
+              <a:t>Core behavior: fast read-only context scan + only blocking follow-up questions.</a:t>
+            </a:r>
+          </a:p>
+          <a:p>
             <a:r>
               <a:rPr sz="2000"/>
-              <a:t>3) Write `SKILL.md`: frontmatter only `name` + `description`; keep body concise and imperative.</a:t>
-            </a:r>
-          </a:p>
-          <a:p>
-            <a:pPr/>
+              <a:t>Output contract: #Plan with scope, ordered checklist, and open questions.</a:t>
+            </a:r>
+          </a:p>
+          <a:p>
             <a:r>
               <a:rPr sz="2000"/>
-              <a:t>4) Add deterministic scripts, needed references, and optional assets; generate `agents/openai.yaml` metadata.</a:t>
-            </a:r>
-          </a:p>
-          <a:p>
-            <a:pPr/>
+              <a:t>Why it matters here: aligns planner-agent behavior before parallel execution.</a:t>
+            </a:r>
+          </a:p>
+          <a:p>
             <a:r>
               <a:rPr sz="2000"/>
-              <a:t>5) Validate with `scripts/quick_validate.py &lt;skill-folder&gt;`, test scripts, then iterate from real usage feedback.</a:t>
+              <a:t>Best use: kickoff for complex coding/research tasks with clear acceptance criteria.</a:t>
             </a:r>
           </a:p>
         </p:txBody>
@@ -5930,8 +5983,8 @@
         </p:nvSpPr>
         <p:spPr>
           <a:xfrm>
-            <a:off x="8238744" y="4416552"/>
-            <a:ext cx="3675887" cy="2212848"/>
+            <a:off x="5439266" y="4315900"/>
+            <a:ext cx="3157130" cy="2038546"/>
           </a:xfrm>
           <a:prstGeom prst="roundRect">
             <a:avLst/>
@@ -5965,12 +6018,13 @@
           <a:lstStyle/>
           <a:p>
             <a:pPr algn="ctr"/>
+            <a:endParaRPr/>
           </a:p>
         </p:txBody>
       </p:sp>
       <p:pic>
         <p:nvPicPr>
-          <p:cNvPr id="5" name="Picture 4" descr="sim_snapshot_2_weighted_astar.png"/>
+          <p:cNvPr id="5" name="Picture 4" descr="sim_snapshot_3_fringe_search.png"/>
           <p:cNvPicPr>
             <a:picLocks noChangeAspect="1"/>
           </p:cNvPicPr>
@@ -5984,8 +6038,8 @@
         </p:blipFill>
         <p:spPr>
           <a:xfrm>
-            <a:off x="8284464" y="4462272"/>
-            <a:ext cx="3584448" cy="2121408"/>
+            <a:off x="5248569" y="4354416"/>
+            <a:ext cx="3302108" cy="1954309"/>
           </a:xfrm>
           <a:prstGeom prst="rect">
             <a:avLst/>
@@ -6022,7 +6076,7 @@
               </a:defRPr>
             </a:pPr>
             <a:r>
-              <a:t>Refs: https://developers.openai.com/codex/skills/ | https://developers.openai.com/codex/concepts/customization/ | https://commons.wikimedia.org/wiki/File:BPMN-2d.svg</a:t>
+              <a:t>Refs: https://developers.openai.com/codex/cli/slash-commands/ | https://developers.openai.com/codex/guides/agents-md/ | https://commons.wikimedia.org/wiki/File:Data_and_Media_Partnerships_Workflow_v2.svg</a:t>
             </a:r>
           </a:p>
         </p:txBody>
@@ -6036,7 +6090,7 @@
 </file>
 
 <file path=ppt/slides/slide23.xml><?xml version="1.0" encoding="utf-8"?>
-<p:sld xmlns:a="http://schemas.openxmlformats.org/drawingml/2006/main" xmlns:p="http://schemas.openxmlformats.org/presentationml/2006/main" xmlns:r="http://schemas.openxmlformats.org/officeDocument/2006/relationships">
+<p:sld xmlns:a="http://schemas.openxmlformats.org/drawingml/2006/main" xmlns:r="http://schemas.openxmlformats.org/officeDocument/2006/relationships" xmlns:p="http://schemas.openxmlformats.org/presentationml/2006/main">
   <p:cSld>
     <p:spTree>
       <p:nvGrpSpPr>
@@ -6044,7 +6098,14 @@
         <p:cNvGrpSpPr/>
         <p:nvPr/>
       </p:nvGrpSpPr>
-      <p:grpSpPr/>
+      <p:grpSpPr>
+        <a:xfrm>
+          <a:off x="0" y="0"/>
+          <a:ext cx="0" cy="0"/>
+          <a:chOff x="0" y="0"/>
+          <a:chExt cx="0" cy="0"/>
+        </a:xfrm>
+      </p:grpSpPr>
       <p:sp>
         <p:nvSpPr>
           <p:cNvPr id="2" name="Title 1"/>
@@ -6057,62 +6118,59 @@
         </p:nvSpPr>
         <p:spPr/>
         <p:txBody>
+          <a:bodyPr>
+            <a:normAutofit fontScale="90000"/>
+          </a:bodyPr>
+          <a:lstStyle/>
+          <a:p>
+            <a:r>
+              <a:t>Skill Spotlight: github-agents-deploy</a:t>
+            </a:r>
+          </a:p>
+        </p:txBody>
+      </p:sp>
+      <p:sp>
+        <p:nvSpPr>
+          <p:cNvPr id="3" name="Content Placeholder 2"/>
+          <p:cNvSpPr>
+            <a:spLocks noGrp="1"/>
+          </p:cNvSpPr>
+          <p:nvPr>
+            <p:ph idx="1"/>
+          </p:nvPr>
+        </p:nvSpPr>
+        <p:spPr/>
+        <p:txBody>
           <a:bodyPr/>
           <a:lstStyle/>
           <a:p>
             <a:r>
-              <a:t>Skill Spotlight: create-plan</a:t>
-            </a:r>
-          </a:p>
-        </p:txBody>
-      </p:sp>
-      <p:sp>
-        <p:nvSpPr>
-          <p:cNvPr id="3" name="Content Placeholder 2"/>
-          <p:cNvSpPr>
-            <a:spLocks noGrp="1"/>
-          </p:cNvSpPr>
-          <p:nvPr>
-            <p:ph idx="1"/>
-          </p:nvPr>
-        </p:nvSpPr>
-        <p:spPr/>
-        <p:txBody>
-          <a:bodyPr/>
-          <a:lstStyle/>
-          <a:p>
-            <a:pPr/>
-            <a:r>
               <a:rPr sz="2000"/>
-              <a:t>Purpose: generate a concise, actionable plan when planning is explicitly requested.</a:t>
-            </a:r>
-          </a:p>
-          <a:p>
-            <a:pPr/>
+              <a:t>Purpose: triage open GitHub issues/PRs and deploy Copilot/Jules/Codex review strategically.</a:t>
+            </a:r>
+          </a:p>
+          <a:p>
             <a:r>
               <a:rPr sz="2000"/>
-              <a:t>Core behavior: fast read-only context scan + only blocking follow-up questions.</a:t>
-            </a:r>
-          </a:p>
-          <a:p>
-            <a:pPr/>
+              <a:t>Core behavior: MCP-only GitHub operations, capacity-aware assignment, no duplicate deployment.</a:t>
+            </a:r>
+          </a:p>
+          <a:p>
             <a:r>
               <a:rPr sz="2000"/>
-              <a:t>Output contract: #Plan with scope, ordered checklist, and open questions.</a:t>
-            </a:r>
-          </a:p>
-          <a:p>
-            <a:pPr/>
+              <a:t>Safety pattern: draft per-issue/per-PR plan first, execute only after user approval.</a:t>
+            </a:r>
+          </a:p>
+          <a:p>
             <a:r>
               <a:rPr sz="2000"/>
-              <a:t>Why it matters here: aligns planner-agent behavior before parallel execution.</a:t>
-            </a:r>
-          </a:p>
-          <a:p>
-            <a:pPr/>
+              <a:t>Why it matters here: operationalizes your issue-to-agent dispatch workflow at scale.</a:t>
+            </a:r>
+          </a:p>
+          <a:p>
             <a:r>
               <a:rPr sz="2000"/>
-              <a:t>Best use: kickoff for complex coding/research tasks with clear acceptance criteria.</a:t>
+              <a:t>Best use: weekly triage to keep agent workloads balanced and visible.</a:t>
             </a:r>
           </a:p>
         </p:txBody>
@@ -6125,8 +6183,8 @@
         </p:nvSpPr>
         <p:spPr>
           <a:xfrm>
-            <a:off x="8238744" y="4416552"/>
-            <a:ext cx="3675887" cy="2212848"/>
+            <a:off x="5549693" y="4724084"/>
+            <a:ext cx="2794424" cy="1589690"/>
           </a:xfrm>
           <a:prstGeom prst="roundRect">
             <a:avLst/>
@@ -6160,12 +6218,13 @@
           <a:lstStyle/>
           <a:p>
             <a:pPr algn="ctr"/>
+            <a:endParaRPr/>
           </a:p>
         </p:txBody>
       </p:sp>
       <p:pic>
         <p:nvPicPr>
-          <p:cNvPr id="5" name="Picture 4" descr="sim_snapshot_3_fringe_search.png"/>
+          <p:cNvPr id="5" name="Picture 4" descr="sim_mujoco_1_astar.png"/>
           <p:cNvPicPr>
             <a:picLocks noChangeAspect="1"/>
           </p:cNvPicPr>
@@ -6179,8 +6238,8 @@
         </p:blipFill>
         <p:spPr>
           <a:xfrm>
-            <a:off x="8284464" y="4462272"/>
-            <a:ext cx="3584448" cy="2121408"/>
+            <a:off x="5573486" y="4655350"/>
+            <a:ext cx="2724912" cy="1612703"/>
           </a:xfrm>
           <a:prstGeom prst="rect">
             <a:avLst/>
@@ -6217,7 +6276,7 @@
               </a:defRPr>
             </a:pPr>
             <a:r>
-              <a:t>Refs: https://developers.openai.com/codex/cli/slash-commands/ | https://developers.openai.com/codex/guides/agents-md/ | https://commons.wikimedia.org/wiki/File:Data_and_Media_Partnerships_Workflow_v2.svg</a:t>
+              <a:t>Refs: https://docs.github.com/en/copilot/concepts/agents/coding-agent/about-coding-agent | https://docs.github.com/en/copilot/how-tos/use-copilot-agents/coding-agent/create-a-pr | https://commons.wikimedia.org/wiki/File:SIPOC_diagram.jpg</a:t>
             </a:r>
           </a:p>
         </p:txBody>
@@ -6231,7 +6290,7 @@
 </file>
 
 <file path=ppt/slides/slide24.xml><?xml version="1.0" encoding="utf-8"?>
-<p:sld xmlns:a="http://schemas.openxmlformats.org/drawingml/2006/main" xmlns:p="http://schemas.openxmlformats.org/presentationml/2006/main" xmlns:r="http://schemas.openxmlformats.org/officeDocument/2006/relationships">
+<p:sld xmlns:a="http://schemas.openxmlformats.org/drawingml/2006/main" xmlns:r="http://schemas.openxmlformats.org/officeDocument/2006/relationships" xmlns:p="http://schemas.openxmlformats.org/presentationml/2006/main">
   <p:cSld>
     <p:spTree>
       <p:nvGrpSpPr>
@@ -6239,7 +6298,14 @@
         <p:cNvGrpSpPr/>
         <p:nvPr/>
       </p:nvGrpSpPr>
-      <p:grpSpPr/>
+      <p:grpSpPr>
+        <a:xfrm>
+          <a:off x="0" y="0"/>
+          <a:ext cx="0" cy="0"/>
+          <a:chOff x="0" y="0"/>
+          <a:chExt cx="0" cy="0"/>
+        </a:xfrm>
+      </p:grpSpPr>
       <p:sp>
         <p:nvSpPr>
           <p:cNvPr id="2" name="Title 1"/>
@@ -6256,7 +6322,7 @@
           <a:lstStyle/>
           <a:p>
             <a:r>
-              <a:t>Skill Spotlight: github-agents-deploy</a:t>
+              <a:t>Skill Spotlight: openai-docs</a:t>
             </a:r>
           </a:p>
         </p:txBody>
@@ -6276,38 +6342,33 @@
           <a:bodyPr/>
           <a:lstStyle/>
           <a:p>
-            <a:pPr/>
             <a:r>
               <a:rPr sz="2000"/>
-              <a:t>Purpose: triage open GitHub issues/PRs and deploy Copilot/Jules/Codex review strategically.</a:t>
-            </a:r>
-          </a:p>
-          <a:p>
-            <a:pPr/>
+              <a:t>Purpose: fetch current OpenAI guidance from official docs with citations.</a:t>
+            </a:r>
+          </a:p>
+          <a:p>
             <a:r>
               <a:rPr sz="2000"/>
-              <a:t>Core behavior: MCP-only GitHub operations, capacity-aware assignment, no duplicate deployment.</a:t>
-            </a:r>
-          </a:p>
-          <a:p>
-            <a:pPr/>
+              <a:t>Core behavior: search + fetch via OpenAI Docs MCP before any web fallback.</a:t>
+            </a:r>
+          </a:p>
+          <a:p>
             <a:r>
               <a:rPr sz="2000"/>
-              <a:t>Safety pattern: draft per-issue/per-PR plan first, execute only after user approval.</a:t>
-            </a:r>
-          </a:p>
-          <a:p>
-            <a:pPr/>
+              <a:t>Output quality: source-grounded API/tooling guidance with reduced speculation risk.</a:t>
+            </a:r>
+          </a:p>
+          <a:p>
             <a:r>
               <a:rPr sz="2000"/>
-              <a:t>Why it matters here: operationalizes your issue-to-agent dispatch workflow at scale.</a:t>
-            </a:r>
-          </a:p>
-          <a:p>
-            <a:pPr/>
+              <a:t>Why it matters here: keeps agent architecture choices aligned with latest platform reality.</a:t>
+            </a:r>
+          </a:p>
+          <a:p>
             <a:r>
               <a:rPr sz="2000"/>
-              <a:t>Best use: weekly triage to keep agent workloads balanced and visible.</a:t>
+              <a:t>Best use: model/tool capability checks before implementing new workflow patterns.</a:t>
             </a:r>
           </a:p>
         </p:txBody>
@@ -6320,8 +6381,8 @@
         </p:nvSpPr>
         <p:spPr>
           <a:xfrm>
-            <a:off x="8238744" y="4416552"/>
-            <a:ext cx="3675887" cy="2212848"/>
+            <a:off x="5821901" y="4617556"/>
+            <a:ext cx="2864899" cy="1736889"/>
           </a:xfrm>
           <a:prstGeom prst="roundRect">
             <a:avLst/>
@@ -6355,12 +6416,13 @@
           <a:lstStyle/>
           <a:p>
             <a:pPr algn="ctr"/>
+            <a:endParaRPr/>
           </a:p>
         </p:txBody>
       </p:sp>
       <p:pic>
         <p:nvPicPr>
-          <p:cNvPr id="5" name="Picture 4" descr="sim_mujoco_1_astar.png"/>
+          <p:cNvPr id="5" name="Picture 4" descr="sim_mujoco_2_weighted_astar.png"/>
           <p:cNvPicPr>
             <a:picLocks noChangeAspect="1"/>
           </p:cNvPicPr>
@@ -6374,8 +6436,8 @@
         </p:blipFill>
         <p:spPr>
           <a:xfrm>
-            <a:off x="8284464" y="4462272"/>
-            <a:ext cx="3584448" cy="2121408"/>
+            <a:off x="5916169" y="4696022"/>
+            <a:ext cx="2724912" cy="1612703"/>
           </a:xfrm>
           <a:prstGeom prst="rect">
             <a:avLst/>
@@ -6412,7 +6474,7 @@
               </a:defRPr>
             </a:pPr>
             <a:r>
-              <a:t>Refs: https://docs.github.com/en/copilot/concepts/agents/coding-agent/about-coding-agent | https://docs.github.com/en/copilot/how-tos/use-copilot-agents/coding-agent/create-a-pr | https://commons.wikimedia.org/wiki/File:SIPOC_diagram.jpg</a:t>
+              <a:t>Refs: https://developers.openai.com/codex/ | https://developers.openai.com/codex/mcp/ | https://commons.wikimedia.org/wiki/File:ValueStreamMapParts.png</a:t>
             </a:r>
           </a:p>
         </p:txBody>
@@ -6426,7 +6488,7 @@
 </file>
 
 <file path=ppt/slides/slide25.xml><?xml version="1.0" encoding="utf-8"?>
-<p:sld xmlns:a="http://schemas.openxmlformats.org/drawingml/2006/main" xmlns:p="http://schemas.openxmlformats.org/presentationml/2006/main" xmlns:r="http://schemas.openxmlformats.org/officeDocument/2006/relationships">
+<p:sld xmlns:a="http://schemas.openxmlformats.org/drawingml/2006/main" xmlns:r="http://schemas.openxmlformats.org/officeDocument/2006/relationships" xmlns:p="http://schemas.openxmlformats.org/presentationml/2006/main">
   <p:cSld>
     <p:spTree>
       <p:nvGrpSpPr>
@@ -6434,7 +6496,14 @@
         <p:cNvGrpSpPr/>
         <p:nvPr/>
       </p:nvGrpSpPr>
-      <p:grpSpPr/>
+      <p:grpSpPr>
+        <a:xfrm>
+          <a:off x="0" y="0"/>
+          <a:ext cx="0" cy="0"/>
+          <a:chOff x="0" y="0"/>
+          <a:chExt cx="0" cy="0"/>
+        </a:xfrm>
+      </p:grpSpPr>
       <p:sp>
         <p:nvSpPr>
           <p:cNvPr id="2" name="Title 1"/>
@@ -6451,7 +6520,7 @@
           <a:lstStyle/>
           <a:p>
             <a:r>
-              <a:t>Skill Spotlight: openai-docs</a:t>
+              <a:t>Skill Spotlight: suggest-improve</a:t>
             </a:r>
           </a:p>
         </p:txBody>
@@ -6471,38 +6540,33 @@
           <a:bodyPr/>
           <a:lstStyle/>
           <a:p>
-            <a:pPr/>
             <a:r>
               <a:rPr sz="2000"/>
-              <a:t>Purpose: fetch current OpenAI guidance from official docs with citations.</a:t>
-            </a:r>
-          </a:p>
-          <a:p>
-            <a:pPr/>
+              <a:t>Purpose: deep codebase health review with ranked, actionable improvements (no new features).</a:t>
+            </a:r>
+          </a:p>
+          <a:p>
             <a:r>
               <a:rPr sz="2000"/>
-              <a:t>Core behavior: search + fetch via OpenAI Docs MCP before any web fallback.</a:t>
-            </a:r>
-          </a:p>
-          <a:p>
-            <a:pPr/>
+              <a:t>Core behavior: evidence-based analysis and up to 10 prioritized suggestions (★ to ★★★).</a:t>
+            </a:r>
+          </a:p>
+          <a:p>
             <a:r>
               <a:rPr sz="2000"/>
-              <a:t>Output quality: source-grounded API/tooling guidance with reduced speculation risk.</a:t>
-            </a:r>
-          </a:p>
-          <a:p>
-            <a:pPr/>
+              <a:t>Output contract: why/evidence, what to change, where to change, and how to validate.</a:t>
+            </a:r>
+          </a:p>
+          <a:p>
             <a:r>
               <a:rPr sz="2000"/>
-              <a:t>Why it matters here: keeps agent architecture choices aligned with latest platform reality.</a:t>
-            </a:r>
-          </a:p>
-          <a:p>
-            <a:pPr/>
+              <a:t>Why it matters here: acts as reviewer/critic mode for technical debt and reliability.</a:t>
+            </a:r>
+          </a:p>
+          <a:p>
             <a:r>
               <a:rPr sz="2000"/>
-              <a:t>Best use: model/tool capability checks before implementing new workflow patterns.</a:t>
+              <a:t>Best use: post-sprint optimization and hardening before broad agent rollout.</a:t>
             </a:r>
           </a:p>
         </p:txBody>
@@ -6515,8 +6579,8 @@
         </p:nvSpPr>
         <p:spPr>
           <a:xfrm>
-            <a:off x="8238744" y="4416552"/>
-            <a:ext cx="3675887" cy="2212848"/>
+            <a:off x="5417877" y="4751157"/>
+            <a:ext cx="2697752" cy="1557568"/>
           </a:xfrm>
           <a:prstGeom prst="roundRect">
             <a:avLst/>
@@ -6550,12 +6614,13 @@
           <a:lstStyle/>
           <a:p>
             <a:pPr algn="ctr"/>
+            <a:endParaRPr/>
           </a:p>
         </p:txBody>
       </p:sp>
       <p:pic>
         <p:nvPicPr>
-          <p:cNvPr id="5" name="Picture 4" descr="sim_mujoco_2_weighted_astar.png"/>
+          <p:cNvPr id="5" name="Picture 4" descr="sim_mujoco_3_fringe_search.png"/>
           <p:cNvPicPr>
             <a:picLocks noChangeAspect="1"/>
           </p:cNvPicPr>
@@ -6569,8 +6634,8 @@
         </p:blipFill>
         <p:spPr>
           <a:xfrm>
-            <a:off x="8284464" y="4462272"/>
-            <a:ext cx="3584448" cy="2121408"/>
+            <a:off x="5439266" y="4706093"/>
+            <a:ext cx="2630644" cy="1556912"/>
           </a:xfrm>
           <a:prstGeom prst="rect">
             <a:avLst/>
@@ -6607,7 +6672,7 @@
               </a:defRPr>
             </a:pPr>
             <a:r>
-              <a:t>Refs: https://developers.openai.com/codex/ | https://developers.openai.com/codex/mcp/ | https://commons.wikimedia.org/wiki/File:ValueStreamMapParts.png</a:t>
+              <a:t>Refs: https://developers.openai.com/codex/skills/ | https://docs.github.com/en/copilot/how-tos/use-copilot-agents/coding-agent/review-copilot-prs | https://commons.wikimedia.org/wiki/File:Value_Stream_Mapping_map_015.jpg</a:t>
             </a:r>
           </a:p>
         </p:txBody>
@@ -6621,7 +6686,7 @@
 </file>
 
 <file path=ppt/slides/slide26.xml><?xml version="1.0" encoding="utf-8"?>
-<p:sld xmlns:a="http://schemas.openxmlformats.org/drawingml/2006/main" xmlns:p="http://schemas.openxmlformats.org/presentationml/2006/main" xmlns:r="http://schemas.openxmlformats.org/officeDocument/2006/relationships">
+<p:sld xmlns:a="http://schemas.openxmlformats.org/drawingml/2006/main" xmlns:r="http://schemas.openxmlformats.org/officeDocument/2006/relationships" xmlns:p="http://schemas.openxmlformats.org/presentationml/2006/main">
   <p:cSld>
     <p:spTree>
       <p:nvGrpSpPr>
@@ -6629,7 +6694,14 @@
         <p:cNvGrpSpPr/>
         <p:nvPr/>
       </p:nvGrpSpPr>
-      <p:grpSpPr/>
+      <p:grpSpPr>
+        <a:xfrm>
+          <a:off x="0" y="0"/>
+          <a:ext cx="0" cy="0"/>
+          <a:chOff x="0" y="0"/>
+          <a:chExt cx="0" cy="0"/>
+        </a:xfrm>
+      </p:grpSpPr>
       <p:sp>
         <p:nvSpPr>
           <p:cNvPr id="2" name="Title 1"/>
@@ -6646,7 +6718,7 @@
           <a:lstStyle/>
           <a:p>
             <a:r>
-              <a:t>Skill Spotlight: suggest-improve</a:t>
+              <a:t>Skill Spotlight: playwright</a:t>
             </a:r>
           </a:p>
         </p:txBody>
@@ -6666,38 +6738,33 @@
           <a:bodyPr/>
           <a:lstStyle/>
           <a:p>
-            <a:pPr/>
             <a:r>
               <a:rPr sz="2000"/>
-              <a:t>Purpose: deep codebase health review with ranked, actionable improvements (no new features).</a:t>
-            </a:r>
-          </a:p>
-          <a:p>
-            <a:pPr/>
+              <a:t>Purpose: automate real browser flows from terminal for testing and debugging.</a:t>
+            </a:r>
+          </a:p>
+          <a:p>
             <a:r>
               <a:rPr sz="2000"/>
-              <a:t>Core behavior: evidence-based analysis and up to 10 prioritized suggestions (★ to ★★★).</a:t>
-            </a:r>
-          </a:p>
-          <a:p>
-            <a:pPr/>
+              <a:t>Core behavior: open -&gt; snapshot -&gt; interact by refs -&gt; re-snapshot -&gt; capture artifacts.</a:t>
+            </a:r>
+          </a:p>
+          <a:p>
             <a:r>
               <a:rPr sz="2000"/>
-              <a:t>Output contract: why/evidence, what to change, where to change, and how to validate.</a:t>
-            </a:r>
-          </a:p>
-          <a:p>
-            <a:pPr/>
+              <a:t>Operational guardrail: CLI-first automation with reproducible interaction loops.</a:t>
+            </a:r>
+          </a:p>
+          <a:p>
             <a:r>
               <a:rPr sz="2000"/>
-              <a:t>Why it matters here: acts as reviewer/critic mode for technical debt and reliability.</a:t>
-            </a:r>
-          </a:p>
-          <a:p>
-            <a:pPr/>
+              <a:t>Why it matters here: closes the test loop for UI paths that coding agents modify.</a:t>
+            </a:r>
+          </a:p>
+          <a:p>
             <a:r>
               <a:rPr sz="2000"/>
-              <a:t>Best use: post-sprint optimization and hardening before broad agent rollout.</a:t>
+              <a:t>Best use: regression checks, bug repros, and evidence capture in agent pipelines.</a:t>
             </a:r>
           </a:p>
         </p:txBody>
@@ -6710,8 +6777,8 @@
         </p:nvSpPr>
         <p:spPr>
           <a:xfrm>
-            <a:off x="8238744" y="4416552"/>
-            <a:ext cx="3675887" cy="2212848"/>
+            <a:off x="5383104" y="4671934"/>
+            <a:ext cx="2958768" cy="1783730"/>
           </a:xfrm>
           <a:prstGeom prst="roundRect">
             <a:avLst/>
@@ -6745,12 +6812,13 @@
           <a:lstStyle/>
           <a:p>
             <a:pPr algn="ctr"/>
+            <a:endParaRPr/>
           </a:p>
         </p:txBody>
       </p:sp>
       <p:pic>
         <p:nvPicPr>
-          <p:cNvPr id="5" name="Picture 4" descr="sim_mujoco_3_fringe_search.png"/>
+          <p:cNvPr id="5" name="Picture 4" descr="image.png"/>
           <p:cNvPicPr>
             <a:picLocks noChangeAspect="1"/>
           </p:cNvPicPr>
@@ -6764,8 +6832,8 @@
         </p:blipFill>
         <p:spPr>
           <a:xfrm>
-            <a:off x="8284464" y="4462272"/>
-            <a:ext cx="3584448" cy="2121408"/>
+            <a:off x="5406805" y="4699922"/>
+            <a:ext cx="2889348" cy="1710022"/>
           </a:xfrm>
           <a:prstGeom prst="rect">
             <a:avLst/>
@@ -6802,7 +6870,7 @@
               </a:defRPr>
             </a:pPr>
             <a:r>
-              <a:t>Refs: https://developers.openai.com/codex/skills/ | https://docs.github.com/en/copilot/how-tos/use-copilot-agents/coding-agent/review-copilot-prs | https://commons.wikimedia.org/wiki/File:Value_Stream_Mapping_map_015.jpg</a:t>
+              <a:t>Refs: https://playwright.dev/docs/intro | https://docs.github.com/en/actions | https://commons.wikimedia.org/wiki/File:Human%2BRobot.jpg</a:t>
             </a:r>
           </a:p>
         </p:txBody>
@@ -6816,7 +6884,7 @@
 </file>
 
 <file path=ppt/slides/slide27.xml><?xml version="1.0" encoding="utf-8"?>
-<p:sld xmlns:a="http://schemas.openxmlformats.org/drawingml/2006/main" xmlns:p="http://schemas.openxmlformats.org/presentationml/2006/main" xmlns:r="http://schemas.openxmlformats.org/officeDocument/2006/relationships">
+<p:sld xmlns:a="http://schemas.openxmlformats.org/drawingml/2006/main" xmlns:r="http://schemas.openxmlformats.org/officeDocument/2006/relationships" xmlns:p="http://schemas.openxmlformats.org/presentationml/2006/main">
   <p:cSld>
     <p:spTree>
       <p:nvGrpSpPr>
@@ -6824,7 +6892,14 @@
         <p:cNvGrpSpPr/>
         <p:nvPr/>
       </p:nvGrpSpPr>
-      <p:grpSpPr/>
+      <p:grpSpPr>
+        <a:xfrm>
+          <a:off x="0" y="0"/>
+          <a:ext cx="0" cy="0"/>
+          <a:chOff x="0" y="0"/>
+          <a:chExt cx="0" cy="0"/>
+        </a:xfrm>
+      </p:grpSpPr>
       <p:sp>
         <p:nvSpPr>
           <p:cNvPr id="2" name="Title 1"/>
@@ -6841,7 +6916,7 @@
           <a:lstStyle/>
           <a:p>
             <a:r>
-              <a:t>Skill Spotlight: playwright</a:t>
+              <a:t>Skill Spotlight: literature-review</a:t>
             </a:r>
           </a:p>
         </p:txBody>
@@ -6861,38 +6936,33 @@
           <a:bodyPr/>
           <a:lstStyle/>
           <a:p>
-            <a:pPr/>
             <a:r>
               <a:rPr sz="2000"/>
-              <a:t>Purpose: automate real browser flows from terminal for testing and debugging.</a:t>
-            </a:r>
-          </a:p>
-          <a:p>
-            <a:pPr/>
+              <a:t>Purpose: systematic literature review across multiple academic databases.</a:t>
+            </a:r>
+          </a:p>
+          <a:p>
             <a:r>
               <a:rPr sz="2000"/>
-              <a:t>Core behavior: open -&gt; snapshot -&gt; interact by refs -&gt; re-snapshot -&gt; capture artifacts.</a:t>
-            </a:r>
-          </a:p>
-          <a:p>
-            <a:pPr/>
+              <a:t>Core behavior: scoped search strategy, dedup/screening, thematic synthesis, verified citations.</a:t>
+            </a:r>
+          </a:p>
+          <a:p>
             <a:r>
               <a:rPr sz="2000"/>
-              <a:t>Operational guardrail: CLI-first automation with reproducible interaction loops.</a:t>
-            </a:r>
-          </a:p>
-          <a:p>
-            <a:pPr/>
+              <a:t>Deliverables: publication-grade markdown/PDF outputs with reproducible search traces.</a:t>
+            </a:r>
+          </a:p>
+          <a:p>
             <a:r>
               <a:rPr sz="2000"/>
-              <a:t>Why it matters here: closes the test loop for UI paths that coding agents modify.</a:t>
-            </a:r>
-          </a:p>
-          <a:p>
-            <a:pPr/>
+              <a:t>Why it matters here: enables agent-assisted research discovery for issue ideation.</a:t>
+            </a:r>
+          </a:p>
+          <a:p>
             <a:r>
               <a:rPr sz="2000"/>
-              <a:t>Best use: regression checks, bug repros, and evidence capture in agent pipelines.</a:t>
+              <a:t>Best use: state-of-the-art surveys before launching new experiment or implementation tracks.</a:t>
             </a:r>
           </a:p>
         </p:txBody>
@@ -6905,8 +6975,8 @@
         </p:nvSpPr>
         <p:spPr>
           <a:xfrm>
-            <a:off x="8238744" y="4416552"/>
-            <a:ext cx="3675887" cy="2212848"/>
+            <a:off x="5426287" y="4362574"/>
+            <a:ext cx="3056988" cy="1823062"/>
           </a:xfrm>
           <a:prstGeom prst="roundRect">
             <a:avLst/>
@@ -6940,6 +7010,7 @@
           <a:lstStyle/>
           <a:p>
             <a:pPr algn="ctr"/>
+            <a:endParaRPr/>
           </a:p>
         </p:txBody>
       </p:sp>
@@ -6959,8 +7030,8 @@
         </p:blipFill>
         <p:spPr>
           <a:xfrm>
-            <a:off x="8284464" y="4462272"/>
-            <a:ext cx="3584448" cy="2121408"/>
+            <a:off x="5456612" y="4375684"/>
+            <a:ext cx="2980944" cy="1764232"/>
           </a:xfrm>
           <a:prstGeom prst="rect">
             <a:avLst/>
@@ -6997,7 +7068,7 @@
               </a:defRPr>
             </a:pPr>
             <a:r>
-              <a:t>Refs: https://playwright.dev/docs/intro | https://docs.github.com/en/actions | https://commons.wikimedia.org/wiki/File:Human%2BRobot.jpg</a:t>
+              <a:t>Refs: https://www.prisma-statement.org/prisma-2020 | https://info.arxiv.org/help/api/index.html | https://commons.wikimedia.org/wiki/File:Simple_feedback_control_loop2.svg</a:t>
             </a:r>
           </a:p>
         </p:txBody>
@@ -7011,7 +7082,7 @@
 </file>
 
 <file path=ppt/slides/slide28.xml><?xml version="1.0" encoding="utf-8"?>
-<p:sld xmlns:a="http://schemas.openxmlformats.org/drawingml/2006/main" xmlns:p="http://schemas.openxmlformats.org/presentationml/2006/main" xmlns:r="http://schemas.openxmlformats.org/officeDocument/2006/relationships">
+<p:sld xmlns:a="http://schemas.openxmlformats.org/drawingml/2006/main" xmlns:r="http://schemas.openxmlformats.org/officeDocument/2006/relationships" xmlns:p="http://schemas.openxmlformats.org/presentationml/2006/main">
   <p:cSld>
     <p:spTree>
       <p:nvGrpSpPr>
@@ -7019,7 +7090,14 @@
         <p:cNvGrpSpPr/>
         <p:nvPr/>
       </p:nvGrpSpPr>
-      <p:grpSpPr/>
+      <p:grpSpPr>
+        <a:xfrm>
+          <a:off x="0" y="0"/>
+          <a:ext cx="0" cy="0"/>
+          <a:chOff x="0" y="0"/>
+          <a:chExt cx="0" cy="0"/>
+        </a:xfrm>
+      </p:grpSpPr>
       <p:sp>
         <p:nvSpPr>
           <p:cNvPr id="2" name="Title 1"/>
@@ -7032,62 +7110,59 @@
         </p:nvSpPr>
         <p:spPr/>
         <p:txBody>
+          <a:bodyPr>
+            <a:normAutofit fontScale="90000"/>
+          </a:bodyPr>
+          <a:lstStyle/>
+          <a:p>
+            <a:r>
+              <a:t>Skill Spotlight: scientific-report-editor</a:t>
+            </a:r>
+          </a:p>
+        </p:txBody>
+      </p:sp>
+      <p:sp>
+        <p:nvSpPr>
+          <p:cNvPr id="3" name="Content Placeholder 2"/>
+          <p:cNvSpPr>
+            <a:spLocks noGrp="1"/>
+          </p:cNvSpPr>
+          <p:nvPr>
+            <p:ph idx="1"/>
+          </p:nvPr>
+        </p:nvSpPr>
+        <p:spPr/>
+        <p:txBody>
           <a:bodyPr/>
           <a:lstStyle/>
           <a:p>
             <a:r>
-              <a:t>Skill Spotlight: literature-review</a:t>
-            </a:r>
-          </a:p>
-        </p:txBody>
-      </p:sp>
-      <p:sp>
-        <p:nvSpPr>
-          <p:cNvPr id="3" name="Content Placeholder 2"/>
-          <p:cNvSpPr>
-            <a:spLocks noGrp="1"/>
-          </p:cNvSpPr>
-          <p:nvPr>
-            <p:ph idx="1"/>
-          </p:nvPr>
-        </p:nvSpPr>
-        <p:spPr/>
-        <p:txBody>
-          <a:bodyPr/>
-          <a:lstStyle/>
-          <a:p>
-            <a:pPr/>
-            <a:r>
               <a:rPr sz="2000"/>
-              <a:t>Purpose: systematic literature review across multiple academic databases.</a:t>
-            </a:r>
-          </a:p>
-          <a:p>
-            <a:pPr/>
+              <a:t>Purpose: draft and quality-gate scientific/technical reports in publication-grade style.</a:t>
+            </a:r>
+          </a:p>
+          <a:p>
             <a:r>
               <a:rPr sz="2000"/>
-              <a:t>Core behavior: scoped search strategy, dedup/screening, thematic synthesis, verified citations.</a:t>
-            </a:r>
-          </a:p>
-          <a:p>
-            <a:pPr/>
+              <a:t>Core behavior: multi-pass workflow (draft, micro-reviews, controlled rewrite, final review).</a:t>
+            </a:r>
+          </a:p>
+          <a:p>
             <a:r>
               <a:rPr sz="2000"/>
-              <a:t>Deliverables: publication-grade markdown/PDF outputs with reproducible search traces.</a:t>
-            </a:r>
-          </a:p>
-          <a:p>
-            <a:pPr/>
+              <a:t>Quality controls: math-aware formatting, evidence-linked claims, layout validation.</a:t>
+            </a:r>
+          </a:p>
+          <a:p>
             <a:r>
               <a:rPr sz="2000"/>
-              <a:t>Why it matters here: enables agent-assisted research discovery for issue ideation.</a:t>
-            </a:r>
-          </a:p>
-          <a:p>
-            <a:pPr/>
+              <a:t>Why it matters here: turns agent outputs into coherent, defensible research communication.</a:t>
+            </a:r>
+          </a:p>
+          <a:p>
             <a:r>
               <a:rPr sz="2000"/>
-              <a:t>Best use: state-of-the-art surveys before launching new experiment or implementation tracks.</a:t>
+              <a:t>Best use: transform experiment logs and notes into clean reports and summaries.</a:t>
             </a:r>
           </a:p>
         </p:txBody>
@@ -7100,8 +7175,8 @@
         </p:nvSpPr>
         <p:spPr>
           <a:xfrm>
-            <a:off x="8238744" y="4416552"/>
-            <a:ext cx="3675887" cy="2212848"/>
+            <a:off x="5466039" y="4773922"/>
+            <a:ext cx="3026663" cy="1727462"/>
           </a:xfrm>
           <a:prstGeom prst="roundRect">
             <a:avLst/>
@@ -7135,6 +7210,7 @@
           <a:lstStyle/>
           <a:p>
             <a:pPr algn="ctr"/>
+            <a:endParaRPr/>
           </a:p>
         </p:txBody>
       </p:sp>
@@ -7154,8 +7230,8 @@
         </p:blipFill>
         <p:spPr>
           <a:xfrm>
-            <a:off x="8284464" y="4462272"/>
-            <a:ext cx="3584448" cy="2121408"/>
+            <a:off x="5495609" y="4708932"/>
+            <a:ext cx="2951374" cy="1746732"/>
           </a:xfrm>
           <a:prstGeom prst="rect">
             <a:avLst/>
@@ -7192,7 +7268,7 @@
               </a:defRPr>
             </a:pPr>
             <a:r>
-              <a:t>Refs: https://www.prisma-statement.org/prisma-2020 | https://info.arxiv.org/help/api/index.html | https://commons.wikimedia.org/wiki/File:Simple_feedback_control_loop2.svg</a:t>
+              <a:t>Refs: https://www.latex-project.org/ | https://www.crossref.org/ | https://commons.wikimedia.org/wiki/File:Humanoid_Robot.webp</a:t>
             </a:r>
           </a:p>
         </p:txBody>
@@ -7206,7 +7282,7 @@
 </file>
 
 <file path=ppt/slides/slide29.xml><?xml version="1.0" encoding="utf-8"?>
-<p:sld xmlns:a="http://schemas.openxmlformats.org/drawingml/2006/main" xmlns:p="http://schemas.openxmlformats.org/presentationml/2006/main" xmlns:r="http://schemas.openxmlformats.org/officeDocument/2006/relationships">
+<p:sld xmlns:a="http://schemas.openxmlformats.org/drawingml/2006/main" xmlns:r="http://schemas.openxmlformats.org/officeDocument/2006/relationships" xmlns:p="http://schemas.openxmlformats.org/presentationml/2006/main">
   <p:cSld>
     <p:spTree>
       <p:nvGrpSpPr>
@@ -7214,7 +7290,14 @@
         <p:cNvGrpSpPr/>
         <p:nvPr/>
       </p:nvGrpSpPr>
-      <p:grpSpPr/>
+      <p:grpSpPr>
+        <a:xfrm>
+          <a:off x="0" y="0"/>
+          <a:ext cx="0" cy="0"/>
+          <a:chOff x="0" y="0"/>
+          <a:chExt cx="0" cy="0"/>
+        </a:xfrm>
+      </p:grpSpPr>
       <p:sp>
         <p:nvSpPr>
           <p:cNvPr id="2" name="Title 1"/>
@@ -7231,7 +7314,7 @@
           <a:lstStyle/>
           <a:p>
             <a:r>
-              <a:t>Skill Spotlight: scientific-report-editor</a:t>
+              <a:t>Skill Spotlight: pr-merger</a:t>
             </a:r>
           </a:p>
         </p:txBody>
@@ -7251,38 +7334,33 @@
           <a:bodyPr/>
           <a:lstStyle/>
           <a:p>
-            <a:pPr/>
-            <a:r>
-              <a:rPr sz="2000"/>
-              <a:t>Purpose: draft and quality-gate scientific/technical reports in publication-grade style.</a:t>
-            </a:r>
-          </a:p>
-          <a:p>
-            <a:pPr/>
-            <a:r>
-              <a:rPr sz="2000"/>
-              <a:t>Core behavior: multi-pass workflow (draft, micro-reviews, controlled rewrite, final review).</a:t>
-            </a:r>
-          </a:p>
-          <a:p>
-            <a:pPr/>
-            <a:r>
-              <a:rPr sz="2000"/>
-              <a:t>Quality controls: math-aware formatting, evidence-linked claims, layout validation.</a:t>
-            </a:r>
-          </a:p>
-          <a:p>
-            <a:pPr/>
-            <a:r>
-              <a:rPr sz="2000"/>
-              <a:t>Why it matters here: turns agent outputs into coherent, defensible research communication.</a:t>
-            </a:r>
-          </a:p>
-          <a:p>
-            <a:pPr/>
-            <a:r>
-              <a:rPr sz="2000"/>
-              <a:t>Best use: transform experiment logs and notes into clean reports and summaries.</a:t>
+            <a:r>
+              <a:rPr sz="2000" dirty="0"/>
+              <a:t>Purpose: review, fix, validate, and merge PRs end-to-end with tight scope control.</a:t>
+            </a:r>
+          </a:p>
+          <a:p>
+            <a:r>
+              <a:rPr sz="2000" dirty="0"/>
+              <a:t>Core behavior: inspect PR signals, patch minimally, run tests, comment rationale, merge/close.</a:t>
+            </a:r>
+          </a:p>
+          <a:p>
+            <a:r>
+              <a:rPr sz="2000" dirty="0"/>
+              <a:t>Workflow discipline: keep main synced, verify fixes, and clean branch state after merge.</a:t>
+            </a:r>
+          </a:p>
+          <a:p>
+            <a:r>
+              <a:rPr sz="2000" dirty="0"/>
+              <a:t>Why it matters here: final integration step for work produced by multiple agents.</a:t>
+            </a:r>
+          </a:p>
+          <a:p>
+            <a:r>
+              <a:rPr sz="2000" dirty="0"/>
+              <a:t>Best use: converging parallel agent branches into safe, merge-ready outcomes.</a:t>
             </a:r>
           </a:p>
         </p:txBody>
@@ -7295,8 +7373,8 @@
         </p:nvSpPr>
         <p:spPr>
           <a:xfrm>
-            <a:off x="8238744" y="4416552"/>
-            <a:ext cx="3675887" cy="2212848"/>
+            <a:off x="5693507" y="4898904"/>
+            <a:ext cx="2901926" cy="1455541"/>
           </a:xfrm>
           <a:prstGeom prst="roundRect">
             <a:avLst/>
@@ -7330,6 +7408,7 @@
           <a:lstStyle/>
           <a:p>
             <a:pPr algn="ctr"/>
+            <a:endParaRPr/>
           </a:p>
         </p:txBody>
       </p:sp>
@@ -7349,8 +7428,8 @@
         </p:blipFill>
         <p:spPr>
           <a:xfrm>
-            <a:off x="8284464" y="4462272"/>
-            <a:ext cx="3584448" cy="2121408"/>
+            <a:off x="5739226" y="4633981"/>
+            <a:ext cx="2829739" cy="1674744"/>
           </a:xfrm>
           <a:prstGeom prst="rect">
             <a:avLst/>
@@ -7387,7 +7466,7 @@
               </a:defRPr>
             </a:pPr>
             <a:r>
-              <a:t>Refs: https://www.latex-project.org/ | https://www.crossref.org/ | https://commons.wikimedia.org/wiki/File:Humanoid_Robot.webp</a:t>
+              <a:t>Refs: https://docs.github.com/en/pull-requests | https://docs.github.com/en/copilot/how-tos/use-copilot-agents/coding-agent/review-copilot-prs | https://commons.wikimedia.org/wiki/File:Robonaut_2_on_display_at_NASM_(NHQ202410240009).jpg</a:t>
             </a:r>
           </a:p>
         </p:txBody>
@@ -7433,7 +7512,7 @@
           <a:lstStyle/>
           <a:p>
             <a:r>
-              <a:t>Agenda (60 Minutes)</a:t>
+              <a:t>Why 2026 Is Different</a:t>
             </a:r>
           </a:p>
         </p:txBody>
@@ -7455,27 +7534,33 @@
           <a:p>
             <a:r>
               <a:rPr sz="2400"/>
-              <a:t>11:00-11:10: Why agents now + key definitions</a:t>
+              <a:t>Coding agents moved from chat help to autonomous PR-style execution</a:t>
             </a:r>
           </a:p>
           <a:p>
             <a:r>
               <a:rPr sz="2400"/>
-              <a:t>11:10-11:25: Tooling landscape (Codex, Copilot, Jules, Gemini, MCP)</a:t>
+              <a:t>MCP-style protocols made tool integrations composable</a:t>
             </a:r>
           </a:p>
           <a:p>
             <a:r>
               <a:rPr sz="2400"/>
-              <a:t>11:25-11:45: Live repo walkthrough with role-split agents</a:t>
-            </a:r>
-          </a:p>
-          <a:p>
-            <a:r>
-              <a:t>11:45-12:00: Debug, testing, research, and writing workflows</a:t>
-            </a:r>
-          </a:p>
-          <a:p/>
+              <a:t>Larger context + stronger reasoning enable longer task chains</a:t>
+            </a:r>
+          </a:p>
+          <a:p>
+            <a:r>
+              <a:rPr sz="2400"/>
+              <a:t>Teams can parallelize exploration, implementation, and review</a:t>
+            </a:r>
+          </a:p>
+          <a:p>
+            <a:r>
+              <a:rPr sz="2400"/>
+              <a:t>Bottleneck shifted from typing speed to orchestration quality</a:t>
+            </a:r>
+          </a:p>
         </p:txBody>
       </p:sp>
       <p:sp>
@@ -7486,8 +7571,8 @@
         </p:nvSpPr>
         <p:spPr>
           <a:xfrm>
-            <a:off x="8238744" y="4416552"/>
-            <a:ext cx="3675887" cy="2212848"/>
+            <a:off x="5203314" y="4576276"/>
+            <a:ext cx="3337372" cy="1925107"/>
           </a:xfrm>
           <a:prstGeom prst="roundRect">
             <a:avLst/>
@@ -7521,6 +7606,7 @@
           <a:lstStyle/>
           <a:p>
             <a:pPr algn="ctr"/>
+            <a:endParaRPr/>
           </a:p>
         </p:txBody>
       </p:sp>
@@ -7540,8 +7626,8 @@
         </p:blipFill>
         <p:spPr>
           <a:xfrm>
-            <a:off x="8284464" y="4462272"/>
-            <a:ext cx="3584448" cy="2121408"/>
+            <a:off x="5249033" y="4529618"/>
+            <a:ext cx="3254354" cy="1926046"/>
           </a:xfrm>
           <a:prstGeom prst="rect">
             <a:avLst/>
@@ -7578,7 +7664,7 @@
               </a:defRPr>
             </a:pPr>
             <a:r>
-              <a:t>Refs: https://developers.openai.com/codex/cli/features/ | https://github.com/features/copilot | https://jules.google/docs/cli/reference/</a:t>
+              <a:t>Refs: https://developers.openai.com/codex/guides/agents-sdk/ | https://github.com/features/copilot | https://www.anthropic.com/news/model-context-protocol</a:t>
             </a:r>
           </a:p>
         </p:txBody>
@@ -7592,7 +7678,7 @@
 </file>
 
 <file path=ppt/slides/slide30.xml><?xml version="1.0" encoding="utf-8"?>
-<p:sld xmlns:a="http://schemas.openxmlformats.org/drawingml/2006/main" xmlns:p="http://schemas.openxmlformats.org/presentationml/2006/main" xmlns:r="http://schemas.openxmlformats.org/officeDocument/2006/relationships">
+<p:sld xmlns:a="http://schemas.openxmlformats.org/drawingml/2006/main" xmlns:r="http://schemas.openxmlformats.org/officeDocument/2006/relationships" xmlns:p="http://schemas.openxmlformats.org/presentationml/2006/main">
   <p:cSld>
     <p:spTree>
       <p:nvGrpSpPr>
@@ -7600,7 +7686,14 @@
         <p:cNvGrpSpPr/>
         <p:nvPr/>
       </p:nvGrpSpPr>
-      <p:grpSpPr/>
+      <p:grpSpPr>
+        <a:xfrm>
+          <a:off x="0" y="0"/>
+          <a:ext cx="0" cy="0"/>
+          <a:chOff x="0" y="0"/>
+          <a:chExt cx="0" cy="0"/>
+        </a:xfrm>
+      </p:grpSpPr>
       <p:sp>
         <p:nvSpPr>
           <p:cNvPr id="2" name="Title 1"/>
@@ -7613,62 +7706,59 @@
         </p:nvSpPr>
         <p:spPr/>
         <p:txBody>
+          <a:bodyPr>
+            <a:normAutofit fontScale="90000"/>
+          </a:bodyPr>
+          <a:lstStyle/>
+          <a:p>
+            <a:r>
+              <a:t>AGENTS.md as Behavioral Control Plane</a:t>
+            </a:r>
+          </a:p>
+        </p:txBody>
+      </p:sp>
+      <p:sp>
+        <p:nvSpPr>
+          <p:cNvPr id="3" name="Content Placeholder 2"/>
+          <p:cNvSpPr>
+            <a:spLocks noGrp="1"/>
+          </p:cNvSpPr>
+          <p:nvPr>
+            <p:ph idx="1"/>
+          </p:nvPr>
+        </p:nvSpPr>
+        <p:spPr/>
+        <p:txBody>
           <a:bodyPr/>
           <a:lstStyle/>
           <a:p>
             <a:r>
-              <a:t>Skill Spotlight: pr-merger</a:t>
-            </a:r>
-          </a:p>
-        </p:txBody>
-      </p:sp>
-      <p:sp>
-        <p:nvSpPr>
-          <p:cNvPr id="3" name="Content Placeholder 2"/>
-          <p:cNvSpPr>
-            <a:spLocks noGrp="1"/>
-          </p:cNvSpPr>
-          <p:nvPr>
-            <p:ph idx="1"/>
-          </p:nvPr>
-        </p:nvSpPr>
-        <p:spPr/>
-        <p:txBody>
-          <a:bodyPr/>
-          <a:lstStyle/>
-          <a:p>
-            <a:pPr/>
-            <a:r>
-              <a:rPr sz="2000"/>
-              <a:t>Purpose: review, fix, validate, and merge PRs end-to-end with tight scope control.</a:t>
-            </a:r>
-          </a:p>
-          <a:p>
-            <a:pPr/>
-            <a:r>
-              <a:rPr sz="2000"/>
-              <a:t>Core behavior: inspect PR signals, patch minimally, run tests, comment rationale, merge/close.</a:t>
-            </a:r>
-          </a:p>
-          <a:p>
-            <a:pPr/>
-            <a:r>
-              <a:rPr sz="2000"/>
-              <a:t>Workflow discipline: keep main synced, verify fixes, and clean branch state after merge.</a:t>
-            </a:r>
-          </a:p>
-          <a:p>
-            <a:pPr/>
-            <a:r>
-              <a:rPr sz="2000"/>
-              <a:t>Why it matters here: final integration step for work produced by multiple agents.</a:t>
-            </a:r>
-          </a:p>
-          <a:p>
-            <a:pPr/>
-            <a:r>
-              <a:rPr sz="2000"/>
-              <a:t>Best use: converging parallel agent branches into safe, merge-ready outcomes.</a:t>
+              <a:rPr sz="2400"/>
+              <a:t>Encodes persistent repo rules: build/test/style/review expectations</a:t>
+            </a:r>
+          </a:p>
+          <a:p>
+            <a:r>
+              <a:rPr sz="2400"/>
+              <a:t>Supports layered precedence: global -&gt; repo -&gt; subdirectory</a:t>
+            </a:r>
+          </a:p>
+          <a:p>
+            <a:r>
+              <a:rPr sz="2400"/>
+              <a:t>Turn repeated reviewer feedback into durable instructions</a:t>
+            </a:r>
+          </a:p>
+          <a:p>
+            <a:r>
+              <a:rPr sz="2400"/>
+              <a:t>Pair with linters and pre-commit hooks for enforcement</a:t>
+            </a:r>
+          </a:p>
+          <a:p>
+            <a:r>
+              <a:rPr sz="2400"/>
+              <a:t>Treat AGENTS.md as living policy, not static docs</a:t>
             </a:r>
           </a:p>
         </p:txBody>
@@ -7681,8 +7771,8 @@
         </p:nvSpPr>
         <p:spPr>
           <a:xfrm>
-            <a:off x="8238744" y="4416552"/>
-            <a:ext cx="3675887" cy="2212848"/>
+            <a:off x="5056633" y="4251488"/>
+            <a:ext cx="3630168" cy="2039425"/>
           </a:xfrm>
           <a:prstGeom prst="roundRect">
             <a:avLst/>
@@ -7716,6 +7806,7 @@
           <a:lstStyle/>
           <a:p>
             <a:pPr algn="ctr"/>
+            <a:endParaRPr/>
           </a:p>
         </p:txBody>
       </p:sp>
@@ -7735,8 +7826,8 @@
         </p:blipFill>
         <p:spPr>
           <a:xfrm>
-            <a:off x="8284464" y="4462272"/>
-            <a:ext cx="3584448" cy="2121408"/>
+            <a:off x="5102352" y="4150170"/>
+            <a:ext cx="3539866" cy="2095023"/>
           </a:xfrm>
           <a:prstGeom prst="rect">
             <a:avLst/>
@@ -7773,7 +7864,7 @@
               </a:defRPr>
             </a:pPr>
             <a:r>
-              <a:t>Refs: https://docs.github.com/en/pull-requests | https://docs.github.com/en/copilot/how-tos/use-copilot-agents/coding-agent/review-copilot-prs | https://commons.wikimedia.org/wiki/File:Robonaut_2_on_display_at_NASM_(NHQ202410240009).jpg</a:t>
+              <a:t>Refs: https://developers.openai.com/codex/guides/agents-md/ | https://developers.openai.com/codex/config-reference/ | https://commons.wikimedia.org/wiki/File:ISS-29_second_onboard_tests_of_Robonaut_2.jpg</a:t>
             </a:r>
           </a:p>
         </p:txBody>
@@ -7819,7 +7910,7 @@
           <a:lstStyle/>
           <a:p>
             <a:r>
-              <a:t>AGENTS.md as Behavioral Control Plane</a:t>
+              <a:t>MCP Basics: Why It Matters</a:t>
             </a:r>
           </a:p>
         </p:txBody>
@@ -7834,38 +7925,43 @@
             <p:ph idx="1"/>
           </p:nvPr>
         </p:nvSpPr>
-        <p:spPr/>
+        <p:spPr>
+          <a:xfrm>
+            <a:off x="457200" y="1581346"/>
+            <a:ext cx="8229600" cy="4525963"/>
+          </a:xfrm>
+        </p:spPr>
         <p:txBody>
           <a:bodyPr/>
           <a:lstStyle/>
           <a:p>
             <a:r>
-              <a:rPr sz="2400"/>
-              <a:t>Encodes persistent repo rules: build/test/style/review expectations</a:t>
-            </a:r>
-          </a:p>
-          <a:p>
-            <a:r>
-              <a:rPr sz="2400"/>
-              <a:t>Supports layered precedence: global -&gt; repo -&gt; subdirectory</a:t>
-            </a:r>
-          </a:p>
-          <a:p>
-            <a:r>
-              <a:rPr sz="2400"/>
-              <a:t>Turn repeated reviewer feedback into durable instructions</a:t>
-            </a:r>
-          </a:p>
-          <a:p>
-            <a:r>
-              <a:rPr sz="2400"/>
-              <a:t>Pair with linters and pre-commit hooks for enforcement</a:t>
-            </a:r>
-          </a:p>
-          <a:p>
-            <a:r>
-              <a:rPr sz="2400"/>
-              <a:t>Treat AGENTS.md as living policy, not static docs</a:t>
+              <a:rPr sz="2200"/>
+              <a:t>MCP standardizes model access to tools and context</a:t>
+            </a:r>
+          </a:p>
+          <a:p>
+            <a:r>
+              <a:rPr sz="2200"/>
+              <a:t>Core primitives: tools, resources, prompts</a:t>
+            </a:r>
+          </a:p>
+          <a:p>
+            <a:r>
+              <a:rPr sz="2200"/>
+              <a:t>Transports: local STDIO and remote HTTP</a:t>
+            </a:r>
+          </a:p>
+          <a:p>
+            <a:r>
+              <a:rPr sz="2200"/>
+              <a:t>Decouples orchestration logic from vendor-specific integrations</a:t>
+            </a:r>
+          </a:p>
+          <a:p>
+            <a:r>
+              <a:rPr sz="2200"/>
+              <a:t>Enables reusable agent workflows across different hosts</a:t>
             </a:r>
           </a:p>
         </p:txBody>
@@ -7878,8 +7974,8 @@
         </p:nvSpPr>
         <p:spPr>
           <a:xfrm>
-            <a:off x="8238744" y="4416552"/>
-            <a:ext cx="3675887" cy="2212848"/>
+            <a:off x="5396657" y="3856317"/>
+            <a:ext cx="2670048" cy="2029968"/>
           </a:xfrm>
           <a:prstGeom prst="roundRect">
             <a:avLst/>
@@ -7887,9 +7983,9 @@
           <a:solidFill>
             <a:srgbClr val="141B2C"/>
           </a:solidFill>
-          <a:ln w="12700">
+          <a:ln w="13970">
             <a:solidFill>
-              <a:srgbClr val="485F89"/>
+              <a:srgbClr val="465C84"/>
             </a:solidFill>
           </a:ln>
           <a:effectLst/>
@@ -7913,12 +8009,13 @@
           <a:lstStyle/>
           <a:p>
             <a:pPr algn="ctr"/>
+            <a:endParaRPr/>
           </a:p>
         </p:txBody>
       </p:sp>
       <p:pic>
         <p:nvPicPr>
-          <p:cNvPr id="5" name="Picture 4" descr="image.png"/>
+          <p:cNvPr id="5" name="Picture 4" descr="mcp_mesh.png"/>
           <p:cNvPicPr>
             <a:picLocks noChangeAspect="1"/>
           </p:cNvPicPr>
@@ -7932,8 +8029,8 @@
         </p:blipFill>
         <p:spPr>
           <a:xfrm>
-            <a:off x="8284464" y="4462272"/>
-            <a:ext cx="3584448" cy="2121408"/>
+            <a:off x="5451521" y="3911181"/>
+            <a:ext cx="2560320" cy="1920240"/>
           </a:xfrm>
           <a:prstGeom prst="rect">
             <a:avLst/>
@@ -7970,7 +8067,7 @@
               </a:defRPr>
             </a:pPr>
             <a:r>
-              <a:t>Refs: https://developers.openai.com/codex/guides/agents-md/ | https://developers.openai.com/codex/config-reference/ | https://commons.wikimedia.org/wiki/File:ISS-29_second_onboard_tests_of_Robonaut_2.jpg</a:t>
+              <a:t>Refs: https://developers.openai.com/codex/mcp/ | https://modelcontextprotocol.io/specification/2025-11-25/basic | https://commons.wikimedia.org/wiki/File:Big_dog_military_robots.jpg</a:t>
             </a:r>
           </a:p>
         </p:txBody>
@@ -8016,7 +8113,7 @@
           <a:lstStyle/>
           <a:p>
             <a:r>
-              <a:t>MCP Basics: Why It Matters</a:t>
+              <a:t>MCP in Practice: Trust and Safety</a:t>
             </a:r>
           </a:p>
         </p:txBody>
@@ -8038,31 +8135,31 @@
           <a:p>
             <a:r>
               <a:rPr sz="2200"/>
-              <a:t>MCP standardizes model access to tools and context</a:t>
+              <a:t>Connect only to trusted and verified MCP servers</a:t>
             </a:r>
           </a:p>
           <a:p>
             <a:r>
               <a:rPr sz="2200"/>
-              <a:t>Core primitives: tools, resources, prompts</a:t>
+              <a:t>Minimize tool scopes; separate read-only and mutating actions</a:t>
             </a:r>
           </a:p>
           <a:p>
             <a:r>
               <a:rPr sz="2200"/>
-              <a:t>Transports: local STDIO and remote HTTP</a:t>
+              <a:t>Require explicit approvals for high-impact tool calls</a:t>
             </a:r>
           </a:p>
           <a:p>
             <a:r>
               <a:rPr sz="2200"/>
-              <a:t>Decouples orchestration logic from vendor-specific integrations</a:t>
+              <a:t>Apply OAuth/token hygiene and audience validation</a:t>
             </a:r>
           </a:p>
           <a:p>
             <a:r>
               <a:rPr sz="2200"/>
-              <a:t>Enables reusable agent workflows across different hosts</a:t>
+              <a:t>Log every tool call for auditability and incident response</a:t>
             </a:r>
           </a:p>
         </p:txBody>
@@ -8075,8 +8172,8 @@
         </p:nvSpPr>
         <p:spPr>
           <a:xfrm>
-            <a:off x="6254496" y="1499616"/>
-            <a:ext cx="2670048" cy="2029968"/>
+            <a:off x="4684839" y="3913315"/>
+            <a:ext cx="3675887" cy="2212848"/>
           </a:xfrm>
           <a:prstGeom prst="roundRect">
             <a:avLst/>
@@ -8084,9 +8181,9 @@
           <a:solidFill>
             <a:srgbClr val="141B2C"/>
           </a:solidFill>
-          <a:ln w="13970">
+          <a:ln w="12700">
             <a:solidFill>
-              <a:srgbClr val="465C84"/>
+              <a:srgbClr val="485F89"/>
             </a:solidFill>
           </a:ln>
           <a:effectLst/>
@@ -8110,12 +8207,13 @@
           <a:lstStyle/>
           <a:p>
             <a:pPr algn="ctr"/>
+            <a:endParaRPr/>
           </a:p>
         </p:txBody>
       </p:sp>
       <p:pic>
         <p:nvPicPr>
-          <p:cNvPr id="5" name="Picture 4" descr="mcp_mesh.png"/>
+          <p:cNvPr id="5" name="Picture 4" descr="sim_mujoco_3_fringe_search.png"/>
           <p:cNvPicPr>
             <a:picLocks noChangeAspect="1"/>
           </p:cNvPicPr>
@@ -8129,8 +8227,8 @@
         </p:blipFill>
         <p:spPr>
           <a:xfrm>
-            <a:off x="6309360" y="1554480"/>
-            <a:ext cx="2560320" cy="1920240"/>
+            <a:off x="4730559" y="3959035"/>
+            <a:ext cx="3584448" cy="2121408"/>
           </a:xfrm>
           <a:prstGeom prst="rect">
             <a:avLst/>
@@ -8167,7 +8265,7 @@
               </a:defRPr>
             </a:pPr>
             <a:r>
-              <a:t>Refs: https://developers.openai.com/codex/mcp/ | https://modelcontextprotocol.io/specification/2025-11-25/basic | https://commons.wikimedia.org/wiki/File:Big_dog_military_robots.jpg</a:t>
+              <a:t>Refs: https://developers.openai.com/codex/security/ | https://docs.anthropic.com/en/docs/mcp | https://commons.wikimedia.org/wiki/File:Simple_feedback_control_loop2.svg</a:t>
             </a:r>
           </a:p>
         </p:txBody>
@@ -8209,57 +8307,59 @@
         </p:nvSpPr>
         <p:spPr/>
         <p:txBody>
+          <a:bodyPr>
+            <a:normAutofit fontScale="90000"/>
+          </a:bodyPr>
+          <a:lstStyle/>
+          <a:p>
+            <a:r>
+              <a:t>Live Walkthrough: Blank Repo to PoC</a:t>
+            </a:r>
+          </a:p>
+        </p:txBody>
+      </p:sp>
+      <p:sp>
+        <p:nvSpPr>
+          <p:cNvPr id="3" name="Content Placeholder 2"/>
+          <p:cNvSpPr>
+            <a:spLocks noGrp="1"/>
+          </p:cNvSpPr>
+          <p:nvPr>
+            <p:ph idx="1"/>
+          </p:nvPr>
+        </p:nvSpPr>
+        <p:spPr/>
+        <p:txBody>
           <a:bodyPr/>
           <a:lstStyle/>
           <a:p>
             <a:r>
-              <a:t>MCP in Practice: Trust and Safety</a:t>
-            </a:r>
-          </a:p>
-        </p:txBody>
-      </p:sp>
-      <p:sp>
-        <p:nvSpPr>
-          <p:cNvPr id="3" name="Content Placeholder 2"/>
-          <p:cNvSpPr>
-            <a:spLocks noGrp="1"/>
-          </p:cNvSpPr>
-          <p:nvPr>
-            <p:ph idx="1"/>
-          </p:nvPr>
-        </p:nvSpPr>
-        <p:spPr/>
-        <p:txBody>
-          <a:bodyPr/>
-          <a:lstStyle/>
-          <a:p>
-            <a:r>
-              <a:rPr sz="2200"/>
-              <a:t>Connect only to trusted and verified MCP servers</a:t>
-            </a:r>
-          </a:p>
-          <a:p>
-            <a:r>
-              <a:rPr sz="2200"/>
-              <a:t>Minimize tool scopes; separate read-only and mutating actions</a:t>
-            </a:r>
-          </a:p>
-          <a:p>
-            <a:r>
-              <a:rPr sz="2200"/>
-              <a:t>Require explicit approvals for high-impact tool calls</a:t>
-            </a:r>
-          </a:p>
-          <a:p>
-            <a:r>
-              <a:rPr sz="2200"/>
-              <a:t>Apply OAuth/token hygiene and audience validation</a:t>
-            </a:r>
-          </a:p>
-          <a:p>
-            <a:r>
-              <a:rPr sz="2200"/>
-              <a:t>Log every tool call for auditability and incident response</a:t>
+              <a:rPr sz="2400"/>
+              <a:t>Task: research pipeline from raw data to baseline model</a:t>
+            </a:r>
+          </a:p>
+          <a:p>
+            <a:r>
+              <a:rPr sz="2400"/>
+              <a:t>Planner writes milestones and acceptance criteria</a:t>
+            </a:r>
+          </a:p>
+          <a:p>
+            <a:r>
+              <a:rPr sz="2400"/>
+              <a:t>Implementers split ingestion, modeling, evaluation, docs</a:t>
+            </a:r>
+          </a:p>
+          <a:p>
+            <a:r>
+              <a:rPr sz="2400"/>
+              <a:t>Reviewer runs risk checklist and regression pass</a:t>
+            </a:r>
+          </a:p>
+          <a:p>
+            <a:r>
+              <a:rPr sz="2400"/>
+              <a:t>Output: tested PoC branch with metrics and documentation</a:t>
             </a:r>
           </a:p>
         </p:txBody>
@@ -8272,7 +8372,7 @@
         </p:nvSpPr>
         <p:spPr>
           <a:xfrm>
-            <a:off x="8238744" y="4416552"/>
+            <a:off x="4741400" y="3959035"/>
             <a:ext cx="3675887" cy="2212848"/>
           </a:xfrm>
           <a:prstGeom prst="roundRect">
@@ -8307,12 +8407,13 @@
           <a:lstStyle/>
           <a:p>
             <a:pPr algn="ctr"/>
+            <a:endParaRPr/>
           </a:p>
         </p:txBody>
       </p:sp>
       <p:pic>
         <p:nvPicPr>
-          <p:cNvPr id="5" name="Picture 4" descr="sim_mujoco_3_fringe_search.png"/>
+          <p:cNvPr id="5" name="Picture 4" descr="sim_snapshot_1_astar.png"/>
           <p:cNvPicPr>
             <a:picLocks noChangeAspect="1"/>
           </p:cNvPicPr>
@@ -8326,7 +8427,7 @@
         </p:blipFill>
         <p:spPr>
           <a:xfrm>
-            <a:off x="8284464" y="4462272"/>
+            <a:off x="4787120" y="4004755"/>
             <a:ext cx="3584448" cy="2121408"/>
           </a:xfrm>
           <a:prstGeom prst="rect">
@@ -8364,7 +8465,7 @@
               </a:defRPr>
             </a:pPr>
             <a:r>
-              <a:t>Refs: https://developers.openai.com/codex/security/ | https://docs.anthropic.com/en/docs/mcp | https://commons.wikimedia.org/wiki/File:Simple_feedback_control_loop2.svg</a:t>
+              <a:t>Refs: https://developers.openai.com/codex/guides/agents-sdk/ | https://docs.github.com/en/copilot/how-tos/use-copilot-agents/coding-agent/create-a-pr | https://commons.wikimedia.org/wiki/File:SERCOS_III_Control_Interface_Cycle_diagram.svg</a:t>
             </a:r>
           </a:p>
         </p:txBody>
@@ -8406,57 +8507,60 @@
         </p:nvSpPr>
         <p:spPr/>
         <p:txBody>
+          <a:bodyPr>
+            <a:normAutofit fontScale="90000"/>
+          </a:bodyPr>
+          <a:lstStyle/>
+          <a:p>
+            <a:r>
+              <a:t>Cesar's Real Workflow (Control Loop)</a:t>
+            </a:r>
+          </a:p>
+        </p:txBody>
+      </p:sp>
+      <p:sp>
+        <p:nvSpPr>
+          <p:cNvPr id="3" name="Content Placeholder 2"/>
+          <p:cNvSpPr>
+            <a:spLocks noGrp="1"/>
+          </p:cNvSpPr>
+          <p:nvPr>
+            <p:ph idx="1"/>
+          </p:nvPr>
+        </p:nvSpPr>
+        <p:spPr/>
+        <p:txBody>
           <a:bodyPr/>
           <a:lstStyle/>
           <a:p>
             <a:r>
-              <a:t>Live Walkthrough: Blank Repo to PoC</a:t>
-            </a:r>
-          </a:p>
-        </p:txBody>
-      </p:sp>
-      <p:sp>
-        <p:nvSpPr>
-          <p:cNvPr id="3" name="Content Placeholder 2"/>
-          <p:cNvSpPr>
-            <a:spLocks noGrp="1"/>
-          </p:cNvSpPr>
-          <p:nvPr>
-            <p:ph idx="1"/>
-          </p:nvPr>
-        </p:nvSpPr>
-        <p:spPr/>
-        <p:txBody>
-          <a:bodyPr/>
-          <a:lstStyle/>
-          <a:p>
-            <a:r>
-              <a:rPr sz="2400"/>
-              <a:t>Task: research pipeline from raw data to baseline model</a:t>
-            </a:r>
-          </a:p>
-          <a:p>
-            <a:r>
-              <a:rPr sz="2400"/>
-              <a:t>Planner writes milestones and acceptance criteria</a:t>
-            </a:r>
-          </a:p>
-          <a:p>
-            <a:r>
-              <a:rPr sz="2400"/>
-              <a:t>Implementers split ingestion, modeling, evaluation, docs</a:t>
-            </a:r>
-          </a:p>
-          <a:p>
-            <a:r>
-              <a:rPr sz="2400"/>
-              <a:t>Reviewer runs risk checklist and regression pass</a:t>
-            </a:r>
-          </a:p>
-          <a:p>
-            <a:r>
-              <a:rPr sz="2400"/>
-              <a:t>Output: tested PoC branch with metrics and documentation</a:t>
+              <a:rPr sz="2100" dirty="0"/>
+              <a:t>Codex CLI is the control plane: parent/subagent orchestration at explicit depth levels.</a:t>
+            </a:r>
+          </a:p>
+          <a:p>
+            <a:r>
+              <a:rPr sz="2100" dirty="0"/>
+              <a:t>In my workflow, default is `--yolo` </a:t>
+            </a:r>
+            <a:endParaRPr lang="en-US" sz="2100" dirty="0"/>
+          </a:p>
+          <a:p>
+            <a:r>
+              <a:rPr sz="2100" dirty="0"/>
+              <a:t>Codex git skills convert lateral ideas and research asks directly into GitHub issues.</a:t>
+            </a:r>
+          </a:p>
+          <a:p>
+            <a:r>
+              <a:rPr sz="2100" dirty="0"/>
+              <a:t>In my workflow, GitHub dispatch is task-dependent: tag for Jules or assign to Copilot, sometimes in parallel.</a:t>
+            </a:r>
+          </a:p>
+          <a:p>
+            <a:r>
+              <a:rPr sz="2100" dirty="0"/>
+              <a:t>Gemini CLI critiques outputs and files difficulty-tagged bugs; Codex /review is the final gate.</a:t>
             </a:r>
           </a:p>
         </p:txBody>
@@ -8469,8 +8573,8 @@
         </p:nvSpPr>
         <p:spPr>
           <a:xfrm>
-            <a:off x="8238744" y="4416552"/>
-            <a:ext cx="3675887" cy="2212848"/>
+            <a:off x="6682110" y="4930547"/>
+            <a:ext cx="2059554" cy="1296516"/>
           </a:xfrm>
           <a:prstGeom prst="roundRect">
             <a:avLst/>
@@ -8478,9 +8582,9 @@
           <a:solidFill>
             <a:srgbClr val="141B2C"/>
           </a:solidFill>
-          <a:ln w="12700">
+          <a:ln w="13970">
             <a:solidFill>
-              <a:srgbClr val="485F89"/>
+              <a:srgbClr val="465C84"/>
             </a:solidFill>
           </a:ln>
           <a:effectLst/>
@@ -8504,12 +8608,13 @@
           <a:lstStyle/>
           <a:p>
             <a:pPr algn="ctr"/>
+            <a:endParaRPr/>
           </a:p>
         </p:txBody>
       </p:sp>
       <p:pic>
         <p:nvPicPr>
-          <p:cNvPr id="5" name="Picture 4" descr="sim_snapshot_1_astar.png"/>
+          <p:cNvPr id="5" name="Picture 4" descr="planning_loop.png"/>
           <p:cNvPicPr>
             <a:picLocks noChangeAspect="1"/>
           </p:cNvPicPr>
@@ -8523,8 +8628,8 @@
         </p:blipFill>
         <p:spPr>
           <a:xfrm>
-            <a:off x="8284464" y="4462272"/>
-            <a:ext cx="3584448" cy="2121408"/>
+            <a:off x="6711884" y="4761546"/>
+            <a:ext cx="1974915" cy="1410654"/>
           </a:xfrm>
           <a:prstGeom prst="rect">
             <a:avLst/>
@@ -8561,7 +8666,7 @@
               </a:defRPr>
             </a:pPr>
             <a:r>
-              <a:t>Refs: https://developers.openai.com/codex/guides/agents-sdk/ | https://docs.github.com/en/copilot/how-tos/use-copilot-agents/coding-agent/create-a-pr | https://commons.wikimedia.org/wiki/File:SERCOS_III_Control_Interface_Cycle_diagram.svg</a:t>
+              <a:t>Refs: https://developers.openai.com/codex/config-reference/ | https://developers.openai.com/codex/skills/ | https://commons.wikimedia.org/wiki/File:SERCOS_III_Control_Interface_Cycle_diagram.svg</a:t>
             </a:r>
           </a:p>
         </p:txBody>
@@ -8607,7 +8712,7 @@
           <a:lstStyle/>
           <a:p>
             <a:r>
-              <a:t>Cesar's Real Workflow (Control Loop)</a:t>
+              <a:t>Debug Loop with Agents</a:t>
             </a:r>
           </a:p>
         </p:txBody>
@@ -8627,38 +8732,33 @@
           <a:bodyPr/>
           <a:lstStyle/>
           <a:p>
-            <a:pPr/>
-            <a:r>
-              <a:rPr sz="2100"/>
-              <a:t>Codex CLI is the control plane: parent/subagent orchestration at explicit depth levels.</a:t>
-            </a:r>
-          </a:p>
-          <a:p>
-            <a:pPr/>
-            <a:r>
-              <a:rPr sz="2100"/>
-              <a:t>In my workflow, default is constrained approval mode; `--yolo` is reserved for sandboxed, low-risk tasks.</a:t>
-            </a:r>
-          </a:p>
-          <a:p>
-            <a:pPr/>
-            <a:r>
-              <a:rPr sz="2100"/>
-              <a:t>Codex git skills convert lateral ideas and research asks directly into GitHub issues.</a:t>
-            </a:r>
-          </a:p>
-          <a:p>
-            <a:pPr/>
-            <a:r>
-              <a:rPr sz="2100"/>
-              <a:t>In my workflow, GitHub dispatch is task-dependent: tag for Jules or assign to Copilot, sometimes in parallel.</a:t>
-            </a:r>
-          </a:p>
-          <a:p>
-            <a:pPr/>
-            <a:r>
-              <a:rPr sz="2100"/>
-              <a:t>Gemini CLI critiques outputs and files difficulty-tagged bugs; Codex /review is the final gate.</a:t>
+            <a:r>
+              <a:rPr sz="2400"/>
+              <a:t>Reproduce: isolate failing test and create minimal repro</a:t>
+            </a:r>
+          </a:p>
+          <a:p>
+            <a:r>
+              <a:rPr sz="2400"/>
+              <a:t>Diagnose: trace logs, data flow, and dependency graph</a:t>
+            </a:r>
+          </a:p>
+          <a:p>
+            <a:r>
+              <a:rPr sz="2400"/>
+              <a:t>Patch: propose fix with backward compatibility checks</a:t>
+            </a:r>
+          </a:p>
+          <a:p>
+            <a:r>
+              <a:rPr sz="2400"/>
+              <a:t>Verify: rerun targeted and full suite tests</a:t>
+            </a:r>
+          </a:p>
+          <a:p>
+            <a:r>
+              <a:rPr sz="2400"/>
+              <a:t>Document: root cause, fix rationale, and prevention steps</a:t>
             </a:r>
           </a:p>
         </p:txBody>
@@ -8671,8 +8771,8 @@
         </p:nvSpPr>
         <p:spPr>
           <a:xfrm>
-            <a:off x="6254496" y="1682495"/>
-            <a:ext cx="2670048" cy="1938528"/>
+            <a:off x="4939362" y="4078066"/>
+            <a:ext cx="3675887" cy="2212848"/>
           </a:xfrm>
           <a:prstGeom prst="roundRect">
             <a:avLst/>
@@ -8680,9 +8780,9 @@
           <a:solidFill>
             <a:srgbClr val="141B2C"/>
           </a:solidFill>
-          <a:ln w="13970">
+          <a:ln w="12700">
             <a:solidFill>
-              <a:srgbClr val="465C84"/>
+              <a:srgbClr val="485F89"/>
             </a:solidFill>
           </a:ln>
           <a:effectLst/>
@@ -8706,12 +8806,13 @@
           <a:lstStyle/>
           <a:p>
             <a:pPr algn="ctr"/>
+            <a:endParaRPr/>
           </a:p>
         </p:txBody>
       </p:sp>
       <p:pic>
         <p:nvPicPr>
-          <p:cNvPr id="5" name="Picture 4" descr="planning_loop.png"/>
+          <p:cNvPr id="5" name="Picture 4" descr="sim_snapshot_2_weighted_astar.png"/>
           <p:cNvPicPr>
             <a:picLocks noChangeAspect="1"/>
           </p:cNvPicPr>
@@ -8725,8 +8826,8 @@
         </p:blipFill>
         <p:spPr>
           <a:xfrm>
-            <a:off x="6309360" y="1737360"/>
-            <a:ext cx="2560320" cy="1828800"/>
+            <a:off x="4985082" y="4123786"/>
+            <a:ext cx="3584448" cy="2121408"/>
           </a:xfrm>
           <a:prstGeom prst="rect">
             <a:avLst/>
@@ -8763,7 +8864,7 @@
               </a:defRPr>
             </a:pPr>
             <a:r>
-              <a:t>Refs: https://developers.openai.com/codex/config-reference/ | https://developers.openai.com/codex/skills/ | https://commons.wikimedia.org/wiki/File:SERCOS_III_Control_Interface_Cycle_diagram.svg</a:t>
+              <a:t>Refs: https://docs.pytest.org/en/stable/ | https://playwright.dev/docs/intro | https://docs.github.com/en/actions</a:t>
             </a:r>
           </a:p>
         </p:txBody>
@@ -8809,7 +8910,7 @@
           <a:lstStyle/>
           <a:p>
             <a:r>
-              <a:t>Debug Loop with Agents</a:t>
+              <a:t>Testing Workflows with Agents</a:t>
             </a:r>
           </a:p>
         </p:txBody>
@@ -8830,32 +8931,32 @@
           <a:lstStyle/>
           <a:p>
             <a:r>
-              <a:rPr sz="2400"/>
-              <a:t>Reproduce: isolate failing test and create minimal repro</a:t>
-            </a:r>
-          </a:p>
-          <a:p>
-            <a:r>
-              <a:rPr sz="2400"/>
-              <a:t>Diagnose: trace logs, data flow, and dependency graph</a:t>
-            </a:r>
-          </a:p>
-          <a:p>
-            <a:r>
-              <a:rPr sz="2400"/>
-              <a:t>Patch: propose fix with backward compatibility checks</a:t>
-            </a:r>
-          </a:p>
-          <a:p>
-            <a:r>
-              <a:rPr sz="2400"/>
-              <a:t>Verify: rerun targeted and full suite tests</a:t>
-            </a:r>
-          </a:p>
-          <a:p>
-            <a:r>
-              <a:rPr sz="2400"/>
-              <a:t>Document: root cause, fix rationale, and prevention steps</a:t>
+              <a:rPr sz="2200"/>
+              <a:t>Generate edge-case tests and mutation-style checks</a:t>
+            </a:r>
+          </a:p>
+          <a:p>
+            <a:r>
+              <a:rPr sz="2200"/>
+              <a:t>Triage flaky tests with repeated run variance reports</a:t>
+            </a:r>
+          </a:p>
+          <a:p>
+            <a:r>
+              <a:rPr sz="2200"/>
+              <a:t>Use CI autofix loops for lint/build breakages</a:t>
+            </a:r>
+          </a:p>
+          <a:p>
+            <a:r>
+              <a:rPr sz="2200"/>
+              <a:t>Run adversarial review prompts for correctness/security</a:t>
+            </a:r>
+          </a:p>
+          <a:p>
+            <a:r>
+              <a:rPr sz="2200"/>
+              <a:t>Track regression rate per agent and task class</a:t>
             </a:r>
           </a:p>
         </p:txBody>
@@ -8868,8 +8969,8 @@
         </p:nvSpPr>
         <p:spPr>
           <a:xfrm>
-            <a:off x="8238744" y="4416552"/>
-            <a:ext cx="3675887" cy="2212848"/>
+            <a:off x="4892322" y="3784981"/>
+            <a:ext cx="4133088" cy="2578608"/>
           </a:xfrm>
           <a:prstGeom prst="roundRect">
             <a:avLst/>
@@ -8877,9 +8978,9 @@
           <a:solidFill>
             <a:srgbClr val="141B2C"/>
           </a:solidFill>
-          <a:ln w="12700">
+          <a:ln w="13970">
             <a:solidFill>
-              <a:srgbClr val="485F89"/>
+              <a:srgbClr val="465C84"/>
             </a:solidFill>
           </a:ln>
           <a:effectLst/>
@@ -8903,12 +9004,13 @@
           <a:lstStyle/>
           <a:p>
             <a:pPr algn="ctr"/>
+            <a:endParaRPr/>
           </a:p>
         </p:txBody>
       </p:sp>
       <p:pic>
         <p:nvPicPr>
-          <p:cNvPr id="5" name="Picture 4" descr="sim_snapshot_2_weighted_astar.png"/>
+          <p:cNvPr id="5" name="Picture 4" descr="sim_mujoco_3_fringe_search.png"/>
           <p:cNvPicPr>
             <a:picLocks noChangeAspect="1"/>
           </p:cNvPicPr>
@@ -8922,8 +9024,8 @@
         </p:blipFill>
         <p:spPr>
           <a:xfrm>
-            <a:off x="8284464" y="4462272"/>
-            <a:ext cx="3584448" cy="2121408"/>
+            <a:off x="4947186" y="3839845"/>
+            <a:ext cx="4023360" cy="2468880"/>
           </a:xfrm>
           <a:prstGeom prst="rect">
             <a:avLst/>
@@ -8960,7 +9062,7 @@
               </a:defRPr>
             </a:pPr>
             <a:r>
-              <a:t>Refs: https://docs.pytest.org/en/stable/ | https://playwright.dev/docs/intro | https://docs.github.com/en/actions</a:t>
+              <a:t>Refs: https://docs.pytest.org/en/stable/ | https://docs.github.com/en/actions | https://arxiv.org/abs/2310.06770</a:t>
             </a:r>
           </a:p>
         </p:txBody>
@@ -9006,7 +9108,7 @@
           <a:lstStyle/>
           <a:p>
             <a:r>
-              <a:t>Testing Workflows with Agents</a:t>
+              <a:t>Research and Writing Workflows</a:t>
             </a:r>
           </a:p>
         </p:txBody>
@@ -9028,31 +9130,31 @@
           <a:p>
             <a:r>
               <a:rPr sz="2200"/>
-              <a:t>Generate edge-case tests and mutation-style checks</a:t>
+              <a:t>Parallel literature triage and synthesis by topic</a:t>
             </a:r>
           </a:p>
           <a:p>
             <a:r>
               <a:rPr sz="2200"/>
-              <a:t>Triage flaky tests with repeated run variance reports</a:t>
+              <a:t>Experiment design support for ablations and controls</a:t>
             </a:r>
           </a:p>
           <a:p>
             <a:r>
               <a:rPr sz="2200"/>
-              <a:t>Use CI autofix loops for lint/build breakages</a:t>
+              <a:t>Auto-build reproducibility artifacts (env, seeds, scripts)</a:t>
             </a:r>
           </a:p>
           <a:p>
             <a:r>
               <a:rPr sz="2200"/>
-              <a:t>Run adversarial review prompts for correctness/security</a:t>
+              <a:t>Writing loop: draft -&gt; critique -&gt; revise -&gt; citation audit</a:t>
             </a:r>
           </a:p>
           <a:p>
             <a:r>
               <a:rPr sz="2200"/>
-              <a:t>Track regression rate per agent and task class</a:t>
+              <a:t>Prism (OpenAI, Jan 27 2026): AI-native LaTeX scientific workspace</a:t>
             </a:r>
           </a:p>
         </p:txBody>
@@ -9065,8 +9167,8 @@
         </p:nvSpPr>
         <p:spPr>
           <a:xfrm>
-            <a:off x="4882896" y="2688336"/>
-            <a:ext cx="4133088" cy="2578608"/>
+            <a:off x="6016752" y="4242816"/>
+            <a:ext cx="2670048" cy="2029968"/>
           </a:xfrm>
           <a:prstGeom prst="roundRect">
             <a:avLst/>
@@ -9100,12 +9202,13 @@
           <a:lstStyle/>
           <a:p>
             <a:pPr algn="ctr"/>
+            <a:endParaRPr/>
           </a:p>
         </p:txBody>
       </p:sp>
       <p:pic>
         <p:nvPicPr>
-          <p:cNvPr id="5" name="Picture 4" descr="sim_mujoco_3_fringe_search.png"/>
+          <p:cNvPr id="5" name="Picture 4" descr="robotics_arm.png"/>
           <p:cNvPicPr>
             <a:picLocks noChangeAspect="1"/>
           </p:cNvPicPr>
@@ -9119,8 +9222,8 @@
         </p:blipFill>
         <p:spPr>
           <a:xfrm>
-            <a:off x="4937760" y="2743200"/>
-            <a:ext cx="4023360" cy="2468880"/>
+            <a:off x="6071616" y="4297680"/>
+            <a:ext cx="2560320" cy="1920240"/>
           </a:xfrm>
           <a:prstGeom prst="rect">
             <a:avLst/>
@@ -9157,7 +9260,7 @@
               </a:defRPr>
             </a:pPr>
             <a:r>
-              <a:t>Refs: https://docs.pytest.org/en/stable/ | https://docs.github.com/en/actions | https://arxiv.org/abs/2310.06770</a:t>
+              <a:t>Refs: https://www.prisma-statement.org/prisma-2020 | https://jupyter.org/ | https://www.latex-project.org/</a:t>
             </a:r>
           </a:p>
         </p:txBody>
@@ -9199,57 +9302,59 @@
         </p:nvSpPr>
         <p:spPr/>
         <p:txBody>
+          <a:bodyPr>
+            <a:normAutofit fontScale="90000"/>
+          </a:bodyPr>
+          <a:lstStyle/>
+          <a:p>
+            <a:r>
+              <a:t>Experimental Robotics: Real World as Tools</a:t>
+            </a:r>
+          </a:p>
+        </p:txBody>
+      </p:sp>
+      <p:sp>
+        <p:nvSpPr>
+          <p:cNvPr id="3" name="Content Placeholder 2"/>
+          <p:cNvSpPr>
+            <a:spLocks noGrp="1"/>
+          </p:cNvSpPr>
+          <p:nvPr>
+            <p:ph idx="1"/>
+          </p:nvPr>
+        </p:nvSpPr>
+        <p:spPr/>
+        <p:txBody>
           <a:bodyPr/>
           <a:lstStyle/>
           <a:p>
             <a:r>
-              <a:t>Research and Writing Workflows</a:t>
-            </a:r>
-          </a:p>
-        </p:txBody>
-      </p:sp>
-      <p:sp>
-        <p:nvSpPr>
-          <p:cNvPr id="3" name="Content Placeholder 2"/>
-          <p:cNvSpPr>
-            <a:spLocks noGrp="1"/>
-          </p:cNvSpPr>
-          <p:nvPr>
-            <p:ph idx="1"/>
-          </p:nvPr>
-        </p:nvSpPr>
-        <p:spPr/>
-        <p:txBody>
-          <a:bodyPr/>
-          <a:lstStyle/>
-          <a:p>
-            <a:r>
-              <a:rPr sz="2200"/>
-              <a:t>Parallel literature triage and synthesis by topic</a:t>
-            </a:r>
-          </a:p>
-          <a:p>
-            <a:r>
-              <a:rPr sz="2200"/>
-              <a:t>Experiment design support for ablations and controls</a:t>
-            </a:r>
-          </a:p>
-          <a:p>
-            <a:r>
-              <a:rPr sz="2200"/>
-              <a:t>Auto-build reproducibility artifacts (env, seeds, scripts)</a:t>
-            </a:r>
-          </a:p>
-          <a:p>
-            <a:r>
-              <a:rPr sz="2200"/>
-              <a:t>Writing loop: draft -&gt; critique -&gt; revise -&gt; citation audit</a:t>
-            </a:r>
-          </a:p>
-          <a:p>
-            <a:r>
-              <a:rPr sz="2200"/>
-              <a:t>Prism (OpenAI, Jan 27 2026): AI-native LaTeX scientific workspace</a:t>
+              <a:rPr sz="2100"/>
+              <a:t>Any system connected to a computer can be wrapped as an agent tool interface.</a:t>
+            </a:r>
+          </a:p>
+          <a:p>
+            <a:r>
+              <a:rPr sz="2100"/>
+              <a:t>With frontier-model orchestration, cameras/sensors can feed real-world context into workflows.</a:t>
+            </a:r>
+          </a:p>
+          <a:p>
+            <a:r>
+              <a:rPr sz="2100"/>
+              <a:t>Agents can run your own scripts as tools for control, logging, and data quality checks.</a:t>
+            </a:r>
+          </a:p>
+          <a:p>
+            <a:r>
+              <a:rPr sz="2100"/>
+              <a:t>Real-world data collection can be agent-assisted with safety gates and human supervision.</a:t>
+            </a:r>
+          </a:p>
+          <a:p>
+            <a:r>
+              <a:rPr sz="2100"/>
+              <a:t>Pattern: scriptable interface -&gt; MCP/tool wrapper -&gt; agent policy -&gt; monitored execution.</a:t>
             </a:r>
           </a:p>
         </p:txBody>
@@ -9262,8 +9367,8 @@
         </p:nvSpPr>
         <p:spPr>
           <a:xfrm>
-            <a:off x="6254496" y="1408176"/>
-            <a:ext cx="2670048" cy="2029968"/>
+            <a:off x="5604235" y="5606324"/>
+            <a:ext cx="2553451" cy="849340"/>
           </a:xfrm>
           <a:prstGeom prst="roundRect">
             <a:avLst/>
@@ -9297,12 +9402,13 @@
           <a:lstStyle/>
           <a:p>
             <a:pPr algn="ctr"/>
+            <a:endParaRPr/>
           </a:p>
         </p:txBody>
       </p:sp>
       <p:pic>
         <p:nvPicPr>
-          <p:cNvPr id="5" name="Picture 4" descr="robotics_arm.png"/>
+          <p:cNvPr id="5" name="Picture 4" descr="sim_mujoco_1_astar.png"/>
           <p:cNvPicPr>
             <a:picLocks noChangeAspect="1"/>
           </p:cNvPicPr>
@@ -9316,8 +9422,8 @@
         </p:blipFill>
         <p:spPr>
           <a:xfrm>
-            <a:off x="6309360" y="1463040"/>
-            <a:ext cx="2560320" cy="1920240"/>
+            <a:off x="5659099" y="4875508"/>
+            <a:ext cx="2485660" cy="1525291"/>
           </a:xfrm>
           <a:prstGeom prst="rect">
             <a:avLst/>
@@ -9354,7 +9460,7 @@
               </a:defRPr>
             </a:pPr>
             <a:r>
-              <a:t>Refs: https://www.prisma-statement.org/prisma-2020 | https://jupyter.org/ | https://www.latex-project.org/</a:t>
+              <a:t>Refs: https://arxiv.org/abs/2212.06817 | https://arxiv.org/abs/2307.15818 | https://commons.wikimedia.org/wiki/File:Industrial_robot.jpg</a:t>
             </a:r>
           </a:p>
         </p:txBody>
@@ -9396,62 +9502,59 @@
         </p:nvSpPr>
         <p:spPr/>
         <p:txBody>
+          <a:bodyPr>
+            <a:normAutofit fontScale="90000"/>
+          </a:bodyPr>
+          <a:lstStyle/>
+          <a:p>
+            <a:r>
+              <a:t>High Risk, High Reward in Robot Agent Systems</a:t>
+            </a:r>
+          </a:p>
+        </p:txBody>
+      </p:sp>
+      <p:sp>
+        <p:nvSpPr>
+          <p:cNvPr id="3" name="Content Placeholder 2"/>
+          <p:cNvSpPr>
+            <a:spLocks noGrp="1"/>
+          </p:cNvSpPr>
+          <p:nvPr>
+            <p:ph idx="1"/>
+          </p:nvPr>
+        </p:nvSpPr>
+        <p:spPr/>
+        <p:txBody>
           <a:bodyPr/>
           <a:lstStyle/>
           <a:p>
             <a:r>
-              <a:t>Experimental Robotics: Real World as Tools</a:t>
-            </a:r>
-          </a:p>
-        </p:txBody>
-      </p:sp>
-      <p:sp>
-        <p:nvSpPr>
-          <p:cNvPr id="3" name="Content Placeholder 2"/>
-          <p:cNvSpPr>
-            <a:spLocks noGrp="1"/>
-          </p:cNvSpPr>
-          <p:nvPr>
-            <p:ph idx="1"/>
-          </p:nvPr>
-        </p:nvSpPr>
-        <p:spPr/>
-        <p:txBody>
-          <a:bodyPr/>
-          <a:lstStyle/>
-          <a:p>
-            <a:pPr/>
-            <a:r>
               <a:rPr sz="2100"/>
-              <a:t>Any system connected to a computer can be wrapped as an agent tool interface.</a:t>
-            </a:r>
-          </a:p>
-          <a:p>
-            <a:pPr/>
+              <a:t>Reward: faster robotics iteration, larger design search, and continuous real-world data loops.</a:t>
+            </a:r>
+          </a:p>
+          <a:p>
             <a:r>
               <a:rPr sz="2100"/>
-              <a:t>With frontier-model orchestration, cameras/sensors can feed real-world context into workflows.</a:t>
-            </a:r>
-          </a:p>
-          <a:p>
-            <a:pPr/>
+              <a:t>Operating doctrine: default to constrained approvals; escalate to `--yolo` only in sandboxed scenarios with explicit guardrails.</a:t>
+            </a:r>
+          </a:p>
+          <a:p>
             <a:r>
               <a:rPr sz="2100"/>
-              <a:t>Agents can run your own scripts as tools for control, logging, and data quality checks.</a:t>
-            </a:r>
-          </a:p>
-          <a:p>
-            <a:pPr/>
+              <a:t>Risk: unsafe actuation, sensor misreads, and over-trusting autonomous decisions.</a:t>
+            </a:r>
+          </a:p>
+          <a:p>
             <a:r>
               <a:rPr sz="2100"/>
-              <a:t>Real-world data collection can be agent-assisted with safety gates and human supervision.</a:t>
-            </a:r>
-          </a:p>
-          <a:p>
-            <a:pPr/>
+              <a:t>Counterbalance controls: kill-switches, hard interrupts, telemetry, and post-run forensics.</a:t>
+            </a:r>
+          </a:p>
+          <a:p>
             <a:r>
               <a:rPr sz="2100"/>
-              <a:t>Pattern: scriptable interface -&gt; MCP/tool wrapper -&gt; agent policy -&gt; monitored execution.</a:t>
+              <a:t>Core metrics: incident/near-miss rate, rollback frequency, and data quality drift.</a:t>
             </a:r>
           </a:p>
         </p:txBody>
@@ -9464,8 +9567,8 @@
         </p:nvSpPr>
         <p:spPr>
           <a:xfrm>
-            <a:off x="493776" y="2688336"/>
-            <a:ext cx="4133088" cy="2578608"/>
+            <a:off x="5599520" y="5157318"/>
+            <a:ext cx="2703420" cy="1217587"/>
           </a:xfrm>
           <a:prstGeom prst="roundRect">
             <a:avLst/>
@@ -9499,12 +9602,13 @@
           <a:lstStyle/>
           <a:p>
             <a:pPr algn="ctr"/>
+            <a:endParaRPr/>
           </a:p>
         </p:txBody>
       </p:sp>
       <p:pic>
         <p:nvPicPr>
-          <p:cNvPr id="5" name="Picture 4" descr="sim_mujoco_1_astar.png"/>
+          <p:cNvPr id="5" name="Picture 4" descr="sim_mujoco_2_weighted_astar.png"/>
           <p:cNvPicPr>
             <a:picLocks noChangeAspect="1"/>
           </p:cNvPicPr>
@@ -9518,8 +9622,8 @@
         </p:blipFill>
         <p:spPr>
           <a:xfrm>
-            <a:off x="548640" y="2743200"/>
-            <a:ext cx="4023360" cy="2468880"/>
+            <a:off x="5635406" y="4760030"/>
+            <a:ext cx="2631648" cy="1614875"/>
           </a:xfrm>
           <a:prstGeom prst="rect">
             <a:avLst/>
@@ -9556,7 +9660,7 @@
               </a:defRPr>
             </a:pPr>
             <a:r>
-              <a:t>Refs: https://arxiv.org/abs/2212.06817 | https://arxiv.org/abs/2307.15818 | https://commons.wikimedia.org/wiki/File:Industrial_robot.jpg</a:t>
+              <a:t>Refs: https://www.nist.gov/itl/ai-risk-management-framework | https://arxiv.org/abs/2307.15818 | https://commons.wikimedia.org/wiki/File:Big_dog_military_robots.jpg</a:t>
             </a:r>
           </a:p>
         </p:txBody>
@@ -9602,7 +9706,7 @@
           <a:lstStyle/>
           <a:p>
             <a:r>
-              <a:t>Why 2026 Is Different</a:t>
+              <a:t>What Multi-agent Workflow Means</a:t>
             </a:r>
           </a:p>
         </p:txBody>
@@ -9624,31 +9728,31 @@
           <a:p>
             <a:r>
               <a:rPr sz="2400"/>
-              <a:t>Coding agents moved from chat help to autonomous PR-style execution</a:t>
+              <a:t>Multiple specialized agents coordinate on one objective</a:t>
             </a:r>
           </a:p>
           <a:p>
             <a:r>
               <a:rPr sz="2400"/>
-              <a:t>MCP-style protocols made tool integrations composable</a:t>
+              <a:t>Planner decomposes work into parallelizable tasks</a:t>
             </a:r>
           </a:p>
           <a:p>
             <a:r>
               <a:rPr sz="2400"/>
-              <a:t>Larger context + stronger reasoning enable longer task chains</a:t>
+              <a:t>Implementers execute code, tests, and integrations</a:t>
             </a:r>
           </a:p>
           <a:p>
             <a:r>
               <a:rPr sz="2400"/>
-              <a:t>Teams can parallelize exploration, implementation, and review</a:t>
+              <a:t>Reviewer/critic validates correctness and regression risk</a:t>
             </a:r>
           </a:p>
           <a:p>
             <a:r>
               <a:rPr sz="2400"/>
-              <a:t>Bottleneck shifted from typing speed to orchestration quality</a:t>
+              <a:t>Human sets priorities, trust boundaries, and final approvals</a:t>
             </a:r>
           </a:p>
         </p:txBody>
@@ -9661,7 +9765,7 @@
         </p:nvSpPr>
         <p:spPr>
           <a:xfrm>
-            <a:off x="8238744" y="4416552"/>
+            <a:off x="4755316" y="3913315"/>
             <a:ext cx="3675887" cy="2212848"/>
           </a:xfrm>
           <a:prstGeom prst="roundRect">
@@ -9696,6 +9800,7 @@
           <a:lstStyle/>
           <a:p>
             <a:pPr algn="ctr"/>
+            <a:endParaRPr/>
           </a:p>
         </p:txBody>
       </p:sp>
@@ -9715,7 +9820,7 @@
         </p:blipFill>
         <p:spPr>
           <a:xfrm>
-            <a:off x="8284464" y="4462272"/>
+            <a:off x="4801036" y="3959035"/>
             <a:ext cx="3584448" cy="2121408"/>
           </a:xfrm>
           <a:prstGeom prst="rect">
@@ -9753,7 +9858,7 @@
               </a:defRPr>
             </a:pPr>
             <a:r>
-              <a:t>Refs: https://developers.openai.com/codex/guides/agents-sdk/ | https://github.com/features/copilot | https://www.anthropic.com/news/model-context-protocol</a:t>
+              <a:t>Refs: https://arxiv.org/abs/2308.08155 | https://arxiv.org/abs/2308.00352 | https://commons.wikimedia.org/wiki/File:Humanoid_Robot.webp</a:t>
             </a:r>
           </a:p>
         </p:txBody>
@@ -9795,62 +9900,59 @@
         </p:nvSpPr>
         <p:spPr/>
         <p:txBody>
+          <a:bodyPr>
+            <a:normAutofit fontScale="90000"/>
+          </a:bodyPr>
+          <a:lstStyle/>
+          <a:p>
+            <a:r>
+              <a:t>Ralph Wiggum Technique (Actual Definition)</a:t>
+            </a:r>
+          </a:p>
+        </p:txBody>
+      </p:sp>
+      <p:sp>
+        <p:nvSpPr>
+          <p:cNvPr id="3" name="Content Placeholder 2"/>
+          <p:cNvSpPr>
+            <a:spLocks noGrp="1"/>
+          </p:cNvSpPr>
+          <p:nvPr>
+            <p:ph idx="1"/>
+          </p:nvPr>
+        </p:nvSpPr>
+        <p:spPr/>
+        <p:txBody>
           <a:bodyPr/>
           <a:lstStyle/>
           <a:p>
             <a:r>
-              <a:t>High Risk, High Reward in Robot Agent Systems</a:t>
-            </a:r>
-          </a:p>
-        </p:txBody>
-      </p:sp>
-      <p:sp>
-        <p:nvSpPr>
-          <p:cNvPr id="3" name="Content Placeholder 2"/>
-          <p:cNvSpPr>
-            <a:spLocks noGrp="1"/>
-          </p:cNvSpPr>
-          <p:nvPr>
-            <p:ph idx="1"/>
-          </p:nvPr>
-        </p:nvSpPr>
-        <p:spPr/>
-        <p:txBody>
-          <a:bodyPr/>
-          <a:lstStyle/>
-          <a:p>
-            <a:pPr/>
-            <a:r>
-              <a:rPr sz="2100"/>
-              <a:t>Reward: faster robotics iteration, larger design search, and continuous real-world data loops.</a:t>
-            </a:r>
-          </a:p>
-          <a:p>
-            <a:pPr/>
-            <a:r>
-              <a:rPr sz="2100"/>
-              <a:t>Operating doctrine: default to constrained approvals; escalate to `--yolo` only in sandboxed scenarios with explicit guardrails.</a:t>
-            </a:r>
-          </a:p>
-          <a:p>
-            <a:pPr/>
-            <a:r>
-              <a:rPr sz="2100"/>
-              <a:t>Risk: unsafe actuation, sensor misreads, and over-trusting autonomous decisions.</a:t>
-            </a:r>
-          </a:p>
-          <a:p>
-            <a:pPr/>
-            <a:r>
-              <a:rPr sz="2100"/>
-              <a:t>Counterbalance controls: kill-switches, hard interrupts, telemetry, and post-run forensics.</a:t>
-            </a:r>
-          </a:p>
-          <a:p>
-            <a:pPr/>
-            <a:r>
-              <a:rPr sz="2100"/>
-              <a:t>Core metrics: incident/near-miss rate, rollback frequency, and data quality drift.</a:t>
+              <a:rPr sz="2000"/>
+              <a:t>Core loop: run the same prompt repeatedly (`while :; do cat PROMPT.md | agent; done`) until completion signal.</a:t>
+            </a:r>
+          </a:p>
+          <a:p>
+            <a:r>
+              <a:rPr sz="2000"/>
+              <a:t>State is externalized to files + git, not chat history; each iteration can start with a fresh context window.</a:t>
+            </a:r>
+          </a:p>
+          <a:p>
+            <a:r>
+              <a:rPr sz="2000"/>
+              <a:t>Operational rule: one concrete item per loop to reduce context pollution and drift.</a:t>
+            </a:r>
+          </a:p>
+          <a:p>
+            <a:r>
+              <a:rPr sz="2000"/>
+              <a:t>Add backpressure gates (tests, type checks, linters, scanners) so bad code is automatically rejected.</a:t>
+            </a:r>
+          </a:p>
+          <a:p>
+            <a:r>
+              <a:rPr sz="2000"/>
+              <a:t>Tune iteratively with explicit guardrail instructions (“signs”) when failure patterns appear.</a:t>
             </a:r>
           </a:p>
         </p:txBody>
@@ -9863,203 +9965,8 @@
         </p:nvSpPr>
         <p:spPr>
           <a:xfrm>
-            <a:off x="4517136" y="2688336"/>
-            <a:ext cx="4133088" cy="2578608"/>
-          </a:xfrm>
-          <a:prstGeom prst="roundRect">
-            <a:avLst/>
-          </a:prstGeom>
-          <a:solidFill>
-            <a:srgbClr val="141B2C"/>
-          </a:solidFill>
-          <a:ln w="13970">
-            <a:solidFill>
-              <a:srgbClr val="465C84"/>
-            </a:solidFill>
-          </a:ln>
-          <a:effectLst/>
-        </p:spPr>
-        <p:style>
-          <a:lnRef idx="1">
-            <a:schemeClr val="accent1"/>
-          </a:lnRef>
-          <a:fillRef idx="3">
-            <a:schemeClr val="accent1"/>
-          </a:fillRef>
-          <a:effectRef idx="2">
-            <a:schemeClr val="accent1"/>
-          </a:effectRef>
-          <a:fontRef idx="minor">
-            <a:schemeClr val="lt1"/>
-          </a:fontRef>
-        </p:style>
-        <p:txBody>
-          <a:bodyPr rtlCol="0" anchor="ctr"/>
-          <a:lstStyle/>
-          <a:p>
-            <a:pPr algn="ctr"/>
-          </a:p>
-        </p:txBody>
-      </p:sp>
-      <p:pic>
-        <p:nvPicPr>
-          <p:cNvPr id="5" name="Picture 4" descr="sim_mujoco_2_weighted_astar.png"/>
-          <p:cNvPicPr>
-            <a:picLocks noChangeAspect="1"/>
-          </p:cNvPicPr>
-          <p:nvPr/>
-        </p:nvPicPr>
-        <p:blipFill>
-          <a:blip r:embed="rId2"/>
-          <a:stretch>
-            <a:fillRect/>
-          </a:stretch>
-        </p:blipFill>
-        <p:spPr>
-          <a:xfrm>
-            <a:off x="4572000" y="2743200"/>
-            <a:ext cx="4023360" cy="2468880"/>
-          </a:xfrm>
-          <a:prstGeom prst="rect">
-            <a:avLst/>
-          </a:prstGeom>
-        </p:spPr>
-      </p:pic>
-      <p:sp>
-        <p:nvSpPr>
-          <p:cNvPr id="6" name="TextBox 5"/>
-          <p:cNvSpPr txBox="1"/>
-          <p:nvPr/>
-        </p:nvSpPr>
-        <p:spPr>
-          <a:xfrm>
-            <a:off x="256032" y="6455664"/>
-            <a:ext cx="11686032" cy="310896"/>
-          </a:xfrm>
-          <a:prstGeom prst="rect">
-            <a:avLst/>
-          </a:prstGeom>
-          <a:noFill/>
-        </p:spPr>
-        <p:txBody>
-          <a:bodyPr wrap="none">
-            <a:spAutoFit/>
-          </a:bodyPr>
-          <a:lstStyle/>
-          <a:p>
-            <a:pPr>
-              <a:defRPr sz="650">
-                <a:solidFill>
-                  <a:srgbClr val="757B88"/>
-                </a:solidFill>
-              </a:defRPr>
-            </a:pPr>
-            <a:r>
-              <a:t>Refs: https://www.nist.gov/itl/ai-risk-management-framework | https://arxiv.org/abs/2307.15818 | https://commons.wikimedia.org/wiki/File:Big_dog_military_robots.jpg</a:t>
-            </a:r>
-          </a:p>
-        </p:txBody>
-      </p:sp>
-    </p:spTree>
-  </p:cSld>
-  <p:clrMapOvr>
-    <a:masterClrMapping/>
-  </p:clrMapOvr>
-</p:sld>
-</file>
-
-<file path=ppt/slides/slide41.xml><?xml version="1.0" encoding="utf-8"?>
-<p:sld xmlns:a="http://schemas.openxmlformats.org/drawingml/2006/main" xmlns:p="http://schemas.openxmlformats.org/presentationml/2006/main" xmlns:r="http://schemas.openxmlformats.org/officeDocument/2006/relationships">
-  <p:cSld>
-    <p:spTree>
-      <p:nvGrpSpPr>
-        <p:cNvPr id="1" name=""/>
-        <p:cNvGrpSpPr/>
-        <p:nvPr/>
-      </p:nvGrpSpPr>
-      <p:grpSpPr/>
-      <p:sp>
-        <p:nvSpPr>
-          <p:cNvPr id="2" name="Title 1"/>
-          <p:cNvSpPr>
-            <a:spLocks noGrp="1"/>
-          </p:cNvSpPr>
-          <p:nvPr>
-            <p:ph type="title"/>
-          </p:nvPr>
-        </p:nvSpPr>
-        <p:spPr/>
-        <p:txBody>
-          <a:bodyPr/>
-          <a:lstStyle/>
-          <a:p>
-            <a:r>
-              <a:t>Ralph Wiggum Technique (Actual Definition)</a:t>
-            </a:r>
-          </a:p>
-        </p:txBody>
-      </p:sp>
-      <p:sp>
-        <p:nvSpPr>
-          <p:cNvPr id="3" name="Content Placeholder 2"/>
-          <p:cNvSpPr>
-            <a:spLocks noGrp="1"/>
-          </p:cNvSpPr>
-          <p:nvPr>
-            <p:ph idx="1"/>
-          </p:nvPr>
-        </p:nvSpPr>
-        <p:spPr/>
-        <p:txBody>
-          <a:bodyPr/>
-          <a:lstStyle/>
-          <a:p>
-            <a:pPr/>
-            <a:r>
-              <a:rPr sz="2000"/>
-              <a:t>Core loop: run the same prompt repeatedly (`while :; do cat PROMPT.md | agent; done`) until completion signal.</a:t>
-            </a:r>
-          </a:p>
-          <a:p>
-            <a:pPr/>
-            <a:r>
-              <a:rPr sz="2000"/>
-              <a:t>State is externalized to files + git, not chat history; each iteration can start with a fresh context window.</a:t>
-            </a:r>
-          </a:p>
-          <a:p>
-            <a:pPr/>
-            <a:r>
-              <a:rPr sz="2000"/>
-              <a:t>Operational rule: one concrete item per loop to reduce context pollution and drift.</a:t>
-            </a:r>
-          </a:p>
-          <a:p>
-            <a:pPr/>
-            <a:r>
-              <a:rPr sz="2000"/>
-              <a:t>Add backpressure gates (tests, type checks, linters, scanners) so bad code is automatically rejected.</a:t>
-            </a:r>
-          </a:p>
-          <a:p>
-            <a:pPr/>
-            <a:r>
-              <a:rPr sz="2000"/>
-              <a:t>Tune iteratively with explicit guardrail instructions (“signs”) when failure patterns appear.</a:t>
-            </a:r>
-          </a:p>
-        </p:txBody>
-      </p:sp>
-      <p:sp>
-        <p:nvSpPr>
-          <p:cNvPr id="4" name="Rounded Rectangle 3"/>
-          <p:cNvSpPr/>
-          <p:nvPr/>
-        </p:nvSpPr>
-        <p:spPr>
-          <a:xfrm>
-            <a:off x="8238744" y="4416552"/>
-            <a:ext cx="3675887" cy="2212848"/>
+            <a:off x="5675532" y="4717521"/>
+            <a:ext cx="3056988" cy="1911561"/>
           </a:xfrm>
           <a:prstGeom prst="roundRect">
             <a:avLst/>
@@ -10093,6 +10000,7 @@
           <a:lstStyle/>
           <a:p>
             <a:pPr algn="ctr"/>
+            <a:endParaRPr/>
           </a:p>
         </p:txBody>
       </p:sp>
@@ -10112,8 +10020,8 @@
         </p:blipFill>
         <p:spPr>
           <a:xfrm>
-            <a:off x="8284464" y="4462272"/>
-            <a:ext cx="3584448" cy="2121408"/>
+            <a:off x="5590387" y="4750791"/>
+            <a:ext cx="3096413" cy="1832571"/>
           </a:xfrm>
           <a:prstGeom prst="rect">
             <a:avLst/>
@@ -10196,7 +10104,7 @@
           <a:lstStyle/>
           <a:p>
             <a:r>
-              <a:t>What Multi-agent Workflow Means</a:t>
+              <a:t>Reference Architecture</a:t>
             </a:r>
           </a:p>
         </p:txBody>
@@ -10218,31 +10126,31 @@
           <a:p>
             <a:r>
               <a:rPr sz="2400"/>
-              <a:t>Multiple specialized agents coordinate on one objective</a:t>
+              <a:t>Inputs: issue statement, repo state, tests, constraints</a:t>
             </a:r>
           </a:p>
           <a:p>
             <a:r>
               <a:rPr sz="2400"/>
-              <a:t>Planner decomposes work into parallelizable tasks</a:t>
+              <a:t>Planner agent: task graph + acceptance criteria</a:t>
             </a:r>
           </a:p>
           <a:p>
             <a:r>
               <a:rPr sz="2400"/>
-              <a:t>Implementers execute code, tests, and integrations</a:t>
+              <a:t>Implementer agents: code changes + local validation</a:t>
             </a:r>
           </a:p>
           <a:p>
             <a:r>
               <a:rPr sz="2400"/>
-              <a:t>Reviewer/critic validates correctness and regression risk</a:t>
+              <a:t>Reviewer agent: risk scan + quality bar checks</a:t>
             </a:r>
           </a:p>
           <a:p>
             <a:r>
               <a:rPr sz="2400"/>
-              <a:t>Human sets priorities, trust boundaries, and final approvals</a:t>
+              <a:t>Operator (human): checkpoint approvals + merge decisions</a:t>
             </a:r>
           </a:p>
         </p:txBody>
@@ -10255,8 +10163,8 @@
         </p:nvSpPr>
         <p:spPr>
           <a:xfrm>
-            <a:off x="8238744" y="4416552"/>
-            <a:ext cx="3675887" cy="2212848"/>
+            <a:off x="6163056" y="4104242"/>
+            <a:ext cx="2578608" cy="1938528"/>
           </a:xfrm>
           <a:prstGeom prst="roundRect">
             <a:avLst/>
@@ -10264,9 +10172,9 @@
           <a:solidFill>
             <a:srgbClr val="141B2C"/>
           </a:solidFill>
-          <a:ln w="12700">
+          <a:ln w="13970">
             <a:solidFill>
-              <a:srgbClr val="485F89"/>
+              <a:srgbClr val="465C84"/>
             </a:solidFill>
           </a:ln>
           <a:effectLst/>
@@ -10290,12 +10198,13 @@
           <a:lstStyle/>
           <a:p>
             <a:pPr algn="ctr"/>
+            <a:endParaRPr/>
           </a:p>
         </p:txBody>
       </p:sp>
       <p:pic>
         <p:nvPicPr>
-          <p:cNvPr id="5" name="Picture 4" descr="image.png"/>
+          <p:cNvPr id="5" name="Picture 4" descr="mcp_mesh.png"/>
           <p:cNvPicPr>
             <a:picLocks noChangeAspect="1"/>
           </p:cNvPicPr>
@@ -10309,8 +10218,8 @@
         </p:blipFill>
         <p:spPr>
           <a:xfrm>
-            <a:off x="8284464" y="4462272"/>
-            <a:ext cx="3584448" cy="2121408"/>
+            <a:off x="6217920" y="4159106"/>
+            <a:ext cx="2468880" cy="1828800"/>
           </a:xfrm>
           <a:prstGeom prst="rect">
             <a:avLst/>
@@ -10347,7 +10256,7 @@
               </a:defRPr>
             </a:pPr>
             <a:r>
-              <a:t>Refs: https://arxiv.org/abs/2308.08155 | https://arxiv.org/abs/2308.00352 | https://commons.wikimedia.org/wiki/File:Humanoid_Robot.webp</a:t>
+              <a:t>Refs: https://developers.openai.com/codex/guides/agents-sdk/ | https://github.com/modelcontextprotocol/modelcontextprotocol | https://commons.wikimedia.org/wiki/File:FANUC_6-axis_welding_robots.jpg</a:t>
             </a:r>
           </a:p>
         </p:txBody>
@@ -10389,57 +10298,59 @@
         </p:nvSpPr>
         <p:spPr/>
         <p:txBody>
+          <a:bodyPr>
+            <a:normAutofit fontScale="90000"/>
+          </a:bodyPr>
+          <a:lstStyle/>
+          <a:p>
+            <a:r>
+              <a:t>Tool Landscape (As of Feb 26, 2026)</a:t>
+            </a:r>
+          </a:p>
+        </p:txBody>
+      </p:sp>
+      <p:sp>
+        <p:nvSpPr>
+          <p:cNvPr id="3" name="Content Placeholder 2"/>
+          <p:cNvSpPr>
+            <a:spLocks noGrp="1"/>
+          </p:cNvSpPr>
+          <p:nvPr>
+            <p:ph idx="1"/>
+          </p:nvPr>
+        </p:nvSpPr>
+        <p:spPr/>
+        <p:txBody>
           <a:bodyPr/>
           <a:lstStyle/>
           <a:p>
             <a:r>
-              <a:t>Reference Architecture</a:t>
-            </a:r>
-          </a:p>
-        </p:txBody>
-      </p:sp>
-      <p:sp>
-        <p:nvSpPr>
-          <p:cNvPr id="3" name="Content Placeholder 2"/>
-          <p:cNvSpPr>
-            <a:spLocks noGrp="1"/>
-          </p:cNvSpPr>
-          <p:nvPr>
-            <p:ph idx="1"/>
-          </p:nvPr>
-        </p:nvSpPr>
-        <p:spPr/>
-        <p:txBody>
-          <a:bodyPr/>
-          <a:lstStyle/>
-          <a:p>
-            <a:r>
-              <a:rPr sz="2400"/>
-              <a:t>Inputs: issue statement, repo state, tests, constraints</a:t>
-            </a:r>
-          </a:p>
-          <a:p>
-            <a:r>
-              <a:rPr sz="2400"/>
-              <a:t>Planner agent: task graph + acceptance criteria</a:t>
-            </a:r>
-          </a:p>
-          <a:p>
-            <a:r>
-              <a:rPr sz="2400"/>
-              <a:t>Implementer agents: code changes + local validation</a:t>
-            </a:r>
-          </a:p>
-          <a:p>
-            <a:r>
-              <a:rPr sz="2400"/>
-              <a:t>Reviewer agent: risk scan + quality bar checks</a:t>
-            </a:r>
-          </a:p>
-          <a:p>
-            <a:r>
-              <a:rPr sz="2400"/>
-              <a:t>Operator (human): checkpoint approvals + merge decisions</a:t>
+              <a:rPr sz="2200"/>
+              <a:t>OpenAI Codex CLI: local coding agent with multi-agent + MCP</a:t>
+            </a:r>
+          </a:p>
+          <a:p>
+            <a:r>
+              <a:rPr sz="2200"/>
+              <a:t>GitHub Copilot coding agent: issue-to-PR automation in GitHub</a:t>
+            </a:r>
+          </a:p>
+          <a:p>
+            <a:r>
+              <a:rPr sz="2200"/>
+              <a:t>Google Jules/Jules API: asynchronous coding agent + API automation</a:t>
+            </a:r>
+          </a:p>
+          <a:p>
+            <a:r>
+              <a:rPr sz="2200"/>
+              <a:t>Gemini CLI: open-source terminal agent with MCP extensibility</a:t>
+            </a:r>
+          </a:p>
+          <a:p>
+            <a:r>
+              <a:rPr sz="2200"/>
+              <a:t>Shared denominator: prompts + tools + policy + eval loops</a:t>
             </a:r>
           </a:p>
         </p:txBody>
@@ -10452,8 +10363,8 @@
         </p:nvSpPr>
         <p:spPr>
           <a:xfrm>
-            <a:off x="6345936" y="1408176"/>
-            <a:ext cx="2578608" cy="1938528"/>
+            <a:off x="5137326" y="4078066"/>
+            <a:ext cx="3675887" cy="2212848"/>
           </a:xfrm>
           <a:prstGeom prst="roundRect">
             <a:avLst/>
@@ -10461,9 +10372,9 @@
           <a:solidFill>
             <a:srgbClr val="141B2C"/>
           </a:solidFill>
-          <a:ln w="13970">
+          <a:ln w="12700">
             <a:solidFill>
-              <a:srgbClr val="465C84"/>
+              <a:srgbClr val="485F89"/>
             </a:solidFill>
           </a:ln>
           <a:effectLst/>
@@ -10487,12 +10398,13 @@
           <a:lstStyle/>
           <a:p>
             <a:pPr algn="ctr"/>
+            <a:endParaRPr/>
           </a:p>
         </p:txBody>
       </p:sp>
       <p:pic>
         <p:nvPicPr>
-          <p:cNvPr id="5" name="Picture 4" descr="mcp_mesh.png"/>
+          <p:cNvPr id="5" name="Picture 4" descr="image.png"/>
           <p:cNvPicPr>
             <a:picLocks noChangeAspect="1"/>
           </p:cNvPicPr>
@@ -10506,8 +10418,8 @@
         </p:blipFill>
         <p:spPr>
           <a:xfrm>
-            <a:off x="6400800" y="1463040"/>
-            <a:ext cx="2468880" cy="1828800"/>
+            <a:off x="5183046" y="4123786"/>
+            <a:ext cx="3584448" cy="2121408"/>
           </a:xfrm>
           <a:prstGeom prst="rect">
             <a:avLst/>
@@ -10544,7 +10456,7 @@
               </a:defRPr>
             </a:pPr>
             <a:r>
-              <a:t>Refs: https://developers.openai.com/codex/guides/agents-sdk/ | https://github.com/modelcontextprotocol/modelcontextprotocol | https://commons.wikimedia.org/wiki/File:FANUC_6-axis_welding_robots.jpg</a:t>
+              <a:t>Refs: https://developers.openai.com/codex/ | https://docs.github.com/en/copilot/concepts/agents/coding-agent/about-coding-agent | https://commons.wikimedia.org/wiki/File:Industrial_robot.jpg</a:t>
             </a:r>
           </a:p>
         </p:txBody>
@@ -10590,7 +10502,7 @@
           <a:lstStyle/>
           <a:p>
             <a:r>
-              <a:t>Tool Landscape (As of Feb 26, 2026)</a:t>
+              <a:t>Codex CLI: High-Leverage Features</a:t>
             </a:r>
           </a:p>
         </p:txBody>
@@ -10612,31 +10524,31 @@
           <a:p>
             <a:r>
               <a:rPr sz="2200"/>
-              <a:t>OpenAI Codex CLI: local coding agent with multi-agent + MCP</a:t>
+              <a:t>Local repo read/edit/run with explicit approval modes</a:t>
             </a:r>
           </a:p>
           <a:p>
             <a:r>
               <a:rPr sz="2200"/>
-              <a:t>GitHub Copilot coding agent: issue-to-PR automation in GitHub</a:t>
+              <a:t>Non-interactive automation via codex exec workflows</a:t>
             </a:r>
           </a:p>
           <a:p>
             <a:r>
               <a:rPr sz="2200"/>
-              <a:t>Google Jules/Jules API: asynchronous coding agent + API automation</a:t>
+              <a:t>Experimental multi-agent orchestration with specialized roles</a:t>
             </a:r>
           </a:p>
           <a:p>
             <a:r>
               <a:rPr sz="2200"/>
-              <a:t>Gemini CLI: open-source terminal agent with MCP extensibility</a:t>
+              <a:t>First-party web search (cached or live modes)</a:t>
             </a:r>
           </a:p>
           <a:p>
             <a:r>
               <a:rPr sz="2200"/>
-              <a:t>Shared denominator: prompts + tools + policy + eval loops</a:t>
+              <a:t>Built-in MCP support for external tools and context providers</a:t>
             </a:r>
           </a:p>
         </p:txBody>
@@ -10649,7 +10561,7 @@
         </p:nvSpPr>
         <p:spPr>
           <a:xfrm>
-            <a:off x="8238744" y="4416552"/>
+            <a:off x="5382423" y="3959035"/>
             <a:ext cx="3675887" cy="2212848"/>
           </a:xfrm>
           <a:prstGeom prst="roundRect">
@@ -10684,6 +10596,7 @@
           <a:lstStyle/>
           <a:p>
             <a:pPr algn="ctr"/>
+            <a:endParaRPr/>
           </a:p>
         </p:txBody>
       </p:sp>
@@ -10703,7 +10616,7 @@
         </p:blipFill>
         <p:spPr>
           <a:xfrm>
-            <a:off x="8284464" y="4462272"/>
+            <a:off x="5428143" y="4004755"/>
             <a:ext cx="3584448" cy="2121408"/>
           </a:xfrm>
           <a:prstGeom prst="rect">
@@ -10741,7 +10654,7 @@
               </a:defRPr>
             </a:pPr>
             <a:r>
-              <a:t>Refs: https://developers.openai.com/codex/ | https://docs.github.com/en/copilot/concepts/agents/coding-agent/about-coding-agent | https://commons.wikimedia.org/wiki/File:Industrial_robot.jpg</a:t>
+              <a:t>Refs: https://developers.openai.com/codex/cli/features/ | https://developers.openai.com/codex/security/ | https://commons.wikimedia.org/wiki/File:Simplified_robottypes.svg</a:t>
             </a:r>
           </a:p>
         </p:txBody>
@@ -10787,7 +10700,7 @@
           <a:lstStyle/>
           <a:p>
             <a:r>
-              <a:t>Codex CLI: High-Leverage Features</a:t>
+              <a:t>GitHub Copilot Coding Agent</a:t>
             </a:r>
           </a:p>
         </p:txBody>
@@ -10809,31 +10722,31 @@
           <a:p>
             <a:r>
               <a:rPr sz="2200"/>
-              <a:t>Local repo read/edit/run with explicit approval modes</a:t>
+              <a:t>Strong fit for issue-driven asynchronous implementation</a:t>
             </a:r>
           </a:p>
           <a:p>
             <a:r>
               <a:rPr sz="2200"/>
-              <a:t>Non-interactive automation via codex exec workflows</a:t>
+              <a:t>Operates directly in GitHub pull request workflows</a:t>
             </a:r>
           </a:p>
           <a:p>
             <a:r>
               <a:rPr sz="2200"/>
-              <a:t>Experimental multi-agent orchestration with specialized roles</a:t>
+              <a:t>Useful for repetitive backlog and maintenance tasks</a:t>
             </a:r>
           </a:p>
           <a:p>
             <a:r>
               <a:rPr sz="2200"/>
-              <a:t>First-party web search (cached or live modes)</a:t>
+              <a:t>As of Feb 26, 2026 docs: verify current rollout status and execution constraints before production use.</a:t>
             </a:r>
           </a:p>
           <a:p>
             <a:r>
               <a:rPr sz="2200"/>
-              <a:t>Built-in MCP support for external tools and context providers</a:t>
+              <a:t>Best used as implementer with independent reviewer checks</a:t>
             </a:r>
           </a:p>
         </p:txBody>
@@ -10846,7 +10759,7 @@
         </p:nvSpPr>
         <p:spPr>
           <a:xfrm>
-            <a:off x="8238744" y="4416552"/>
+            <a:off x="5146753" y="4078066"/>
             <a:ext cx="3675887" cy="2212848"/>
           </a:xfrm>
           <a:prstGeom prst="roundRect">
@@ -10881,6 +10794,7 @@
           <a:lstStyle/>
           <a:p>
             <a:pPr algn="ctr"/>
+            <a:endParaRPr/>
           </a:p>
         </p:txBody>
       </p:sp>
@@ -10900,7 +10814,7 @@
         </p:blipFill>
         <p:spPr>
           <a:xfrm>
-            <a:off x="8284464" y="4462272"/>
+            <a:off x="5192473" y="4123786"/>
             <a:ext cx="3584448" cy="2121408"/>
           </a:xfrm>
           <a:prstGeom prst="rect">
@@ -10938,7 +10852,7 @@
               </a:defRPr>
             </a:pPr>
             <a:r>
-              <a:t>Refs: https://developers.openai.com/codex/cli/features/ | https://developers.openai.com/codex/security/ | https://commons.wikimedia.org/wiki/File:Simplified_robottypes.svg</a:t>
+              <a:t>Refs: https://docs.github.com/en/copilot/concepts/agents/coding-agent/about-coding-agent | https://docs.github.com/en/copilot/how-tos/use-copilot-agents/coding-agent/create-a-pr | https://commons.wikimedia.org/wiki/File:Human%2BRobot.jpg</a:t>
             </a:r>
           </a:p>
         </p:txBody>
@@ -10984,7 +10898,8 @@
           <a:lstStyle/>
           <a:p>
             <a:r>
-              <a:t>GitHub Copilot Coding Agent</a:t>
+              <a:rPr dirty="0"/>
+              <a:t>Google Jules</a:t>
             </a:r>
           </a:p>
         </p:txBody>
@@ -11005,32 +10920,26 @@
           <a:lstStyle/>
           <a:p>
             <a:r>
-              <a:rPr sz="2200"/>
-              <a:t>Strong fit for issue-driven asynchronous implementation</a:t>
-            </a:r>
-          </a:p>
-          <a:p>
-            <a:r>
-              <a:rPr sz="2200"/>
-              <a:t>Operates directly in GitHub pull request workflows</a:t>
-            </a:r>
-          </a:p>
-          <a:p>
-            <a:r>
-              <a:rPr sz="2200"/>
-              <a:t>Useful for repetitive backlog and maintenance tasks</a:t>
-            </a:r>
-          </a:p>
-          <a:p>
-            <a:r>
-              <a:rPr sz="2200"/>
-              <a:t>As of Feb 26, 2026 docs: verify current rollout status and execution constraints before production use.</a:t>
-            </a:r>
-          </a:p>
-          <a:p>
-            <a:r>
-              <a:rPr sz="2200"/>
-              <a:t>Best used as implementer with independent reviewer checks</a:t>
+              <a:rPr sz="2200" dirty="0"/>
+              <a:t>Jules targets asynchronous coding tasks on codebases</a:t>
+            </a:r>
+          </a:p>
+          <a:p>
+            <a:r>
+              <a:rPr sz="2200" dirty="0"/>
+              <a:t>Good pattern: dispatch tasks, collect artifacts, review diffs</a:t>
+            </a:r>
+          </a:p>
+          <a:p>
+            <a:r>
+              <a:rPr sz="2200" dirty="0"/>
+              <a:t>Useful for long-running background work</a:t>
+            </a:r>
+          </a:p>
+          <a:p>
+            <a:r>
+              <a:rPr sz="2200" dirty="0"/>
+              <a:t>Needs strict acceptance tests before delegated execution</a:t>
             </a:r>
           </a:p>
         </p:txBody>
@@ -11043,7 +10952,7 @@
         </p:nvSpPr>
         <p:spPr>
           <a:xfrm>
-            <a:off x="8238744" y="4416552"/>
+            <a:off x="5056632" y="3728395"/>
             <a:ext cx="3675887" cy="2212848"/>
           </a:xfrm>
           <a:prstGeom prst="roundRect">
@@ -11078,12 +10987,13 @@
           <a:lstStyle/>
           <a:p>
             <a:pPr algn="ctr"/>
+            <a:endParaRPr/>
           </a:p>
         </p:txBody>
       </p:sp>
       <p:pic>
         <p:nvPicPr>
-          <p:cNvPr id="5" name="Picture 4" descr="image.png"/>
+          <p:cNvPr id="5" name="Picture 4" descr="sim_snapshot_1_astar.png"/>
           <p:cNvPicPr>
             <a:picLocks noChangeAspect="1"/>
           </p:cNvPicPr>
@@ -11097,7 +11007,7 @@
         </p:blipFill>
         <p:spPr>
           <a:xfrm>
-            <a:off x="8284464" y="4462272"/>
+            <a:off x="5102352" y="3774115"/>
             <a:ext cx="3584448" cy="2121408"/>
           </a:xfrm>
           <a:prstGeom prst="rect">
@@ -11135,7 +11045,7 @@
               </a:defRPr>
             </a:pPr>
             <a:r>
-              <a:t>Refs: https://docs.github.com/en/copilot/concepts/agents/coding-agent/about-coding-agent | https://docs.github.com/en/copilot/how-tos/use-copilot-agents/coding-agent/create-a-pr | https://commons.wikimedia.org/wiki/File:Human%2BRobot.jpg</a:t>
+              <a:t>Refs: https://jules.google/docs/api/reference/overview | https://jules.google/docs/api/reference/ | https://jules.google/docs/changelog/2025-10-03/</a:t>
             </a:r>
           </a:p>
         </p:txBody>
